--- a/Documents/WorkshopGroup40.pptx
+++ b/Documents/WorkshopGroup40.pptx
@@ -13,6 +13,7 @@
     <p:sldId id="262" r:id="rId7"/>
     <p:sldId id="258" r:id="rId8"/>
     <p:sldId id="263" r:id="rId9"/>
+    <p:sldId id="265" r:id="rId10"/>
   </p:sldIdLst>
   <p:sldSz cx="12192000" cy="6858000"/>
   <p:notesSz cx="6858000" cy="9144000"/>
@@ -111,6 +112,11 @@
       </a:defRPr>
     </a:lvl9pPr>
   </p:defaultTextStyle>
+  <p:extLst>
+    <p:ext uri="{EFAFB233-063F-42B5-8137-9DF3F51BA10A}">
+      <p15:sldGuideLst xmlns:p15="http://schemas.microsoft.com/office/powerpoint/2012/main"/>
+    </p:ext>
+  </p:extLst>
 </p:presentation>
 </file>
 
@@ -5518,7 +5524,7 @@
           <a:lstStyle/>
           <a:p>
             <a:r>
-              <a:rPr lang="en-GB" sz="2800"/>
+              <a:rPr lang="en-GB" sz="2800" dirty="0"/>
               <a:t>Our Datasets</a:t>
             </a:r>
           </a:p>
@@ -5714,27 +5720,25 @@
           <a:lstStyle/>
           <a:p>
             <a:r>
-              <a:rPr lang="en-GB" sz="1400"/>
+              <a:rPr lang="en-GB" sz="1400" dirty="0"/>
               <a:t>Premier League Games Datasets – 2000/01 to 2017/18 – from football-data.co.uk</a:t>
             </a:r>
           </a:p>
           <a:p>
+            <a:r>
+              <a:rPr lang="en-GB" sz="1400" dirty="0"/>
+              <a:t>This dataset contains information about every game from this time period.</a:t>
+            </a:r>
+          </a:p>
+          <a:p>
+            <a:r>
+              <a:rPr lang="en-GB" sz="1400" dirty="0"/>
+              <a:t>The number of attributes in these datasets ranged from 28 to 65.</a:t>
+            </a:r>
+          </a:p>
+          <a:p>
             <a:pPr lvl="1"/>
-            <a:r>
-              <a:rPr lang="en-GB" sz="1400"/>
-              <a:t>This dataset contains information about every game from this time period.</a:t>
-            </a:r>
-          </a:p>
-          <a:p>
-            <a:pPr lvl="1"/>
-            <a:r>
-              <a:rPr lang="en-GB" sz="1400"/>
-              <a:t>The number of attributes in these datasets ranged from 28 to 65.</a:t>
-            </a:r>
-          </a:p>
-          <a:p>
-            <a:pPr lvl="1"/>
-            <a:endParaRPr lang="en-GB" sz="1400"/>
+            <a:endParaRPr lang="en-GB" sz="1400" dirty="0"/>
           </a:p>
         </p:txBody>
       </p:sp>
@@ -6263,66 +6267,6 @@
           <a:chExt cx="0" cy="0"/>
         </a:xfrm>
       </p:grpSpPr>
-      <p:sp useBgFill="1">
-        <p:nvSpPr>
-          <p:cNvPr id="13" name="Rectangle 12">
-            <a:extLst>
-              <a:ext uri="{FF2B5EF4-FFF2-40B4-BE49-F238E27FC236}">
-                <a16:creationId xmlns:a16="http://schemas.microsoft.com/office/drawing/2014/main" id="{E09CCB3F-DBCE-4964-9E34-8C5DE80EF4B5}"/>
-              </a:ext>
-              <a:ext uri="{C183D7F6-B498-43B3-948B-1728B52AA6E4}">
-                <adec:decorative xmlns:adec="http://schemas.microsoft.com/office/drawing/2017/decorative" val="1"/>
-              </a:ext>
-            </a:extLst>
-          </p:cNvPr>
-          <p:cNvSpPr>
-            <a:spLocks noGrp="1" noRot="1" noChangeAspect="1" noMove="1" noResize="1" noEditPoints="1" noAdjustHandles="1" noChangeArrowheads="1" noChangeShapeType="1" noTextEdit="1"/>
-          </p:cNvSpPr>
-          <p:nvPr>
-            <p:extLst>
-              <p:ext uri="{386F3935-93C4-4BCD-93E2-E3B085C9AB24}">
-                <p16:designElem xmlns:p16="http://schemas.microsoft.com/office/powerpoint/2015/main" val="1"/>
-              </p:ext>
-            </p:extLst>
-          </p:nvPr>
-        </p:nvSpPr>
-        <p:spPr>
-          <a:xfrm>
-            <a:off x="0" y="0"/>
-            <a:ext cx="12192000" cy="6858000"/>
-          </a:xfrm>
-          <a:prstGeom prst="rect">
-            <a:avLst/>
-          </a:prstGeom>
-          <a:ln>
-            <a:noFill/>
-          </a:ln>
-        </p:spPr>
-        <p:style>
-          <a:lnRef idx="2">
-            <a:schemeClr val="accent1">
-              <a:shade val="50000"/>
-            </a:schemeClr>
-          </a:lnRef>
-          <a:fillRef idx="1">
-            <a:schemeClr val="accent1"/>
-          </a:fillRef>
-          <a:effectRef idx="0">
-            <a:schemeClr val="accent1"/>
-          </a:effectRef>
-          <a:fontRef idx="minor">
-            <a:schemeClr val="lt1"/>
-          </a:fontRef>
-        </p:style>
-        <p:txBody>
-          <a:bodyPr rtlCol="0" anchor="ctr"/>
-          <a:lstStyle/>
-          <a:p>
-            <a:pPr algn="ctr"/>
-            <a:endParaRPr lang="en-US"/>
-          </a:p>
-        </p:txBody>
-      </p:sp>
       <p:sp>
         <p:nvSpPr>
           <p:cNvPr id="2" name="Title 1">
@@ -6341,93 +6285,20 @@
         </p:nvSpPr>
         <p:spPr>
           <a:xfrm>
-            <a:off x="7532710" y="620722"/>
-            <a:ext cx="3518748" cy="1142462"/>
+            <a:off x="684212" y="4487332"/>
+            <a:ext cx="8534400" cy="1507067"/>
           </a:xfrm>
         </p:spPr>
         <p:txBody>
-          <a:bodyPr anchor="b">
+          <a:bodyPr>
             <a:normAutofit/>
           </a:bodyPr>
           <a:lstStyle/>
           <a:p>
             <a:r>
-              <a:rPr lang="en-GB" sz="2800"/>
-              <a:t>Attribute Analysis </a:t>
-            </a:r>
-          </a:p>
-        </p:txBody>
-      </p:sp>
-      <p:sp>
-        <p:nvSpPr>
-          <p:cNvPr id="15" name="Snip Diagonal Corner Rectangle 24">
-            <a:extLst>
-              <a:ext uri="{FF2B5EF4-FFF2-40B4-BE49-F238E27FC236}">
-                <a16:creationId xmlns:a16="http://schemas.microsoft.com/office/drawing/2014/main" id="{1DFF944F-74BA-483A-82C0-64E3AAF4AE98}"/>
-              </a:ext>
-              <a:ext uri="{C183D7F6-B498-43B3-948B-1728B52AA6E4}">
-                <adec:decorative xmlns:adec="http://schemas.microsoft.com/office/drawing/2017/decorative" val="1"/>
-              </a:ext>
-            </a:extLst>
-          </p:cNvPr>
-          <p:cNvSpPr>
-            <a:spLocks noGrp="1" noRot="1" noChangeAspect="1" noMove="1" noResize="1" noEditPoints="1" noAdjustHandles="1" noChangeArrowheads="1" noChangeShapeType="1" noTextEdit="1"/>
-          </p:cNvSpPr>
-          <p:nvPr>
-            <p:extLst>
-              <p:ext uri="{386F3935-93C4-4BCD-93E2-E3B085C9AB24}">
-                <p16:designElem xmlns:p16="http://schemas.microsoft.com/office/powerpoint/2015/main" val="1"/>
-              </p:ext>
-            </p:extLst>
-          </p:nvPr>
-        </p:nvSpPr>
-        <p:spPr>
-          <a:xfrm>
-            <a:off x="612990" y="620722"/>
-            <a:ext cx="6575496" cy="5286838"/>
-          </a:xfrm>
-          <a:prstGeom prst="snip2DiagRect">
-            <a:avLst>
-              <a:gd name="adj1" fmla="val 10787"/>
-              <a:gd name="adj2" fmla="val 0"/>
-            </a:avLst>
-          </a:prstGeom>
-          <a:solidFill>
-            <a:schemeClr val="tx1"/>
-          </a:solidFill>
-          <a:ln>
-            <a:noFill/>
-          </a:ln>
-          <a:effectLst>
-            <a:innerShdw blurRad="57150" dist="38100" dir="14460000">
-              <a:prstClr val="black">
-                <a:alpha val="70000"/>
-              </a:prstClr>
-            </a:innerShdw>
-          </a:effectLst>
-        </p:spPr>
-        <p:style>
-          <a:lnRef idx="2">
-            <a:schemeClr val="accent1">
-              <a:shade val="50000"/>
-            </a:schemeClr>
-          </a:lnRef>
-          <a:fillRef idx="1">
-            <a:schemeClr val="accent1"/>
-          </a:fillRef>
-          <a:effectRef idx="0">
-            <a:schemeClr val="accent1"/>
-          </a:effectRef>
-          <a:fontRef idx="minor">
-            <a:schemeClr val="lt1"/>
-          </a:fontRef>
-        </p:style>
-        <p:txBody>
-          <a:bodyPr rtlCol="0" anchor="ctr"/>
-          <a:lstStyle/>
-          <a:p>
-            <a:pPr algn="ctr"/>
-            <a:endParaRPr lang="en-US"/>
+              <a:rPr lang="en-GB" dirty="0"/>
+              <a:t>Attribute Analysis – Aggregate win percentage </a:t>
+            </a:r>
           </a:p>
         </p:txBody>
       </p:sp>
@@ -6452,71 +6323,19 @@
         </p:blipFill>
         <p:spPr>
           <a:xfrm>
-            <a:off x="778062" y="786117"/>
-            <a:ext cx="6245352" cy="4956048"/>
+            <a:off x="1190548" y="733647"/>
+            <a:ext cx="4506141" cy="3575884"/>
           </a:xfrm>
-          <a:custGeom>
+          <a:prstGeom prst="rect">
             <a:avLst/>
-            <a:gdLst>
-              <a:gd name="connsiteX0" fmla="*/ 534609 w 6245352"/>
-              <a:gd name="connsiteY0" fmla="*/ 0 h 4956048"/>
-              <a:gd name="connsiteX1" fmla="*/ 6245352 w 6245352"/>
-              <a:gd name="connsiteY1" fmla="*/ 0 h 4956048"/>
-              <a:gd name="connsiteX2" fmla="*/ 6245352 w 6245352"/>
-              <a:gd name="connsiteY2" fmla="*/ 4421439 h 4956048"/>
-              <a:gd name="connsiteX3" fmla="*/ 5710743 w 6245352"/>
-              <a:gd name="connsiteY3" fmla="*/ 4956048 h 4956048"/>
-              <a:gd name="connsiteX4" fmla="*/ 0 w 6245352"/>
-              <a:gd name="connsiteY4" fmla="*/ 4956048 h 4956048"/>
-              <a:gd name="connsiteX5" fmla="*/ 0 w 6245352"/>
-              <a:gd name="connsiteY5" fmla="*/ 534609 h 4956048"/>
-            </a:gdLst>
-            <a:ahLst/>
-            <a:cxnLst>
-              <a:cxn ang="0">
-                <a:pos x="connsiteX0" y="connsiteY0"/>
-              </a:cxn>
-              <a:cxn ang="0">
-                <a:pos x="connsiteX1" y="connsiteY1"/>
-              </a:cxn>
-              <a:cxn ang="0">
-                <a:pos x="connsiteX2" y="connsiteY2"/>
-              </a:cxn>
-              <a:cxn ang="0">
-                <a:pos x="connsiteX3" y="connsiteY3"/>
-              </a:cxn>
-              <a:cxn ang="0">
-                <a:pos x="connsiteX4" y="connsiteY4"/>
-              </a:cxn>
-              <a:cxn ang="0">
-                <a:pos x="connsiteX5" y="connsiteY5"/>
-              </a:cxn>
-            </a:cxnLst>
-            <a:rect l="l" t="t" r="r" b="b"/>
-            <a:pathLst>
-              <a:path w="6245352" h="4956048">
-                <a:moveTo>
-                  <a:pt x="534609" y="0"/>
-                </a:moveTo>
-                <a:lnTo>
-                  <a:pt x="6245352" y="0"/>
-                </a:lnTo>
-                <a:lnTo>
-                  <a:pt x="6245352" y="4421439"/>
-                </a:lnTo>
-                <a:lnTo>
-                  <a:pt x="5710743" y="4956048"/>
-                </a:lnTo>
-                <a:lnTo>
-                  <a:pt x="0" y="4956048"/>
-                </a:lnTo>
-                <a:lnTo>
-                  <a:pt x="0" y="534609"/>
-                </a:lnTo>
-                <a:close/>
-              </a:path>
-            </a:pathLst>
-          </a:custGeom>
+          </a:prstGeom>
+          <a:effectLst>
+            <a:innerShdw blurRad="57150" dist="38100" dir="14460000">
+              <a:prstClr val="black">
+                <a:alpha val="70000"/>
+              </a:prstClr>
+            </a:innerShdw>
+          </a:effectLst>
         </p:spPr>
       </p:pic>
       <p:sp>
@@ -6537,302 +6356,20 @@
         </p:nvSpPr>
         <p:spPr>
           <a:xfrm>
-            <a:off x="7532710" y="1822449"/>
-            <a:ext cx="3479419" cy="3070226"/>
+            <a:off x="6499654" y="733647"/>
+            <a:ext cx="4419171" cy="3575884"/>
           </a:xfrm>
         </p:spPr>
         <p:txBody>
-          <a:bodyPr anchor="t">
+          <a:bodyPr>
             <a:normAutofit/>
           </a:bodyPr>
           <a:lstStyle/>
           <a:p>
-            <a:endParaRPr lang="en-US" sz="1400"/>
-          </a:p>
-        </p:txBody>
-      </p:sp>
-      <p:grpSp>
-        <p:nvGrpSpPr>
-          <p:cNvPr id="17" name="Group 16">
-            <a:extLst>
-              <a:ext uri="{FF2B5EF4-FFF2-40B4-BE49-F238E27FC236}">
-                <a16:creationId xmlns:a16="http://schemas.microsoft.com/office/drawing/2014/main" id="{A9733A91-F958-4629-801A-3F6F1E09AD64}"/>
-              </a:ext>
-              <a:ext uri="{C183D7F6-B498-43B3-948B-1728B52AA6E4}">
-                <adec:decorative xmlns:adec="http://schemas.microsoft.com/office/drawing/2017/decorative" val="1"/>
-              </a:ext>
-            </a:extLst>
-          </p:cNvPr>
-          <p:cNvGrpSpPr>
-            <a:grpSpLocks noGrp="1" noUngrp="1" noRot="1" noChangeAspect="1" noMove="1" noResize="1"/>
-          </p:cNvGrpSpPr>
-          <p:nvPr>
-            <p:extLst>
-              <p:ext uri="{386F3935-93C4-4BCD-93E2-E3B085C9AB24}">
-                <p16:designElem xmlns:p16="http://schemas.microsoft.com/office/powerpoint/2015/main" val="1"/>
-              </p:ext>
-            </p:extLst>
-          </p:nvPr>
-        </p:nvGrpSpPr>
-        <p:grpSpPr>
-          <a:xfrm>
-            <a:off x="9206969" y="2963333"/>
-            <a:ext cx="2981858" cy="3208867"/>
-            <a:chOff x="9206969" y="2963333"/>
-            <a:chExt cx="2981858" cy="3208867"/>
-          </a:xfrm>
-        </p:grpSpPr>
-        <p:cxnSp>
-          <p:nvCxnSpPr>
-            <p:cNvPr id="18" name="Straight Connector 17">
-              <a:extLst>
-                <a:ext uri="{FF2B5EF4-FFF2-40B4-BE49-F238E27FC236}">
-                  <a16:creationId xmlns:a16="http://schemas.microsoft.com/office/drawing/2014/main" id="{F3812972-C68B-4C59-B3A7-4AF61E935D4A}"/>
-                </a:ext>
-                <a:ext uri="{C183D7F6-B498-43B3-948B-1728B52AA6E4}">
-                  <adec:decorative xmlns:adec="http://schemas.microsoft.com/office/drawing/2017/decorative" val="1"/>
-                </a:ext>
-              </a:extLst>
-            </p:cNvPr>
-            <p:cNvCxnSpPr/>
-            <p:nvPr>
-              <p:extLst>
-                <p:ext uri="{386F3935-93C4-4BCD-93E2-E3B085C9AB24}">
-                  <p16:designElem xmlns:p16="http://schemas.microsoft.com/office/powerpoint/2015/main" val="1"/>
-                </p:ext>
-              </p:extLst>
-            </p:nvPr>
-          </p:nvCxnSpPr>
-          <p:spPr>
-            <a:xfrm flipH="1">
-              <a:off x="11276012" y="2963333"/>
-              <a:ext cx="912814" cy="912812"/>
-            </a:xfrm>
-            <a:prstGeom prst="line">
-              <a:avLst/>
-            </a:prstGeom>
-            <a:ln w="9525">
-              <a:solidFill>
-                <a:schemeClr val="tx1"/>
-              </a:solidFill>
-            </a:ln>
-          </p:spPr>
-          <p:style>
-            <a:lnRef idx="2">
-              <a:schemeClr val="accent1"/>
-            </a:lnRef>
-            <a:fillRef idx="0">
-              <a:schemeClr val="accent1"/>
-            </a:fillRef>
-            <a:effectRef idx="1">
-              <a:schemeClr val="accent1"/>
-            </a:effectRef>
-            <a:fontRef idx="minor">
-              <a:schemeClr val="tx1"/>
-            </a:fontRef>
-          </p:style>
-        </p:cxnSp>
-        <p:cxnSp>
-          <p:nvCxnSpPr>
-            <p:cNvPr id="19" name="Straight Connector 18">
-              <a:extLst>
-                <a:ext uri="{FF2B5EF4-FFF2-40B4-BE49-F238E27FC236}">
-                  <a16:creationId xmlns:a16="http://schemas.microsoft.com/office/drawing/2014/main" id="{CB3F3B7C-7909-4486-AA08-5C6B625C3A0A}"/>
-                </a:ext>
-                <a:ext uri="{C183D7F6-B498-43B3-948B-1728B52AA6E4}">
-                  <adec:decorative xmlns:adec="http://schemas.microsoft.com/office/drawing/2017/decorative" val="1"/>
-                </a:ext>
-              </a:extLst>
-            </p:cNvPr>
-            <p:cNvCxnSpPr/>
-            <p:nvPr>
-              <p:extLst>
-                <p:ext uri="{386F3935-93C4-4BCD-93E2-E3B085C9AB24}">
-                  <p16:designElem xmlns:p16="http://schemas.microsoft.com/office/powerpoint/2015/main" val="1"/>
-                </p:ext>
-              </p:extLst>
-            </p:nvPr>
-          </p:nvCxnSpPr>
-          <p:spPr>
-            <a:xfrm flipH="1">
-              <a:off x="9206969" y="3190344"/>
-              <a:ext cx="2981857" cy="2981856"/>
-            </a:xfrm>
-            <a:prstGeom prst="line">
-              <a:avLst/>
-            </a:prstGeom>
-            <a:ln w="9525">
-              <a:solidFill>
-                <a:schemeClr val="tx1"/>
-              </a:solidFill>
-            </a:ln>
-          </p:spPr>
-          <p:style>
-            <a:lnRef idx="2">
-              <a:schemeClr val="accent1"/>
-            </a:lnRef>
-            <a:fillRef idx="0">
-              <a:schemeClr val="accent1"/>
-            </a:fillRef>
-            <a:effectRef idx="1">
-              <a:schemeClr val="accent1"/>
-            </a:effectRef>
-            <a:fontRef idx="minor">
-              <a:schemeClr val="tx1"/>
-            </a:fontRef>
-          </p:style>
-        </p:cxnSp>
-        <p:cxnSp>
-          <p:nvCxnSpPr>
-            <p:cNvPr id="20" name="Straight Connector 19">
-              <a:extLst>
-                <a:ext uri="{FF2B5EF4-FFF2-40B4-BE49-F238E27FC236}">
-                  <a16:creationId xmlns:a16="http://schemas.microsoft.com/office/drawing/2014/main" id="{00BD7DA8-741F-4296-9363-05EF91541119}"/>
-                </a:ext>
-                <a:ext uri="{C183D7F6-B498-43B3-948B-1728B52AA6E4}">
-                  <adec:decorative xmlns:adec="http://schemas.microsoft.com/office/drawing/2017/decorative" val="1"/>
-                </a:ext>
-              </a:extLst>
-            </p:cNvPr>
-            <p:cNvCxnSpPr/>
-            <p:nvPr>
-              <p:extLst>
-                <p:ext uri="{386F3935-93C4-4BCD-93E2-E3B085C9AB24}">
-                  <p16:designElem xmlns:p16="http://schemas.microsoft.com/office/powerpoint/2015/main" val="1"/>
-                </p:ext>
-              </p:extLst>
-            </p:nvPr>
-          </p:nvCxnSpPr>
-          <p:spPr>
-            <a:xfrm flipH="1">
-              <a:off x="10292292" y="3285067"/>
-              <a:ext cx="1896534" cy="1896533"/>
-            </a:xfrm>
-            <a:prstGeom prst="line">
-              <a:avLst/>
-            </a:prstGeom>
-            <a:ln w="9525">
-              <a:solidFill>
-                <a:schemeClr val="tx1"/>
-              </a:solidFill>
-            </a:ln>
-          </p:spPr>
-          <p:style>
-            <a:lnRef idx="2">
-              <a:schemeClr val="accent1"/>
-            </a:lnRef>
-            <a:fillRef idx="0">
-              <a:schemeClr val="accent1"/>
-            </a:fillRef>
-            <a:effectRef idx="1">
-              <a:schemeClr val="accent1"/>
-            </a:effectRef>
-            <a:fontRef idx="minor">
-              <a:schemeClr val="tx1"/>
-            </a:fontRef>
-          </p:style>
-        </p:cxnSp>
-        <p:cxnSp>
-          <p:nvCxnSpPr>
-            <p:cNvPr id="21" name="Straight Connector 20">
-              <a:extLst>
-                <a:ext uri="{FF2B5EF4-FFF2-40B4-BE49-F238E27FC236}">
-                  <a16:creationId xmlns:a16="http://schemas.microsoft.com/office/drawing/2014/main" id="{62068EFC-20FC-456F-839F-4BCFFCAA8197}"/>
-                </a:ext>
-                <a:ext uri="{C183D7F6-B498-43B3-948B-1728B52AA6E4}">
-                  <adec:decorative xmlns:adec="http://schemas.microsoft.com/office/drawing/2017/decorative" val="1"/>
-                </a:ext>
-              </a:extLst>
-            </p:cNvPr>
-            <p:cNvCxnSpPr/>
-            <p:nvPr>
-              <p:extLst>
-                <p:ext uri="{386F3935-93C4-4BCD-93E2-E3B085C9AB24}">
-                  <p16:designElem xmlns:p16="http://schemas.microsoft.com/office/powerpoint/2015/main" val="1"/>
-                </p:ext>
-              </p:extLst>
-            </p:nvPr>
-          </p:nvCxnSpPr>
-          <p:spPr>
-            <a:xfrm flipH="1">
-              <a:off x="10443103" y="3131080"/>
-              <a:ext cx="1745722" cy="1745720"/>
-            </a:xfrm>
-            <a:prstGeom prst="line">
-              <a:avLst/>
-            </a:prstGeom>
-            <a:ln w="28575">
-              <a:solidFill>
-                <a:schemeClr val="tx1"/>
-              </a:solidFill>
-            </a:ln>
-          </p:spPr>
-          <p:style>
-            <a:lnRef idx="2">
-              <a:schemeClr val="accent1"/>
-            </a:lnRef>
-            <a:fillRef idx="0">
-              <a:schemeClr val="accent1"/>
-            </a:fillRef>
-            <a:effectRef idx="1">
-              <a:schemeClr val="accent1"/>
-            </a:effectRef>
-            <a:fontRef idx="minor">
-              <a:schemeClr val="tx1"/>
-            </a:fontRef>
-          </p:style>
-        </p:cxnSp>
-        <p:cxnSp>
-          <p:nvCxnSpPr>
-            <p:cNvPr id="22" name="Straight Connector 21">
-              <a:extLst>
-                <a:ext uri="{FF2B5EF4-FFF2-40B4-BE49-F238E27FC236}">
-                  <a16:creationId xmlns:a16="http://schemas.microsoft.com/office/drawing/2014/main" id="{3251C60F-B911-433E-BF75-3BBEFD0538CB}"/>
-                </a:ext>
-                <a:ext uri="{C183D7F6-B498-43B3-948B-1728B52AA6E4}">
-                  <adec:decorative xmlns:adec="http://schemas.microsoft.com/office/drawing/2017/decorative" val="1"/>
-                </a:ext>
-              </a:extLst>
-            </p:cNvPr>
-            <p:cNvCxnSpPr/>
-            <p:nvPr>
-              <p:extLst>
-                <p:ext uri="{386F3935-93C4-4BCD-93E2-E3B085C9AB24}">
-                  <p16:designElem xmlns:p16="http://schemas.microsoft.com/office/powerpoint/2015/main" val="1"/>
-                </p:ext>
-              </p:extLst>
-            </p:nvPr>
-          </p:nvCxnSpPr>
-          <p:spPr>
-            <a:xfrm flipH="1">
-              <a:off x="10918826" y="3683001"/>
-              <a:ext cx="1270001" cy="1269999"/>
-            </a:xfrm>
-            <a:prstGeom prst="line">
-              <a:avLst/>
-            </a:prstGeom>
-            <a:ln w="28575">
-              <a:solidFill>
-                <a:schemeClr val="tx1"/>
-              </a:solidFill>
-            </a:ln>
-          </p:spPr>
-          <p:style>
-            <a:lnRef idx="2">
-              <a:schemeClr val="accent1"/>
-            </a:lnRef>
-            <a:fillRef idx="0">
-              <a:schemeClr val="accent1"/>
-            </a:fillRef>
-            <a:effectRef idx="1">
-              <a:schemeClr val="accent1"/>
-            </a:effectRef>
-            <a:fontRef idx="minor">
-              <a:schemeClr val="tx1"/>
-            </a:fontRef>
-          </p:style>
-        </p:cxnSp>
-      </p:grpSp>
+            <a:endParaRPr lang="en-US"/>
+          </a:p>
+        </p:txBody>
+      </p:sp>
     </p:spTree>
     <p:extLst>
       <p:ext uri="{BB962C8B-B14F-4D97-AF65-F5344CB8AC3E}">
@@ -6906,8 +6443,8 @@
         </p:nvSpPr>
         <p:spPr>
           <a:xfrm>
-            <a:off x="8194088" y="490492"/>
-            <a:ext cx="3643435" cy="4063754"/>
+            <a:off x="8161037" y="736605"/>
+            <a:ext cx="3643435" cy="2692395"/>
           </a:xfrm>
         </p:spPr>
         <p:txBody>
@@ -6917,8 +6454,8 @@
           <a:lstStyle/>
           <a:p>
             <a:r>
-              <a:rPr lang="en-US"/>
-              <a:t>Attribute Analysis </a:t>
+              <a:rPr lang="en-US" dirty="0"/>
+              <a:t>Attribute Analysis – Points Difference </a:t>
             </a:r>
           </a:p>
         </p:txBody>
@@ -6951,7 +6488,7 @@
           </a:bodyPr>
           <a:lstStyle/>
           <a:p>
-            <a:endParaRPr lang="en-US"/>
+            <a:endParaRPr lang="en-US" dirty="0"/>
           </a:p>
         </p:txBody>
       </p:sp>
@@ -6977,8 +6514,8 @@
         </p:blipFill>
         <p:spPr>
           <a:xfrm>
-            <a:off x="684212" y="3676261"/>
-            <a:ext cx="9089094" cy="3022123"/>
+            <a:off x="684212" y="3946583"/>
+            <a:ext cx="7280983" cy="2420926"/>
           </a:xfrm>
           <a:prstGeom prst="rect">
             <a:avLst/>
@@ -7001,6 +6538,14 @@
 <file path=ppt/slides/slide7.xml><?xml version="1.0" encoding="utf-8"?>
 <p:sld xmlns:a="http://schemas.openxmlformats.org/drawingml/2006/main" xmlns:r="http://schemas.openxmlformats.org/officeDocument/2006/relationships" xmlns:p="http://schemas.openxmlformats.org/presentationml/2006/main">
   <p:cSld>
+    <p:bg>
+      <p:bgPr>
+        <a:solidFill>
+          <a:schemeClr val="bg1"/>
+        </a:solidFill>
+        <a:effectLst/>
+      </p:bgPr>
+    </p:bg>
     <p:spTree>
       <p:nvGrpSpPr>
         <p:cNvPr id="1" name=""/>
@@ -7017,6 +6562,66 @@
       </p:grpSpPr>
       <p:sp>
         <p:nvSpPr>
+          <p:cNvPr id="13" name="Rectangle 12">
+            <a:extLst>
+              <a:ext uri="{FF2B5EF4-FFF2-40B4-BE49-F238E27FC236}">
+                <a16:creationId xmlns:a16="http://schemas.microsoft.com/office/drawing/2014/main" id="{124D9F5B-C72B-41EE-97C2-D3600B62717D}"/>
+              </a:ext>
+              <a:ext uri="{C183D7F6-B498-43B3-948B-1728B52AA6E4}">
+                <adec:decorative xmlns:adec="http://schemas.microsoft.com/office/drawing/2017/decorative" val="1"/>
+              </a:ext>
+            </a:extLst>
+          </p:cNvPr>
+          <p:cNvSpPr>
+            <a:spLocks noGrp="1" noRot="1" noChangeAspect="1" noMove="1" noResize="1" noEditPoints="1" noAdjustHandles="1" noChangeArrowheads="1" noChangeShapeType="1" noTextEdit="1"/>
+          </p:cNvSpPr>
+          <p:nvPr>
+            <p:extLst>
+              <p:ext uri="{386F3935-93C4-4BCD-93E2-E3B085C9AB24}">
+                <p16:designElem xmlns:p16="http://schemas.microsoft.com/office/powerpoint/2015/main" val="1"/>
+              </p:ext>
+            </p:extLst>
+          </p:nvPr>
+        </p:nvSpPr>
+        <p:spPr>
+          <a:xfrm>
+            <a:off x="0" y="0"/>
+            <a:ext cx="12192000" cy="6858000"/>
+          </a:xfrm>
+          <a:prstGeom prst="rect">
+            <a:avLst/>
+          </a:prstGeom>
+          <a:ln>
+            <a:noFill/>
+          </a:ln>
+        </p:spPr>
+        <p:style>
+          <a:lnRef idx="2">
+            <a:schemeClr val="accent1">
+              <a:shade val="50000"/>
+            </a:schemeClr>
+          </a:lnRef>
+          <a:fillRef idx="1002">
+            <a:schemeClr val="dk2"/>
+          </a:fillRef>
+          <a:effectRef idx="0">
+            <a:schemeClr val="accent1"/>
+          </a:effectRef>
+          <a:fontRef idx="minor">
+            <a:schemeClr val="lt1"/>
+          </a:fontRef>
+        </p:style>
+        <p:txBody>
+          <a:bodyPr rtlCol="0" anchor="ctr"/>
+          <a:lstStyle/>
+          <a:p>
+            <a:pPr algn="ctr"/>
+            <a:endParaRPr lang="en-US"/>
+          </a:p>
+        </p:txBody>
+      </p:sp>
+      <p:sp>
+        <p:nvSpPr>
           <p:cNvPr id="2" name="Title 1">
             <a:extLst>
               <a:ext uri="{FF2B5EF4-FFF2-40B4-BE49-F238E27FC236}">
@@ -7031,18 +6636,37 @@
             <p:ph type="title"/>
           </p:nvPr>
         </p:nvSpPr>
-        <p:spPr/>
-        <p:txBody>
-          <a:bodyPr/>
-          <a:lstStyle/>
-          <a:p>
-            <a:endParaRPr lang="en-GB"/>
+        <p:spPr>
+          <a:xfrm>
+            <a:off x="717551" y="499662"/>
+            <a:ext cx="10321350" cy="1507067"/>
+          </a:xfrm>
+        </p:spPr>
+        <p:txBody>
+          <a:bodyPr>
+            <a:normAutofit/>
+          </a:bodyPr>
+          <a:lstStyle/>
+          <a:p>
+            <a:r>
+              <a:rPr lang="en-US" sz="3200" dirty="0">
+                <a:solidFill>
+                  <a:srgbClr val="FFFFFF"/>
+                </a:solidFill>
+              </a:rPr>
+              <a:t>Attribute Analysis – Points Difference </a:t>
+            </a:r>
+            <a:endParaRPr lang="en-GB" sz="3200" dirty="0">
+              <a:solidFill>
+                <a:srgbClr val="FFFFFF"/>
+              </a:solidFill>
+            </a:endParaRPr>
           </a:p>
         </p:txBody>
       </p:sp>
       <p:pic>
         <p:nvPicPr>
-          <p:cNvPr id="5" name="Content Placeholder 4" descr="A picture containing object, writing implement, measuring stick&#10;&#10;Description generated with high confidence">
+          <p:cNvPr id="24" name="Content Placeholder 4" descr="A picture containing object, writing implement, measuring stick&#10;&#10;Description generated with high confidence">
             <a:extLst>
               <a:ext uri="{FF2B5EF4-FFF2-40B4-BE49-F238E27FC236}">
                 <a16:creationId xmlns:a16="http://schemas.microsoft.com/office/drawing/2014/main" id="{717B1133-A6AF-40B8-8A50-873BB6554F6B}"/>
@@ -7050,11 +6674,9 @@
             </a:extLst>
           </p:cNvPr>
           <p:cNvPicPr>
-            <a:picLocks noGrp="1" noChangeAspect="1"/>
+            <a:picLocks noChangeAspect="1"/>
           </p:cNvPicPr>
-          <p:nvPr>
-            <p:ph idx="1"/>
-          </p:nvPr>
+          <p:nvPr/>
         </p:nvPicPr>
         <p:blipFill>
           <a:blip r:embed="rId2"/>
@@ -7064,11 +6686,339 @@
         </p:blipFill>
         <p:spPr>
           <a:xfrm>
-            <a:off x="336405" y="494523"/>
-            <a:ext cx="10067196" cy="3355732"/>
+            <a:off x="717551" y="3827063"/>
+            <a:ext cx="8147593" cy="2709074"/>
+          </a:xfrm>
+          <a:prstGeom prst="rect">
+            <a:avLst/>
+          </a:prstGeom>
+          <a:effectLst>
+            <a:innerShdw blurRad="57150" dist="38100" dir="14460000">
+              <a:prstClr val="black">
+                <a:alpha val="70000"/>
+              </a:prstClr>
+            </a:innerShdw>
+          </a:effectLst>
+        </p:spPr>
+      </p:pic>
+      <p:sp>
+        <p:nvSpPr>
+          <p:cNvPr id="25" name="Content Placeholder 9">
+            <a:extLst>
+              <a:ext uri="{FF2B5EF4-FFF2-40B4-BE49-F238E27FC236}">
+                <a16:creationId xmlns:a16="http://schemas.microsoft.com/office/drawing/2014/main" id="{157FAB93-6BDE-4974-8163-A5A615C58C45}"/>
+              </a:ext>
+            </a:extLst>
+          </p:cNvPr>
+          <p:cNvSpPr>
+            <a:spLocks noGrp="1"/>
+          </p:cNvSpPr>
+          <p:nvPr>
+            <p:ph idx="1"/>
+          </p:nvPr>
+        </p:nvSpPr>
+        <p:spPr>
+          <a:xfrm>
+            <a:off x="717552" y="1551248"/>
+            <a:ext cx="10198100" cy="2199615"/>
           </a:xfrm>
         </p:spPr>
-      </p:pic>
+        <p:txBody>
+          <a:bodyPr>
+            <a:normAutofit/>
+          </a:bodyPr>
+          <a:lstStyle/>
+          <a:p>
+            <a:endParaRPr lang="en-US" sz="1800" dirty="0">
+              <a:solidFill>
+                <a:srgbClr val="0F496F"/>
+              </a:solidFill>
+            </a:endParaRPr>
+          </a:p>
+        </p:txBody>
+      </p:sp>
+      <p:grpSp>
+        <p:nvGrpSpPr>
+          <p:cNvPr id="26" name="Group 14">
+            <a:extLst>
+              <a:ext uri="{FF2B5EF4-FFF2-40B4-BE49-F238E27FC236}">
+                <a16:creationId xmlns:a16="http://schemas.microsoft.com/office/drawing/2014/main" id="{0180A64C-1862-4B1B-8953-FA96DEE4C44F}"/>
+              </a:ext>
+              <a:ext uri="{C183D7F6-B498-43B3-948B-1728B52AA6E4}">
+                <adec:decorative xmlns:adec="http://schemas.microsoft.com/office/drawing/2017/decorative" val="1"/>
+              </a:ext>
+            </a:extLst>
+          </p:cNvPr>
+          <p:cNvGrpSpPr>
+            <a:grpSpLocks noGrp="1" noUngrp="1" noRot="1" noChangeAspect="1" noMove="1" noResize="1"/>
+          </p:cNvGrpSpPr>
+          <p:nvPr>
+            <p:extLst>
+              <p:ext uri="{386F3935-93C4-4BCD-93E2-E3B085C9AB24}">
+                <p16:designElem xmlns:p16="http://schemas.microsoft.com/office/powerpoint/2015/main" val="1"/>
+              </p:ext>
+            </p:extLst>
+          </p:nvPr>
+        </p:nvGrpSpPr>
+        <p:grpSpPr>
+          <a:xfrm>
+            <a:off x="9206969" y="2963333"/>
+            <a:ext cx="2981858" cy="3208867"/>
+            <a:chOff x="9206969" y="2963333"/>
+            <a:chExt cx="2981858" cy="3208867"/>
+          </a:xfrm>
+        </p:grpSpPr>
+        <p:cxnSp>
+          <p:nvCxnSpPr>
+            <p:cNvPr id="27" name="Straight Connector 15">
+              <a:extLst>
+                <a:ext uri="{FF2B5EF4-FFF2-40B4-BE49-F238E27FC236}">
+                  <a16:creationId xmlns:a16="http://schemas.microsoft.com/office/drawing/2014/main" id="{52859A51-B3CA-4126-956F-D0DCCBA21294}"/>
+                </a:ext>
+                <a:ext uri="{C183D7F6-B498-43B3-948B-1728B52AA6E4}">
+                  <adec:decorative xmlns:adec="http://schemas.microsoft.com/office/drawing/2017/decorative" val="1"/>
+                </a:ext>
+              </a:extLst>
+            </p:cNvPr>
+            <p:cNvCxnSpPr/>
+            <p:nvPr>
+              <p:extLst>
+                <p:ext uri="{386F3935-93C4-4BCD-93E2-E3B085C9AB24}">
+                  <p16:designElem xmlns:p16="http://schemas.microsoft.com/office/powerpoint/2015/main" val="1"/>
+                </p:ext>
+              </p:extLst>
+            </p:nvPr>
+          </p:nvCxnSpPr>
+          <p:spPr>
+            <a:xfrm flipH="1">
+              <a:off x="11276012" y="2963333"/>
+              <a:ext cx="912814" cy="912812"/>
+            </a:xfrm>
+            <a:prstGeom prst="line">
+              <a:avLst/>
+            </a:prstGeom>
+            <a:ln w="9525">
+              <a:solidFill>
+                <a:srgbClr val="FFFFFF"/>
+              </a:solidFill>
+            </a:ln>
+          </p:spPr>
+          <p:style>
+            <a:lnRef idx="2">
+              <a:schemeClr val="accent1"/>
+            </a:lnRef>
+            <a:fillRef idx="0">
+              <a:schemeClr val="accent1"/>
+            </a:fillRef>
+            <a:effectRef idx="1">
+              <a:schemeClr val="accent1"/>
+            </a:effectRef>
+            <a:fontRef idx="minor">
+              <a:schemeClr val="tx1"/>
+            </a:fontRef>
+          </p:style>
+        </p:cxnSp>
+        <p:cxnSp>
+          <p:nvCxnSpPr>
+            <p:cNvPr id="28" name="Straight Connector 16">
+              <a:extLst>
+                <a:ext uri="{FF2B5EF4-FFF2-40B4-BE49-F238E27FC236}">
+                  <a16:creationId xmlns:a16="http://schemas.microsoft.com/office/drawing/2014/main" id="{1ECA05ED-FBC3-48F4-8E6D-AB89EC6081CF}"/>
+                </a:ext>
+                <a:ext uri="{C183D7F6-B498-43B3-948B-1728B52AA6E4}">
+                  <adec:decorative xmlns:adec="http://schemas.microsoft.com/office/drawing/2017/decorative" val="1"/>
+                </a:ext>
+              </a:extLst>
+            </p:cNvPr>
+            <p:cNvCxnSpPr/>
+            <p:nvPr>
+              <p:extLst>
+                <p:ext uri="{386F3935-93C4-4BCD-93E2-E3B085C9AB24}">
+                  <p16:designElem xmlns:p16="http://schemas.microsoft.com/office/powerpoint/2015/main" val="1"/>
+                </p:ext>
+              </p:extLst>
+            </p:nvPr>
+          </p:nvCxnSpPr>
+          <p:spPr>
+            <a:xfrm flipH="1">
+              <a:off x="9206969" y="3190344"/>
+              <a:ext cx="2981857" cy="2981856"/>
+            </a:xfrm>
+            <a:prstGeom prst="line">
+              <a:avLst/>
+            </a:prstGeom>
+            <a:ln w="9525">
+              <a:solidFill>
+                <a:srgbClr val="FFFFFF"/>
+              </a:solidFill>
+            </a:ln>
+          </p:spPr>
+          <p:style>
+            <a:lnRef idx="2">
+              <a:schemeClr val="accent1"/>
+            </a:lnRef>
+            <a:fillRef idx="0">
+              <a:schemeClr val="accent1"/>
+            </a:fillRef>
+            <a:effectRef idx="1">
+              <a:schemeClr val="accent1"/>
+            </a:effectRef>
+            <a:fontRef idx="minor">
+              <a:schemeClr val="tx1"/>
+            </a:fontRef>
+          </p:style>
+        </p:cxnSp>
+        <p:cxnSp>
+          <p:nvCxnSpPr>
+            <p:cNvPr id="18" name="Straight Connector 17">
+              <a:extLst>
+                <a:ext uri="{FF2B5EF4-FFF2-40B4-BE49-F238E27FC236}">
+                  <a16:creationId xmlns:a16="http://schemas.microsoft.com/office/drawing/2014/main" id="{5EE24CC5-F080-45A3-B2B4-59A7BCA5AB4A}"/>
+                </a:ext>
+                <a:ext uri="{C183D7F6-B498-43B3-948B-1728B52AA6E4}">
+                  <adec:decorative xmlns:adec="http://schemas.microsoft.com/office/drawing/2017/decorative" val="1"/>
+                </a:ext>
+              </a:extLst>
+            </p:cNvPr>
+            <p:cNvCxnSpPr/>
+            <p:nvPr>
+              <p:extLst>
+                <p:ext uri="{386F3935-93C4-4BCD-93E2-E3B085C9AB24}">
+                  <p16:designElem xmlns:p16="http://schemas.microsoft.com/office/powerpoint/2015/main" val="1"/>
+                </p:ext>
+              </p:extLst>
+            </p:nvPr>
+          </p:nvCxnSpPr>
+          <p:spPr>
+            <a:xfrm flipH="1">
+              <a:off x="10292292" y="3285067"/>
+              <a:ext cx="1896534" cy="1896533"/>
+            </a:xfrm>
+            <a:prstGeom prst="line">
+              <a:avLst/>
+            </a:prstGeom>
+            <a:ln w="9525">
+              <a:solidFill>
+                <a:srgbClr val="FFFFFF"/>
+              </a:solidFill>
+            </a:ln>
+          </p:spPr>
+          <p:style>
+            <a:lnRef idx="2">
+              <a:schemeClr val="accent1"/>
+            </a:lnRef>
+            <a:fillRef idx="0">
+              <a:schemeClr val="accent1"/>
+            </a:fillRef>
+            <a:effectRef idx="1">
+              <a:schemeClr val="accent1"/>
+            </a:effectRef>
+            <a:fontRef idx="minor">
+              <a:schemeClr val="tx1"/>
+            </a:fontRef>
+          </p:style>
+        </p:cxnSp>
+        <p:cxnSp>
+          <p:nvCxnSpPr>
+            <p:cNvPr id="19" name="Straight Connector 18">
+              <a:extLst>
+                <a:ext uri="{FF2B5EF4-FFF2-40B4-BE49-F238E27FC236}">
+                  <a16:creationId xmlns:a16="http://schemas.microsoft.com/office/drawing/2014/main" id="{B3EC6EC2-2351-427C-90C2-F107915733BC}"/>
+                </a:ext>
+                <a:ext uri="{C183D7F6-B498-43B3-948B-1728B52AA6E4}">
+                  <adec:decorative xmlns:adec="http://schemas.microsoft.com/office/drawing/2017/decorative" val="1"/>
+                </a:ext>
+              </a:extLst>
+            </p:cNvPr>
+            <p:cNvCxnSpPr/>
+            <p:nvPr>
+              <p:extLst>
+                <p:ext uri="{386F3935-93C4-4BCD-93E2-E3B085C9AB24}">
+                  <p16:designElem xmlns:p16="http://schemas.microsoft.com/office/powerpoint/2015/main" val="1"/>
+                </p:ext>
+              </p:extLst>
+            </p:nvPr>
+          </p:nvCxnSpPr>
+          <p:spPr>
+            <a:xfrm flipH="1">
+              <a:off x="10443103" y="3131080"/>
+              <a:ext cx="1745722" cy="1745720"/>
+            </a:xfrm>
+            <a:prstGeom prst="line">
+              <a:avLst/>
+            </a:prstGeom>
+            <a:ln w="28575">
+              <a:solidFill>
+                <a:srgbClr val="FFFFFF"/>
+              </a:solidFill>
+            </a:ln>
+          </p:spPr>
+          <p:style>
+            <a:lnRef idx="2">
+              <a:schemeClr val="accent1"/>
+            </a:lnRef>
+            <a:fillRef idx="0">
+              <a:schemeClr val="accent1"/>
+            </a:fillRef>
+            <a:effectRef idx="1">
+              <a:schemeClr val="accent1"/>
+            </a:effectRef>
+            <a:fontRef idx="minor">
+              <a:schemeClr val="tx1"/>
+            </a:fontRef>
+          </p:style>
+        </p:cxnSp>
+        <p:cxnSp>
+          <p:nvCxnSpPr>
+            <p:cNvPr id="20" name="Straight Connector 19">
+              <a:extLst>
+                <a:ext uri="{FF2B5EF4-FFF2-40B4-BE49-F238E27FC236}">
+                  <a16:creationId xmlns:a16="http://schemas.microsoft.com/office/drawing/2014/main" id="{D524D87A-9540-4F77-B006-823176623BD8}"/>
+                </a:ext>
+                <a:ext uri="{C183D7F6-B498-43B3-948B-1728B52AA6E4}">
+                  <adec:decorative xmlns:adec="http://schemas.microsoft.com/office/drawing/2017/decorative" val="1"/>
+                </a:ext>
+              </a:extLst>
+            </p:cNvPr>
+            <p:cNvCxnSpPr/>
+            <p:nvPr>
+              <p:extLst>
+                <p:ext uri="{386F3935-93C4-4BCD-93E2-E3B085C9AB24}">
+                  <p16:designElem xmlns:p16="http://schemas.microsoft.com/office/powerpoint/2015/main" val="1"/>
+                </p:ext>
+              </p:extLst>
+            </p:nvPr>
+          </p:nvCxnSpPr>
+          <p:spPr>
+            <a:xfrm flipH="1">
+              <a:off x="10918826" y="3683001"/>
+              <a:ext cx="1270001" cy="1269999"/>
+            </a:xfrm>
+            <a:prstGeom prst="line">
+              <a:avLst/>
+            </a:prstGeom>
+            <a:ln w="28575">
+              <a:solidFill>
+                <a:srgbClr val="FFFFFF"/>
+              </a:solidFill>
+            </a:ln>
+          </p:spPr>
+          <p:style>
+            <a:lnRef idx="2">
+              <a:schemeClr val="accent1"/>
+            </a:lnRef>
+            <a:fillRef idx="0">
+              <a:schemeClr val="accent1"/>
+            </a:fillRef>
+            <a:effectRef idx="1">
+              <a:schemeClr val="accent1"/>
+            </a:effectRef>
+            <a:fontRef idx="minor">
+              <a:schemeClr val="tx1"/>
+            </a:fontRef>
+          </p:style>
+        </p:cxnSp>
+      </p:grpSp>
     </p:spTree>
     <p:extLst>
       <p:ext uri="{BB962C8B-B14F-4D97-AF65-F5344CB8AC3E}">
@@ -7077,7 +7027,7 @@
     </p:extLst>
   </p:cSld>
   <p:clrMapOvr>
-    <a:masterClrMapping/>
+    <a:overrideClrMapping bg1="lt1" tx1="dk1" bg2="lt2" tx2="dk2" accent1="accent1" accent2="accent2" accent3="accent3" accent4="accent4" accent5="accent5" accent6="accent6" hlink="hlink" folHlink="folHlink"/>
   </p:clrMapOvr>
 </p:sld>
 </file>
@@ -7195,7 +7145,15 @@
           </a:bodyPr>
           <a:lstStyle/>
           <a:p>
-            <a:endParaRPr lang="en-GB" sz="2400">
+            <a:r>
+              <a:rPr lang="en-US" sz="2400" dirty="0">
+                <a:solidFill>
+                  <a:srgbClr val="FFFFFF"/>
+                </a:solidFill>
+              </a:rPr>
+              <a:t>Attribute Analysis - Form</a:t>
+            </a:r>
+            <a:endParaRPr lang="en-GB" sz="2400" dirty="0">
               <a:solidFill>
                 <a:srgbClr val="FFFFFF"/>
               </a:solidFill>
@@ -7630,6 +7588,111 @@
   </p:cSld>
   <p:clrMapOvr>
     <a:overrideClrMapping bg1="lt1" tx1="dk1" bg2="lt2" tx2="dk2" accent1="accent1" accent2="accent2" accent3="accent3" accent4="accent4" accent5="accent5" accent6="accent6" hlink="hlink" folHlink="folHlink"/>
+  </p:clrMapOvr>
+</p:sld>
+</file>
+
+<file path=ppt/slides/slide9.xml><?xml version="1.0" encoding="utf-8"?>
+<p:sld xmlns:a="http://schemas.openxmlformats.org/drawingml/2006/main" xmlns:r="http://schemas.openxmlformats.org/officeDocument/2006/relationships" xmlns:p="http://schemas.openxmlformats.org/presentationml/2006/main">
+  <p:cSld>
+    <p:spTree>
+      <p:nvGrpSpPr>
+        <p:cNvPr id="1" name=""/>
+        <p:cNvGrpSpPr/>
+        <p:nvPr/>
+      </p:nvGrpSpPr>
+      <p:grpSpPr>
+        <a:xfrm>
+          <a:off x="0" y="0"/>
+          <a:ext cx="0" cy="0"/>
+          <a:chOff x="0" y="0"/>
+          <a:chExt cx="0" cy="0"/>
+        </a:xfrm>
+      </p:grpSpPr>
+      <p:sp>
+        <p:nvSpPr>
+          <p:cNvPr id="2" name="Title 1">
+            <a:extLst>
+              <a:ext uri="{FF2B5EF4-FFF2-40B4-BE49-F238E27FC236}">
+                <a16:creationId xmlns:a16="http://schemas.microsoft.com/office/drawing/2014/main" id="{73BCA3E8-B163-4626-AB15-C2F610CF26B4}"/>
+              </a:ext>
+            </a:extLst>
+          </p:cNvPr>
+          <p:cNvSpPr>
+            <a:spLocks noGrp="1"/>
+          </p:cNvSpPr>
+          <p:nvPr>
+            <p:ph type="title"/>
+          </p:nvPr>
+        </p:nvSpPr>
+        <p:spPr>
+          <a:xfrm>
+            <a:off x="462414" y="619076"/>
+            <a:ext cx="8534400" cy="1507067"/>
+          </a:xfrm>
+        </p:spPr>
+        <p:txBody>
+          <a:bodyPr/>
+          <a:lstStyle/>
+          <a:p>
+            <a:r>
+              <a:rPr lang="en-GB" dirty="0"/>
+              <a:t>Conclusions</a:t>
+            </a:r>
+          </a:p>
+        </p:txBody>
+      </p:sp>
+      <p:sp>
+        <p:nvSpPr>
+          <p:cNvPr id="3" name="Content Placeholder 2">
+            <a:extLst>
+              <a:ext uri="{FF2B5EF4-FFF2-40B4-BE49-F238E27FC236}">
+                <a16:creationId xmlns:a16="http://schemas.microsoft.com/office/drawing/2014/main" id="{3E3CE4C3-BF0A-4957-95D7-FBC24D682FEA}"/>
+              </a:ext>
+            </a:extLst>
+          </p:cNvPr>
+          <p:cNvSpPr>
+            <a:spLocks noGrp="1"/>
+          </p:cNvSpPr>
+          <p:nvPr>
+            <p:ph idx="1"/>
+          </p:nvPr>
+        </p:nvSpPr>
+        <p:spPr>
+          <a:xfrm>
+            <a:off x="462414" y="1767980"/>
+            <a:ext cx="8534400" cy="3615267"/>
+          </a:xfrm>
+        </p:spPr>
+        <p:txBody>
+          <a:bodyPr/>
+          <a:lstStyle/>
+          <a:p>
+            <a:pPr lvl="1"/>
+            <a:r>
+              <a:rPr lang="en-US" dirty="0">
+                <a:latin typeface="Helvetica" charset="0"/>
+                <a:ea typeface="Helvetica" charset="0"/>
+                <a:cs typeface="Helvetica" charset="0"/>
+              </a:rPr>
+              <a:t>Based on our analysis of the dispersion of some of these metrics, we have identified some key attributes which will be central to our prediction algorithm</a:t>
+            </a:r>
+          </a:p>
+          <a:p>
+            <a:pPr lvl="1"/>
+            <a:endParaRPr lang="en-GB" dirty="0"/>
+          </a:p>
+        </p:txBody>
+      </p:sp>
+    </p:spTree>
+    <p:extLst>
+      <p:ext uri="{BB962C8B-B14F-4D97-AF65-F5344CB8AC3E}">
+        <p14:creationId xmlns:p14="http://schemas.microsoft.com/office/powerpoint/2010/main" val="1929422650"/>
+      </p:ext>
+    </p:extLst>
+  </p:cSld>
+  <p:clrMapOvr>
+    <a:masterClrMapping/>
   </p:clrMapOvr>
 </p:sld>
 </file>

--- a/Documents/WorkshopGroup40.pptx
+++ b/Documents/WorkshopGroup40.pptx
@@ -7,12 +7,12 @@
   <p:sldIdLst>
     <p:sldId id="256" r:id="rId2"/>
     <p:sldId id="257" r:id="rId3"/>
-    <p:sldId id="259" r:id="rId4"/>
-    <p:sldId id="260" r:id="rId5"/>
-    <p:sldId id="261" r:id="rId6"/>
-    <p:sldId id="262" r:id="rId7"/>
-    <p:sldId id="258" r:id="rId8"/>
-    <p:sldId id="263" r:id="rId9"/>
+    <p:sldId id="267" r:id="rId4"/>
+    <p:sldId id="268" r:id="rId5"/>
+    <p:sldId id="263" r:id="rId6"/>
+    <p:sldId id="260" r:id="rId7"/>
+    <p:sldId id="259" r:id="rId8"/>
+    <p:sldId id="266" r:id="rId9"/>
     <p:sldId id="265" r:id="rId10"/>
   </p:sldIdLst>
   <p:sldSz cx="12192000" cy="6858000"/>
@@ -312,7 +312,7 @@
             <a:fld id="{B61BEF0D-F0BB-DE4B-95CE-6DB70DBA9567}" type="datetimeFigureOut">
               <a:rPr lang="en-US" dirty="0"/>
               <a:pPr/>
-              <a:t>10/31/2018</a:t>
+              <a:t>11/2/2018</a:t>
             </a:fld>
             <a:endParaRPr lang="en-US" dirty="0"/>
           </a:p>
@@ -745,7 +745,7 @@
             <a:fld id="{B61BEF0D-F0BB-DE4B-95CE-6DB70DBA9567}" type="datetimeFigureOut">
               <a:rPr lang="en-US" dirty="0"/>
               <a:pPr/>
-              <a:t>10/31/2018</a:t>
+              <a:t>11/2/2018</a:t>
             </a:fld>
             <a:endParaRPr lang="en-US" dirty="0"/>
           </a:p>
@@ -992,7 +992,7 @@
             <a:fld id="{B61BEF0D-F0BB-DE4B-95CE-6DB70DBA9567}" type="datetimeFigureOut">
               <a:rPr lang="en-US" dirty="0"/>
               <a:pPr/>
-              <a:t>10/31/2018</a:t>
+              <a:t>11/2/2018</a:t>
             </a:fld>
             <a:endParaRPr lang="en-US" dirty="0"/>
           </a:p>
@@ -1297,7 +1297,7 @@
             <a:fld id="{B61BEF0D-F0BB-DE4B-95CE-6DB70DBA9567}" type="datetimeFigureOut">
               <a:rPr lang="en-US" dirty="0"/>
               <a:pPr/>
-              <a:t>10/31/2018</a:t>
+              <a:t>11/2/2018</a:t>
             </a:fld>
             <a:endParaRPr lang="en-US" dirty="0"/>
           </a:p>
@@ -1612,7 +1612,7 @@
             <a:fld id="{B61BEF0D-F0BB-DE4B-95CE-6DB70DBA9567}" type="datetimeFigureOut">
               <a:rPr lang="en-US" dirty="0"/>
               <a:pPr/>
-              <a:t>10/31/2018</a:t>
+              <a:t>11/2/2018</a:t>
             </a:fld>
             <a:endParaRPr lang="en-US" dirty="0"/>
           </a:p>
@@ -1911,7 +1911,7 @@
             <a:fld id="{B61BEF0D-F0BB-DE4B-95CE-6DB70DBA9567}" type="datetimeFigureOut">
               <a:rPr lang="en-US" dirty="0"/>
               <a:pPr/>
-              <a:t>10/31/2018</a:t>
+              <a:t>11/2/2018</a:t>
             </a:fld>
             <a:endParaRPr lang="en-US" dirty="0"/>
           </a:p>
@@ -2275,7 +2275,7 @@
             <a:fld id="{B61BEF0D-F0BB-DE4B-95CE-6DB70DBA9567}" type="datetimeFigureOut">
               <a:rPr lang="en-US" dirty="0"/>
               <a:pPr/>
-              <a:t>10/31/2018</a:t>
+              <a:t>11/2/2018</a:t>
             </a:fld>
             <a:endParaRPr lang="en-US" dirty="0"/>
           </a:p>
@@ -2446,7 +2446,7 @@
             <a:fld id="{B61BEF0D-F0BB-DE4B-95CE-6DB70DBA9567}" type="datetimeFigureOut">
               <a:rPr lang="en-US" dirty="0"/>
               <a:pPr/>
-              <a:t>10/31/2018</a:t>
+              <a:t>11/2/2018</a:t>
             </a:fld>
             <a:endParaRPr lang="en-US" dirty="0"/>
           </a:p>
@@ -2623,7 +2623,7 @@
             <a:fld id="{B61BEF0D-F0BB-DE4B-95CE-6DB70DBA9567}" type="datetimeFigureOut">
               <a:rPr lang="en-US" dirty="0"/>
               <a:pPr/>
-              <a:t>10/31/2018</a:t>
+              <a:t>11/2/2018</a:t>
             </a:fld>
             <a:endParaRPr lang="en-US" dirty="0"/>
           </a:p>
@@ -2790,7 +2790,7 @@
             <a:fld id="{B61BEF0D-F0BB-DE4B-95CE-6DB70DBA9567}" type="datetimeFigureOut">
               <a:rPr lang="en-US" dirty="0"/>
               <a:pPr/>
-              <a:t>10/31/2018</a:t>
+              <a:t>11/2/2018</a:t>
             </a:fld>
             <a:endParaRPr lang="en-US" dirty="0"/>
           </a:p>
@@ -3037,7 +3037,7 @@
             <a:fld id="{B61BEF0D-F0BB-DE4B-95CE-6DB70DBA9567}" type="datetimeFigureOut">
               <a:rPr lang="en-US" dirty="0"/>
               <a:pPr/>
-              <a:t>10/31/2018</a:t>
+              <a:t>11/2/2018</a:t>
             </a:fld>
             <a:endParaRPr lang="en-US" dirty="0"/>
           </a:p>
@@ -3270,7 +3270,7 @@
             <a:fld id="{B61BEF0D-F0BB-DE4B-95CE-6DB70DBA9567}" type="datetimeFigureOut">
               <a:rPr lang="en-US" dirty="0"/>
               <a:pPr/>
-              <a:t>10/31/2018</a:t>
+              <a:t>11/2/2018</a:t>
             </a:fld>
             <a:endParaRPr lang="en-US" dirty="0"/>
           </a:p>
@@ -3649,7 +3649,7 @@
             <a:fld id="{B61BEF0D-F0BB-DE4B-95CE-6DB70DBA9567}" type="datetimeFigureOut">
               <a:rPr lang="en-US" dirty="0"/>
               <a:pPr/>
-              <a:t>10/31/2018</a:t>
+              <a:t>11/2/2018</a:t>
             </a:fld>
             <a:endParaRPr lang="en-US" dirty="0"/>
           </a:p>
@@ -3764,7 +3764,7 @@
             <a:fld id="{B61BEF0D-F0BB-DE4B-95CE-6DB70DBA9567}" type="datetimeFigureOut">
               <a:rPr lang="en-US" dirty="0"/>
               <a:pPr/>
-              <a:t>10/31/2018</a:t>
+              <a:t>11/2/2018</a:t>
             </a:fld>
             <a:endParaRPr lang="en-US" dirty="0"/>
           </a:p>
@@ -3856,7 +3856,7 @@
             <a:fld id="{B61BEF0D-F0BB-DE4B-95CE-6DB70DBA9567}" type="datetimeFigureOut">
               <a:rPr lang="en-US" dirty="0"/>
               <a:pPr/>
-              <a:t>10/31/2018</a:t>
+              <a:t>11/2/2018</a:t>
             </a:fld>
             <a:endParaRPr lang="en-US" dirty="0"/>
           </a:p>
@@ -4108,7 +4108,7 @@
             <a:fld id="{B61BEF0D-F0BB-DE4B-95CE-6DB70DBA9567}" type="datetimeFigureOut">
               <a:rPr lang="en-US" dirty="0"/>
               <a:pPr/>
-              <a:t>10/31/2018</a:t>
+              <a:t>11/2/2018</a:t>
             </a:fld>
             <a:endParaRPr lang="en-US" dirty="0"/>
           </a:p>
@@ -4388,7 +4388,7 @@
             <a:fld id="{B61BEF0D-F0BB-DE4B-95CE-6DB70DBA9567}" type="datetimeFigureOut">
               <a:rPr lang="en-US" dirty="0"/>
               <a:pPr/>
-              <a:t>10/31/2018</a:t>
+              <a:t>11/2/2018</a:t>
             </a:fld>
             <a:endParaRPr lang="en-US" dirty="0"/>
           </a:p>
@@ -4791,7 +4791,7 @@
             <a:fld id="{B61BEF0D-F0BB-DE4B-95CE-6DB70DBA9567}" type="datetimeFigureOut">
               <a:rPr lang="en-US" dirty="0"/>
               <a:pPr/>
-              <a:t>10/31/2018</a:t>
+              <a:t>11/2/2018</a:t>
             </a:fld>
             <a:endParaRPr lang="en-US" dirty="0"/>
           </a:p>
@@ -5435,12 +5435,380 @@
           <a:chExt cx="0" cy="0"/>
         </a:xfrm>
       </p:grpSpPr>
-      <p:sp useBgFill="1">
-        <p:nvSpPr>
-          <p:cNvPr id="10" name="Rectangle 9">
+      <p:sp>
+        <p:nvSpPr>
+          <p:cNvPr id="2" name="Title 1">
             <a:extLst>
               <a:ext uri="{FF2B5EF4-FFF2-40B4-BE49-F238E27FC236}">
-                <a16:creationId xmlns:a16="http://schemas.microsoft.com/office/drawing/2014/main" id="{E09CCB3F-DBCE-4964-9E34-8C5DE80EF4B5}"/>
+                <a16:creationId xmlns:a16="http://schemas.microsoft.com/office/drawing/2014/main" id="{73BCA3E8-B163-4626-AB15-C2F610CF26B4}"/>
+              </a:ext>
+            </a:extLst>
+          </p:cNvPr>
+          <p:cNvSpPr>
+            <a:spLocks noGrp="1"/>
+          </p:cNvSpPr>
+          <p:nvPr>
+            <p:ph type="title"/>
+          </p:nvPr>
+        </p:nvSpPr>
+        <p:spPr>
+          <a:xfrm>
+            <a:off x="8194088" y="490492"/>
+            <a:ext cx="3643435" cy="4063754"/>
+          </a:xfrm>
+        </p:spPr>
+        <p:txBody>
+          <a:bodyPr>
+            <a:normAutofit/>
+          </a:bodyPr>
+          <a:lstStyle/>
+          <a:p>
+            <a:r>
+              <a:rPr lang="en-GB" dirty="0"/>
+              <a:t>Our Datasets</a:t>
+            </a:r>
+          </a:p>
+        </p:txBody>
+      </p:sp>
+      <p:sp>
+        <p:nvSpPr>
+          <p:cNvPr id="3" name="Content Placeholder 2">
+            <a:extLst>
+              <a:ext uri="{FF2B5EF4-FFF2-40B4-BE49-F238E27FC236}">
+                <a16:creationId xmlns:a16="http://schemas.microsoft.com/office/drawing/2014/main" id="{3E3CE4C3-BF0A-4957-95D7-FBC24D682FEA}"/>
+              </a:ext>
+            </a:extLst>
+          </p:cNvPr>
+          <p:cNvSpPr>
+            <a:spLocks noGrp="1"/>
+          </p:cNvSpPr>
+          <p:nvPr>
+            <p:ph idx="1"/>
+          </p:nvPr>
+        </p:nvSpPr>
+        <p:spPr>
+          <a:xfrm>
+            <a:off x="684212" y="490491"/>
+            <a:ext cx="7195828" cy="3477827"/>
+          </a:xfrm>
+        </p:spPr>
+        <p:txBody>
+          <a:bodyPr>
+            <a:normAutofit lnSpcReduction="10000"/>
+          </a:bodyPr>
+          <a:lstStyle/>
+          <a:p>
+            <a:r>
+              <a:rPr lang="en-GB" dirty="0"/>
+              <a:t>Premier League Games Datasets – 2000/01 to 2017/18 – from football-data.co.uk</a:t>
+            </a:r>
+          </a:p>
+          <a:p>
+            <a:r>
+              <a:rPr lang="en-GB" dirty="0"/>
+              <a:t>This dataset contains information about every game from this time period.</a:t>
+            </a:r>
+          </a:p>
+          <a:p>
+            <a:r>
+              <a:rPr lang="en-GB" dirty="0"/>
+              <a:t>The number of attributes in these datasets ranged from 28 to 65.</a:t>
+            </a:r>
+          </a:p>
+          <a:p>
+            <a:r>
+              <a:rPr lang="en-GB" dirty="0"/>
+              <a:t>Lots of irrelevant data – in–game stats, bookies odds</a:t>
+            </a:r>
+          </a:p>
+          <a:p>
+            <a:r>
+              <a:rPr lang="en-GB" dirty="0"/>
+              <a:t>We knew we needed to perform some data transformation techniques to generate some attributes.</a:t>
+            </a:r>
+          </a:p>
+          <a:p>
+            <a:pPr lvl="1"/>
+            <a:endParaRPr lang="en-GB" dirty="0"/>
+          </a:p>
+        </p:txBody>
+      </p:sp>
+      <p:pic>
+        <p:nvPicPr>
+          <p:cNvPr id="6" name="Picture 5" descr="A picture containing wall&#10;&#10;Description generated with high confidence">
+            <a:extLst>
+              <a:ext uri="{FF2B5EF4-FFF2-40B4-BE49-F238E27FC236}">
+                <a16:creationId xmlns:a16="http://schemas.microsoft.com/office/drawing/2014/main" id="{EABF7FB9-AB7A-4BC9-9AC0-E7B92CC3B000}"/>
+              </a:ext>
+            </a:extLst>
+          </p:cNvPr>
+          <p:cNvPicPr>
+            <a:picLocks noChangeAspect="1"/>
+          </p:cNvPicPr>
+          <p:nvPr/>
+        </p:nvPicPr>
+        <p:blipFill>
+          <a:blip r:embed="rId2"/>
+          <a:stretch>
+            <a:fillRect/>
+          </a:stretch>
+        </p:blipFill>
+        <p:spPr>
+          <a:xfrm>
+            <a:off x="684212" y="4138488"/>
+            <a:ext cx="9672266" cy="2229020"/>
+          </a:xfrm>
+          <a:prstGeom prst="rect">
+            <a:avLst/>
+          </a:prstGeom>
+        </p:spPr>
+      </p:pic>
+    </p:spTree>
+    <p:extLst>
+      <p:ext uri="{BB962C8B-B14F-4D97-AF65-F5344CB8AC3E}">
+        <p14:creationId xmlns:p14="http://schemas.microsoft.com/office/powerpoint/2010/main" val="2983668870"/>
+      </p:ext>
+    </p:extLst>
+  </p:cSld>
+  <p:clrMapOvr>
+    <a:masterClrMapping/>
+  </p:clrMapOvr>
+</p:sld>
+</file>
+
+<file path=ppt/slides/slide3.xml><?xml version="1.0" encoding="utf-8"?>
+<p:sld xmlns:a="http://schemas.openxmlformats.org/drawingml/2006/main" xmlns:r="http://schemas.openxmlformats.org/officeDocument/2006/relationships" xmlns:p="http://schemas.openxmlformats.org/presentationml/2006/main">
+  <p:cSld>
+    <p:spTree>
+      <p:nvGrpSpPr>
+        <p:cNvPr id="1" name=""/>
+        <p:cNvGrpSpPr/>
+        <p:nvPr/>
+      </p:nvGrpSpPr>
+      <p:grpSpPr>
+        <a:xfrm>
+          <a:off x="0" y="0"/>
+          <a:ext cx="0" cy="0"/>
+          <a:chOff x="0" y="0"/>
+          <a:chExt cx="0" cy="0"/>
+        </a:xfrm>
+      </p:grpSpPr>
+      <p:sp>
+        <p:nvSpPr>
+          <p:cNvPr id="2" name="Title 1">
+            <a:extLst>
+              <a:ext uri="{FF2B5EF4-FFF2-40B4-BE49-F238E27FC236}">
+                <a16:creationId xmlns:a16="http://schemas.microsoft.com/office/drawing/2014/main" id="{73BCA3E8-B163-4626-AB15-C2F610CF26B4}"/>
+              </a:ext>
+            </a:extLst>
+          </p:cNvPr>
+          <p:cNvSpPr>
+            <a:spLocks noGrp="1"/>
+          </p:cNvSpPr>
+          <p:nvPr>
+            <p:ph type="title"/>
+          </p:nvPr>
+        </p:nvSpPr>
+        <p:spPr>
+          <a:xfrm>
+            <a:off x="684212" y="4487332"/>
+            <a:ext cx="8534400" cy="1507067"/>
+          </a:xfrm>
+        </p:spPr>
+        <p:txBody>
+          <a:bodyPr>
+            <a:normAutofit/>
+          </a:bodyPr>
+          <a:lstStyle/>
+          <a:p>
+            <a:r>
+              <a:rPr lang="en-GB" dirty="0"/>
+              <a:t>Attribute Analysis – </a:t>
+            </a:r>
+            <a:br>
+              <a:rPr lang="en-GB" dirty="0"/>
+            </a:br>
+            <a:r>
+              <a:rPr lang="en-GB" dirty="0"/>
+              <a:t>Aggregate win percentage </a:t>
+            </a:r>
+          </a:p>
+        </p:txBody>
+      </p:sp>
+      <p:pic>
+        <p:nvPicPr>
+          <p:cNvPr id="8" name="Content Placeholder 4">
+            <a:extLst>
+              <a:ext uri="{FF2B5EF4-FFF2-40B4-BE49-F238E27FC236}">
+                <a16:creationId xmlns:a16="http://schemas.microsoft.com/office/drawing/2014/main" id="{08E50B3B-4597-4D46-BD3C-2A70E1B43B32}"/>
+              </a:ext>
+            </a:extLst>
+          </p:cNvPr>
+          <p:cNvPicPr>
+            <a:picLocks noChangeAspect="1"/>
+          </p:cNvPicPr>
+          <p:nvPr/>
+        </p:nvPicPr>
+        <p:blipFill rotWithShape="1">
+          <a:blip r:embed="rId2"/>
+          <a:srcRect l="5489" r="-1" b="-1"/>
+          <a:stretch/>
+        </p:blipFill>
+        <p:spPr>
+          <a:xfrm>
+            <a:off x="834289" y="733647"/>
+            <a:ext cx="4506141" cy="3575884"/>
+          </a:xfrm>
+          <a:prstGeom prst="rect">
+            <a:avLst/>
+          </a:prstGeom>
+          <a:effectLst>
+            <a:innerShdw blurRad="57150" dist="38100" dir="14460000">
+              <a:prstClr val="black">
+                <a:alpha val="70000"/>
+              </a:prstClr>
+            </a:innerShdw>
+          </a:effectLst>
+        </p:spPr>
+      </p:pic>
+      <p:sp>
+        <p:nvSpPr>
+          <p:cNvPr id="10" name="Content Placeholder 9">
+            <a:extLst>
+              <a:ext uri="{FF2B5EF4-FFF2-40B4-BE49-F238E27FC236}">
+                <a16:creationId xmlns:a16="http://schemas.microsoft.com/office/drawing/2014/main" id="{58B2802A-45C9-49E2-8837-CE2A3753F856}"/>
+              </a:ext>
+            </a:extLst>
+          </p:cNvPr>
+          <p:cNvSpPr>
+            <a:spLocks noGrp="1"/>
+          </p:cNvSpPr>
+          <p:nvPr>
+            <p:ph idx="1"/>
+          </p:nvPr>
+        </p:nvSpPr>
+        <p:spPr>
+          <a:xfrm>
+            <a:off x="6499650" y="1783734"/>
+            <a:ext cx="4419171" cy="3575884"/>
+          </a:xfrm>
+        </p:spPr>
+        <p:txBody>
+          <a:bodyPr>
+            <a:normAutofit/>
+          </a:bodyPr>
+          <a:lstStyle/>
+          <a:p>
+            <a:r>
+              <a:rPr lang="en-US" dirty="0"/>
+              <a:t>We overlooked how big a part Home advantage played. </a:t>
+            </a:r>
+          </a:p>
+          <a:p>
+            <a:r>
+              <a:rPr lang="en-US" dirty="0"/>
+              <a:t>We learned that there should be a bias towards the home team</a:t>
+            </a:r>
+          </a:p>
+          <a:p>
+            <a:r>
+              <a:rPr lang="en-US" dirty="0"/>
+              <a:t>Our initial thought was head to head match up without taking this into consideration</a:t>
+            </a:r>
+          </a:p>
+        </p:txBody>
+      </p:sp>
+      <p:pic>
+        <p:nvPicPr>
+          <p:cNvPr id="4" name="Picture 3">
+            <a:extLst>
+              <a:ext uri="{FF2B5EF4-FFF2-40B4-BE49-F238E27FC236}">
+                <a16:creationId xmlns:a16="http://schemas.microsoft.com/office/drawing/2014/main" id="{8AE383E5-B313-4E9A-86E7-BB82846A0921}"/>
+              </a:ext>
+            </a:extLst>
+          </p:cNvPr>
+          <p:cNvPicPr>
+            <a:picLocks noChangeAspect="1"/>
+          </p:cNvPicPr>
+          <p:nvPr/>
+        </p:nvPicPr>
+        <p:blipFill>
+          <a:blip r:embed="rId3"/>
+          <a:stretch>
+            <a:fillRect/>
+          </a:stretch>
+        </p:blipFill>
+        <p:spPr>
+          <a:xfrm>
+            <a:off x="5762182" y="733647"/>
+            <a:ext cx="5894109" cy="1389734"/>
+          </a:xfrm>
+          <a:prstGeom prst="rect">
+            <a:avLst/>
+          </a:prstGeom>
+        </p:spPr>
+      </p:pic>
+    </p:spTree>
+    <p:extLst>
+      <p:ext uri="{BB962C8B-B14F-4D97-AF65-F5344CB8AC3E}">
+        <p14:creationId xmlns:p14="http://schemas.microsoft.com/office/powerpoint/2010/main" val="1666605950"/>
+      </p:ext>
+    </p:extLst>
+  </p:cSld>
+  <p:clrMapOvr>
+    <a:masterClrMapping/>
+  </p:clrMapOvr>
+</p:sld>
+</file>
+
+<file path=ppt/slides/slide4.xml><?xml version="1.0" encoding="utf-8"?>
+<p:sld xmlns:a="http://schemas.openxmlformats.org/drawingml/2006/main" xmlns:r="http://schemas.openxmlformats.org/officeDocument/2006/relationships" xmlns:p="http://schemas.openxmlformats.org/presentationml/2006/main">
+  <p:cSld>
+    <p:bg>
+      <p:bgPr>
+        <a:gradFill rotWithShape="1">
+          <a:gsLst>
+            <a:gs pos="10000">
+              <a:schemeClr val="bg2">
+                <a:tint val="97000"/>
+                <a:hueMod val="92000"/>
+                <a:satMod val="169000"/>
+                <a:lumMod val="164000"/>
+              </a:schemeClr>
+            </a:gs>
+            <a:gs pos="100000">
+              <a:schemeClr val="bg2">
+                <a:shade val="96000"/>
+                <a:satMod val="120000"/>
+                <a:lumMod val="90000"/>
+              </a:schemeClr>
+            </a:gs>
+          </a:gsLst>
+          <a:lin ang="6120000" scaled="1"/>
+        </a:gradFill>
+        <a:effectLst/>
+      </p:bgPr>
+    </p:bg>
+    <p:spTree>
+      <p:nvGrpSpPr>
+        <p:cNvPr id="1" name=""/>
+        <p:cNvGrpSpPr/>
+        <p:nvPr/>
+      </p:nvGrpSpPr>
+      <p:grpSpPr>
+        <a:xfrm>
+          <a:off x="0" y="0"/>
+          <a:ext cx="0" cy="0"/>
+          <a:chOff x="0" y="0"/>
+          <a:chExt cx="0" cy="0"/>
+        </a:xfrm>
+      </p:grpSpPr>
+      <p:sp useBgFill="1">
+        <p:nvSpPr>
+          <p:cNvPr id="104" name="Rectangle 103">
+            <a:extLst>
+              <a:ext uri="{FF2B5EF4-FFF2-40B4-BE49-F238E27FC236}">
+                <a16:creationId xmlns:a16="http://schemas.microsoft.com/office/drawing/2014/main" id="{0E2F306A-EACD-45DC-B0AD-B4BE3259021A}"/>
               </a:ext>
               <a:ext uri="{C183D7F6-B498-43B3-948B-1728B52AA6E4}">
                 <adec:decorative xmlns:adec="http://schemas.microsoft.com/office/drawing/2017/decorative" val="1"/>
@@ -5513,29 +5881,29 @@
         </p:nvSpPr>
         <p:spPr>
           <a:xfrm>
-            <a:off x="7532710" y="620722"/>
-            <a:ext cx="3518748" cy="1142462"/>
+            <a:off x="4552378" y="4487332"/>
+            <a:ext cx="5556822" cy="1507067"/>
           </a:xfrm>
         </p:spPr>
         <p:txBody>
-          <a:bodyPr anchor="b">
+          <a:bodyPr vert="horz" lIns="91440" tIns="45720" rIns="91440" bIns="45720" rtlCol="0">
             <a:normAutofit/>
           </a:bodyPr>
           <a:lstStyle/>
           <a:p>
             <a:r>
-              <a:rPr lang="en-GB" sz="2800" dirty="0"/>
-              <a:t>Our Datasets</a:t>
-            </a:r>
-          </a:p>
-        </p:txBody>
-      </p:sp>
-      <p:sp>
-        <p:nvSpPr>
-          <p:cNvPr id="12" name="Snip Diagonal Corner Rectangle 24">
+              <a:rPr lang="en-US"/>
+              <a:t>Attribute Analysis – Points Difference </a:t>
+            </a:r>
+          </a:p>
+        </p:txBody>
+      </p:sp>
+      <p:sp>
+        <p:nvSpPr>
+          <p:cNvPr id="106" name="Rectangle 105">
             <a:extLst>
               <a:ext uri="{FF2B5EF4-FFF2-40B4-BE49-F238E27FC236}">
-                <a16:creationId xmlns:a16="http://schemas.microsoft.com/office/drawing/2014/main" id="{1DFF944F-74BA-483A-82C0-64E3AAF4AE98}"/>
+                <a16:creationId xmlns:a16="http://schemas.microsoft.com/office/drawing/2014/main" id="{CFAED95C-57A9-4B1B-BCCD-C30862465A9D}"/>
               </a:ext>
               <a:ext uri="{C183D7F6-B498-43B3-948B-1728B52AA6E4}">
                 <adec:decorative xmlns:adec="http://schemas.microsoft.com/office/drawing/2017/decorative" val="1"/>
@@ -5555,14 +5923,11 @@
         </p:nvSpPr>
         <p:spPr>
           <a:xfrm>
-            <a:off x="612990" y="620722"/>
-            <a:ext cx="6575496" cy="5286838"/>
-          </a:xfrm>
-          <a:prstGeom prst="snip2DiagRect">
-            <a:avLst>
-              <a:gd name="adj1" fmla="val 10787"/>
-              <a:gd name="adj2" fmla="val 0"/>
-            </a:avLst>
+            <a:off x="-3176" y="0"/>
+            <a:ext cx="4070923" cy="6858000"/>
+          </a:xfrm>
+          <a:prstGeom prst="rect">
+            <a:avLst/>
           </a:prstGeom>
           <a:solidFill>
             <a:schemeClr val="tx1"/>
@@ -5605,10 +5970,10 @@
       </p:sp>
       <p:pic>
         <p:nvPicPr>
-          <p:cNvPr id="5" name="Picture 4">
+          <p:cNvPr id="59" name="Content Placeholder 5">
             <a:extLst>
               <a:ext uri="{FF2B5EF4-FFF2-40B4-BE49-F238E27FC236}">
-                <a16:creationId xmlns:a16="http://schemas.microsoft.com/office/drawing/2014/main" id="{14FCAB2C-2FCE-4EB1-B260-5B92734A714B}"/>
+                <a16:creationId xmlns:a16="http://schemas.microsoft.com/office/drawing/2014/main" id="{02A3D275-F417-4C01-AE8B-A6B073A97C36}"/>
               </a:ext>
             </a:extLst>
           </p:cNvPr>
@@ -5619,135 +5984,130 @@
         </p:nvPicPr>
         <p:blipFill rotWithShape="1">
           <a:blip r:embed="rId2"/>
-          <a:srcRect r="65346"/>
+          <a:srcRect r="43676"/>
           <a:stretch/>
         </p:blipFill>
         <p:spPr>
           <a:xfrm>
-            <a:off x="778062" y="786117"/>
-            <a:ext cx="6238558" cy="4921039"/>
-          </a:xfrm>
-          <a:custGeom>
+            <a:off x="184598" y="685800"/>
+            <a:ext cx="3802563" cy="1184262"/>
+          </a:xfrm>
+          <a:prstGeom prst="rect">
             <a:avLst/>
-            <a:gdLst>
-              <a:gd name="connsiteX0" fmla="*/ 534609 w 6245352"/>
-              <a:gd name="connsiteY0" fmla="*/ 0 h 4956048"/>
-              <a:gd name="connsiteX1" fmla="*/ 6245352 w 6245352"/>
-              <a:gd name="connsiteY1" fmla="*/ 0 h 4956048"/>
-              <a:gd name="connsiteX2" fmla="*/ 6245352 w 6245352"/>
-              <a:gd name="connsiteY2" fmla="*/ 4421439 h 4956048"/>
-              <a:gd name="connsiteX3" fmla="*/ 5710743 w 6245352"/>
-              <a:gd name="connsiteY3" fmla="*/ 4956048 h 4956048"/>
-              <a:gd name="connsiteX4" fmla="*/ 0 w 6245352"/>
-              <a:gd name="connsiteY4" fmla="*/ 4956048 h 4956048"/>
-              <a:gd name="connsiteX5" fmla="*/ 0 w 6245352"/>
-              <a:gd name="connsiteY5" fmla="*/ 534609 h 4956048"/>
-            </a:gdLst>
-            <a:ahLst/>
-            <a:cxnLst>
-              <a:cxn ang="0">
-                <a:pos x="connsiteX0" y="connsiteY0"/>
-              </a:cxn>
-              <a:cxn ang="0">
-                <a:pos x="connsiteX1" y="connsiteY1"/>
-              </a:cxn>
-              <a:cxn ang="0">
-                <a:pos x="connsiteX2" y="connsiteY2"/>
-              </a:cxn>
-              <a:cxn ang="0">
-                <a:pos x="connsiteX3" y="connsiteY3"/>
-              </a:cxn>
-              <a:cxn ang="0">
-                <a:pos x="connsiteX4" y="connsiteY4"/>
-              </a:cxn>
-              <a:cxn ang="0">
-                <a:pos x="connsiteX5" y="connsiteY5"/>
-              </a:cxn>
-            </a:cxnLst>
-            <a:rect l="l" t="t" r="r" b="b"/>
-            <a:pathLst>
-              <a:path w="6245352" h="4956048">
-                <a:moveTo>
-                  <a:pt x="534609" y="0"/>
-                </a:moveTo>
-                <a:lnTo>
-                  <a:pt x="6245352" y="0"/>
-                </a:lnTo>
-                <a:lnTo>
-                  <a:pt x="6245352" y="4421439"/>
-                </a:lnTo>
-                <a:lnTo>
-                  <a:pt x="5710743" y="4956048"/>
-                </a:lnTo>
-                <a:lnTo>
-                  <a:pt x="0" y="4956048"/>
-                </a:lnTo>
-                <a:lnTo>
-                  <a:pt x="0" y="534609"/>
-                </a:lnTo>
-                <a:close/>
-              </a:path>
-            </a:pathLst>
-          </a:custGeom>
+          </a:prstGeom>
         </p:spPr>
       </p:pic>
-      <p:sp>
-        <p:nvSpPr>
-          <p:cNvPr id="3" name="Content Placeholder 2">
+      <p:pic>
+        <p:nvPicPr>
+          <p:cNvPr id="5" name="Content Placeholder 4" descr="A picture containing object, writing implement, measuring stick&#10;&#10;Description generated with high confidence">
             <a:extLst>
               <a:ext uri="{FF2B5EF4-FFF2-40B4-BE49-F238E27FC236}">
-                <a16:creationId xmlns:a16="http://schemas.microsoft.com/office/drawing/2014/main" id="{3E3CE4C3-BF0A-4957-95D7-FBC24D682FEA}"/>
+                <a16:creationId xmlns:a16="http://schemas.microsoft.com/office/drawing/2014/main" id="{BED15367-BFE2-43A1-8DAD-51C33982E908}"/>
               </a:ext>
             </a:extLst>
           </p:cNvPr>
-          <p:cNvSpPr>
-            <a:spLocks noGrp="1"/>
-          </p:cNvSpPr>
-          <p:nvPr>
-            <p:ph idx="1"/>
-          </p:nvPr>
-        </p:nvSpPr>
+          <p:cNvPicPr>
+            <a:picLocks noChangeAspect="1"/>
+          </p:cNvPicPr>
+          <p:nvPr/>
+        </p:nvPicPr>
+        <p:blipFill rotWithShape="1">
+          <a:blip r:embed="rId3"/>
+          <a:srcRect l="13312" r="14968" b="-4"/>
+          <a:stretch/>
+        </p:blipFill>
         <p:spPr>
           <a:xfrm>
-            <a:off x="7532710" y="1822449"/>
-            <a:ext cx="3479419" cy="3070226"/>
-          </a:xfrm>
+            <a:off x="74669" y="2359622"/>
+            <a:ext cx="3912492" cy="1813934"/>
+          </a:xfrm>
+          <a:prstGeom prst="rect">
+            <a:avLst/>
+          </a:prstGeom>
         </p:spPr>
-        <p:txBody>
-          <a:bodyPr anchor="t">
+      </p:pic>
+      <p:sp>
+        <p:nvSpPr>
+          <p:cNvPr id="66" name="Content Placeholder 36">
+            <a:extLst>
+              <a:ext uri="{FF2B5EF4-FFF2-40B4-BE49-F238E27FC236}">
+                <a16:creationId xmlns:a16="http://schemas.microsoft.com/office/drawing/2014/main" id="{36D58AFA-CB70-421D-BB5F-E28BD5C2705A}"/>
+              </a:ext>
+            </a:extLst>
+          </p:cNvPr>
+          <p:cNvSpPr>
+            <a:spLocks noGrp="1"/>
+          </p:cNvSpPr>
+          <p:nvPr>
+            <p:ph idx="1"/>
+          </p:nvPr>
+        </p:nvSpPr>
+        <p:spPr>
+          <a:xfrm>
+            <a:off x="4552378" y="685800"/>
+            <a:ext cx="6952234" cy="3615267"/>
+          </a:xfrm>
+        </p:spPr>
+        <p:txBody>
+          <a:bodyPr>
             <a:normAutofit/>
           </a:bodyPr>
           <a:lstStyle/>
           <a:p>
             <a:r>
-              <a:rPr lang="en-GB" sz="1400" dirty="0"/>
-              <a:t>Premier League Games Datasets – 2000/01 to 2017/18 – from football-data.co.uk</a:t>
-            </a:r>
-          </a:p>
-          <a:p>
-            <a:r>
-              <a:rPr lang="en-GB" sz="1400" dirty="0"/>
-              <a:t>This dataset contains information about every game from this time period.</a:t>
-            </a:r>
-          </a:p>
-          <a:p>
-            <a:r>
-              <a:rPr lang="en-GB" sz="1400" dirty="0"/>
-              <a:t>The number of attributes in these datasets ranged from 28 to 65.</a:t>
-            </a:r>
-          </a:p>
-          <a:p>
-            <a:pPr lvl="1"/>
-            <a:endParaRPr lang="en-GB" sz="1400" dirty="0"/>
-          </a:p>
-        </p:txBody>
-      </p:sp>
+              <a:rPr lang="en-US" dirty="0"/>
+              <a:t>Another obvious attribute was points difference between teams.</a:t>
+            </a:r>
+          </a:p>
+          <a:p>
+            <a:r>
+              <a:rPr lang="en-US" dirty="0"/>
+              <a:t>It is clear from the diagrams that early on in the season it has no bearing.</a:t>
+            </a:r>
+          </a:p>
+          <a:p>
+            <a:r>
+              <a:rPr lang="en-US" dirty="0"/>
+              <a:t>But at the mid way point of the season it shows how much of an impact it has when the greater the point difference between the teams, the chances are the team with the more points won.</a:t>
+            </a:r>
+          </a:p>
+        </p:txBody>
+      </p:sp>
+      <p:pic>
+        <p:nvPicPr>
+          <p:cNvPr id="32" name="Content Placeholder 4" descr="A screenshot of a cell phone&#10;&#10;Description generated with high confidence">
+            <a:extLst>
+              <a:ext uri="{FF2B5EF4-FFF2-40B4-BE49-F238E27FC236}">
+                <a16:creationId xmlns:a16="http://schemas.microsoft.com/office/drawing/2014/main" id="{65EF952B-C404-4AFB-ABA3-D4B8148B81D3}"/>
+              </a:ext>
+            </a:extLst>
+          </p:cNvPr>
+          <p:cNvPicPr>
+            <a:picLocks noChangeAspect="1"/>
+          </p:cNvPicPr>
+          <p:nvPr/>
+        </p:nvPicPr>
+        <p:blipFill rotWithShape="1">
+          <a:blip r:embed="rId4"/>
+          <a:srcRect l="13955" r="22664" b="-3"/>
+          <a:stretch/>
+        </p:blipFill>
+        <p:spPr>
+          <a:xfrm>
+            <a:off x="74669" y="4480604"/>
+            <a:ext cx="3912492" cy="2052574"/>
+          </a:xfrm>
+          <a:prstGeom prst="rect">
+            <a:avLst/>
+          </a:prstGeom>
+        </p:spPr>
+      </p:pic>
       <p:grpSp>
         <p:nvGrpSpPr>
-          <p:cNvPr id="14" name="Group 13">
+          <p:cNvPr id="108" name="Group 107">
             <a:extLst>
               <a:ext uri="{FF2B5EF4-FFF2-40B4-BE49-F238E27FC236}">
-                <a16:creationId xmlns:a16="http://schemas.microsoft.com/office/drawing/2014/main" id="{A9733A91-F958-4629-801A-3F6F1E09AD64}"/>
+                <a16:creationId xmlns:a16="http://schemas.microsoft.com/office/drawing/2014/main" id="{7628126E-4AB5-46CE-8202-5A895CF2181B}"/>
               </a:ext>
               <a:ext uri="{C183D7F6-B498-43B3-948B-1728B52AA6E4}">
                 <adec:decorative xmlns:adec="http://schemas.microsoft.com/office/drawing/2017/decorative" val="1"/>
@@ -5775,10 +6135,10 @@
         </p:grpSpPr>
         <p:cxnSp>
           <p:nvCxnSpPr>
-            <p:cNvPr id="15" name="Straight Connector 14">
+            <p:cNvPr id="109" name="Straight Connector 108">
               <a:extLst>
                 <a:ext uri="{FF2B5EF4-FFF2-40B4-BE49-F238E27FC236}">
-                  <a16:creationId xmlns:a16="http://schemas.microsoft.com/office/drawing/2014/main" id="{F3812972-C68B-4C59-B3A7-4AF61E935D4A}"/>
+                  <a16:creationId xmlns:a16="http://schemas.microsoft.com/office/drawing/2014/main" id="{1E13714C-A02D-4839-BBDA-0C39D99F6897}"/>
                 </a:ext>
                 <a:ext uri="{C183D7F6-B498-43B3-948B-1728B52AA6E4}">
                   <adec:decorative xmlns:adec="http://schemas.microsoft.com/office/drawing/2017/decorative" val="1"/>
@@ -5825,10 +6185,10 @@
         </p:cxnSp>
         <p:cxnSp>
           <p:nvCxnSpPr>
-            <p:cNvPr id="16" name="Straight Connector 15">
+            <p:cNvPr id="110" name="Straight Connector 109">
               <a:extLst>
                 <a:ext uri="{FF2B5EF4-FFF2-40B4-BE49-F238E27FC236}">
-                  <a16:creationId xmlns:a16="http://schemas.microsoft.com/office/drawing/2014/main" id="{CB3F3B7C-7909-4486-AA08-5C6B625C3A0A}"/>
+                  <a16:creationId xmlns:a16="http://schemas.microsoft.com/office/drawing/2014/main" id="{C4664EA9-3F8D-48CE-B998-C3CD7DC83776}"/>
                 </a:ext>
                 <a:ext uri="{C183D7F6-B498-43B3-948B-1728B52AA6E4}">
                   <adec:decorative xmlns:adec="http://schemas.microsoft.com/office/drawing/2017/decorative" val="1"/>
@@ -5875,10 +6235,10 @@
         </p:cxnSp>
         <p:cxnSp>
           <p:nvCxnSpPr>
-            <p:cNvPr id="17" name="Straight Connector 16">
+            <p:cNvPr id="111" name="Straight Connector 110">
               <a:extLst>
                 <a:ext uri="{FF2B5EF4-FFF2-40B4-BE49-F238E27FC236}">
-                  <a16:creationId xmlns:a16="http://schemas.microsoft.com/office/drawing/2014/main" id="{00BD7DA8-741F-4296-9363-05EF91541119}"/>
+                  <a16:creationId xmlns:a16="http://schemas.microsoft.com/office/drawing/2014/main" id="{8EE868B0-0996-44D3-88FB-A67E7E254F35}"/>
                 </a:ext>
                 <a:ext uri="{C183D7F6-B498-43B3-948B-1728B52AA6E4}">
                   <adec:decorative xmlns:adec="http://schemas.microsoft.com/office/drawing/2017/decorative" val="1"/>
@@ -5925,10 +6285,10 @@
         </p:cxnSp>
         <p:cxnSp>
           <p:nvCxnSpPr>
-            <p:cNvPr id="18" name="Straight Connector 17">
+            <p:cNvPr id="112" name="Straight Connector 111">
               <a:extLst>
                 <a:ext uri="{FF2B5EF4-FFF2-40B4-BE49-F238E27FC236}">
-                  <a16:creationId xmlns:a16="http://schemas.microsoft.com/office/drawing/2014/main" id="{62068EFC-20FC-456F-839F-4BCFFCAA8197}"/>
+                  <a16:creationId xmlns:a16="http://schemas.microsoft.com/office/drawing/2014/main" id="{DF4ADDB5-6815-4FA7-9775-23B43B6D81A8}"/>
                 </a:ext>
                 <a:ext uri="{C183D7F6-B498-43B3-948B-1728B52AA6E4}">
                   <adec:decorative xmlns:adec="http://schemas.microsoft.com/office/drawing/2017/decorative" val="1"/>
@@ -5975,10 +6335,10 @@
         </p:cxnSp>
         <p:cxnSp>
           <p:nvCxnSpPr>
-            <p:cNvPr id="19" name="Straight Connector 18">
+            <p:cNvPr id="113" name="Straight Connector 112">
               <a:extLst>
                 <a:ext uri="{FF2B5EF4-FFF2-40B4-BE49-F238E27FC236}">
-                  <a16:creationId xmlns:a16="http://schemas.microsoft.com/office/drawing/2014/main" id="{3251C60F-B911-433E-BF75-3BBEFD0538CB}"/>
+                  <a16:creationId xmlns:a16="http://schemas.microsoft.com/office/drawing/2014/main" id="{0FB02412-43C8-4475-BB67-A0EF6643064A}"/>
                 </a:ext>
                 <a:ext uri="{C183D7F6-B498-43B3-948B-1728B52AA6E4}">
                   <adec:decorative xmlns:adec="http://schemas.microsoft.com/office/drawing/2017/decorative" val="1"/>
@@ -6027,195 +6387,7 @@
     </p:spTree>
     <p:extLst>
       <p:ext uri="{BB962C8B-B14F-4D97-AF65-F5344CB8AC3E}">
-        <p14:creationId xmlns:p14="http://schemas.microsoft.com/office/powerpoint/2010/main" val="2983668870"/>
-      </p:ext>
-    </p:extLst>
-  </p:cSld>
-  <p:clrMapOvr>
-    <a:masterClrMapping/>
-  </p:clrMapOvr>
-</p:sld>
-</file>
-
-<file path=ppt/slides/slide3.xml><?xml version="1.0" encoding="utf-8"?>
-<p:sld xmlns:a="http://schemas.openxmlformats.org/drawingml/2006/main" xmlns:r="http://schemas.openxmlformats.org/officeDocument/2006/relationships" xmlns:p="http://schemas.openxmlformats.org/presentationml/2006/main">
-  <p:cSld>
-    <p:spTree>
-      <p:nvGrpSpPr>
-        <p:cNvPr id="1" name=""/>
-        <p:cNvGrpSpPr/>
-        <p:nvPr/>
-      </p:nvGrpSpPr>
-      <p:grpSpPr>
-        <a:xfrm>
-          <a:off x="0" y="0"/>
-          <a:ext cx="0" cy="0"/>
-          <a:chOff x="0" y="0"/>
-          <a:chExt cx="0" cy="0"/>
-        </a:xfrm>
-      </p:grpSpPr>
-      <p:sp>
-        <p:nvSpPr>
-          <p:cNvPr id="2" name="Title 1">
-            <a:extLst>
-              <a:ext uri="{FF2B5EF4-FFF2-40B4-BE49-F238E27FC236}">
-                <a16:creationId xmlns:a16="http://schemas.microsoft.com/office/drawing/2014/main" id="{73BCA3E8-B163-4626-AB15-C2F610CF26B4}"/>
-              </a:ext>
-            </a:extLst>
-          </p:cNvPr>
-          <p:cNvSpPr>
-            <a:spLocks noGrp="1"/>
-          </p:cNvSpPr>
-          <p:nvPr>
-            <p:ph type="title"/>
-          </p:nvPr>
-        </p:nvSpPr>
-        <p:spPr>
-          <a:xfrm>
-            <a:off x="462414" y="619076"/>
-            <a:ext cx="8534400" cy="1507067"/>
-          </a:xfrm>
-        </p:spPr>
-        <p:txBody>
-          <a:bodyPr/>
-          <a:lstStyle/>
-          <a:p>
-            <a:r>
-              <a:rPr lang="en-GB" dirty="0"/>
-              <a:t>Data Transformation - Aggregation</a:t>
-            </a:r>
-          </a:p>
-        </p:txBody>
-      </p:sp>
-      <p:sp>
-        <p:nvSpPr>
-          <p:cNvPr id="3" name="Content Placeholder 2">
-            <a:extLst>
-              <a:ext uri="{FF2B5EF4-FFF2-40B4-BE49-F238E27FC236}">
-                <a16:creationId xmlns:a16="http://schemas.microsoft.com/office/drawing/2014/main" id="{3E3CE4C3-BF0A-4957-95D7-FBC24D682FEA}"/>
-              </a:ext>
-            </a:extLst>
-          </p:cNvPr>
-          <p:cNvSpPr>
-            <a:spLocks noGrp="1"/>
-          </p:cNvSpPr>
-          <p:nvPr>
-            <p:ph idx="1"/>
-          </p:nvPr>
-        </p:nvSpPr>
-        <p:spPr>
-          <a:xfrm>
-            <a:off x="462414" y="1767980"/>
-            <a:ext cx="8534400" cy="3615267"/>
-          </a:xfrm>
-        </p:spPr>
-        <p:txBody>
-          <a:bodyPr/>
-          <a:lstStyle/>
-          <a:p>
-            <a:pPr lvl="1"/>
-            <a:endParaRPr lang="en-GB" dirty="0"/>
-          </a:p>
-        </p:txBody>
-      </p:sp>
-    </p:spTree>
-    <p:extLst>
-      <p:ext uri="{BB962C8B-B14F-4D97-AF65-F5344CB8AC3E}">
-        <p14:creationId xmlns:p14="http://schemas.microsoft.com/office/powerpoint/2010/main" val="2830255302"/>
-      </p:ext>
-    </p:extLst>
-  </p:cSld>
-  <p:clrMapOvr>
-    <a:masterClrMapping/>
-  </p:clrMapOvr>
-</p:sld>
-</file>
-
-<file path=ppt/slides/slide4.xml><?xml version="1.0" encoding="utf-8"?>
-<p:sld xmlns:a="http://schemas.openxmlformats.org/drawingml/2006/main" xmlns:r="http://schemas.openxmlformats.org/officeDocument/2006/relationships" xmlns:p="http://schemas.openxmlformats.org/presentationml/2006/main">
-  <p:cSld>
-    <p:spTree>
-      <p:nvGrpSpPr>
-        <p:cNvPr id="1" name=""/>
-        <p:cNvGrpSpPr/>
-        <p:nvPr/>
-      </p:nvGrpSpPr>
-      <p:grpSpPr>
-        <a:xfrm>
-          <a:off x="0" y="0"/>
-          <a:ext cx="0" cy="0"/>
-          <a:chOff x="0" y="0"/>
-          <a:chExt cx="0" cy="0"/>
-        </a:xfrm>
-      </p:grpSpPr>
-      <p:sp>
-        <p:nvSpPr>
-          <p:cNvPr id="2" name="Title 1">
-            <a:extLst>
-              <a:ext uri="{FF2B5EF4-FFF2-40B4-BE49-F238E27FC236}">
-                <a16:creationId xmlns:a16="http://schemas.microsoft.com/office/drawing/2014/main" id="{73BCA3E8-B163-4626-AB15-C2F610CF26B4}"/>
-              </a:ext>
-            </a:extLst>
-          </p:cNvPr>
-          <p:cNvSpPr>
-            <a:spLocks noGrp="1"/>
-          </p:cNvSpPr>
-          <p:nvPr>
-            <p:ph type="title"/>
-          </p:nvPr>
-        </p:nvSpPr>
-        <p:spPr>
-          <a:xfrm>
-            <a:off x="462414" y="619076"/>
-            <a:ext cx="8534400" cy="1507067"/>
-          </a:xfrm>
-        </p:spPr>
-        <p:txBody>
-          <a:bodyPr/>
-          <a:lstStyle/>
-          <a:p>
-            <a:r>
-              <a:rPr lang="en-GB" dirty="0"/>
-              <a:t>Data Transformation – Attribute Construction</a:t>
-            </a:r>
-          </a:p>
-        </p:txBody>
-      </p:sp>
-      <p:sp>
-        <p:nvSpPr>
-          <p:cNvPr id="3" name="Content Placeholder 2">
-            <a:extLst>
-              <a:ext uri="{FF2B5EF4-FFF2-40B4-BE49-F238E27FC236}">
-                <a16:creationId xmlns:a16="http://schemas.microsoft.com/office/drawing/2014/main" id="{3E3CE4C3-BF0A-4957-95D7-FBC24D682FEA}"/>
-              </a:ext>
-            </a:extLst>
-          </p:cNvPr>
-          <p:cNvSpPr>
-            <a:spLocks noGrp="1"/>
-          </p:cNvSpPr>
-          <p:nvPr>
-            <p:ph idx="1"/>
-          </p:nvPr>
-        </p:nvSpPr>
-        <p:spPr>
-          <a:xfrm>
-            <a:off x="462414" y="1767980"/>
-            <a:ext cx="8534400" cy="3615267"/>
-          </a:xfrm>
-        </p:spPr>
-        <p:txBody>
-          <a:bodyPr/>
-          <a:lstStyle/>
-          <a:p>
-            <a:pPr lvl="1"/>
-            <a:endParaRPr lang="en-GB" dirty="0"/>
-          </a:p>
-        </p:txBody>
-      </p:sp>
-    </p:spTree>
-    <p:extLst>
-      <p:ext uri="{BB962C8B-B14F-4D97-AF65-F5344CB8AC3E}">
-        <p14:creationId xmlns:p14="http://schemas.microsoft.com/office/powerpoint/2010/main" val="27615248"/>
+        <p14:creationId xmlns:p14="http://schemas.microsoft.com/office/powerpoint/2010/main" val="305579644"/>
       </p:ext>
     </p:extLst>
   </p:cSld>
@@ -6226,813 +6398,6 @@
 </file>
 
 <file path=ppt/slides/slide5.xml><?xml version="1.0" encoding="utf-8"?>
-<p:sld xmlns:a="http://schemas.openxmlformats.org/drawingml/2006/main" xmlns:r="http://schemas.openxmlformats.org/officeDocument/2006/relationships" xmlns:p="http://schemas.openxmlformats.org/presentationml/2006/main">
-  <p:cSld>
-    <p:bg>
-      <p:bgPr>
-        <a:gradFill rotWithShape="1">
-          <a:gsLst>
-            <a:gs pos="10000">
-              <a:schemeClr val="bg2">
-                <a:tint val="97000"/>
-                <a:hueMod val="92000"/>
-                <a:satMod val="169000"/>
-                <a:lumMod val="164000"/>
-              </a:schemeClr>
-            </a:gs>
-            <a:gs pos="100000">
-              <a:schemeClr val="bg2">
-                <a:shade val="96000"/>
-                <a:satMod val="120000"/>
-                <a:lumMod val="90000"/>
-              </a:schemeClr>
-            </a:gs>
-          </a:gsLst>
-          <a:lin ang="6120000" scaled="1"/>
-        </a:gradFill>
-        <a:effectLst/>
-      </p:bgPr>
-    </p:bg>
-    <p:spTree>
-      <p:nvGrpSpPr>
-        <p:cNvPr id="1" name=""/>
-        <p:cNvGrpSpPr/>
-        <p:nvPr/>
-      </p:nvGrpSpPr>
-      <p:grpSpPr>
-        <a:xfrm>
-          <a:off x="0" y="0"/>
-          <a:ext cx="0" cy="0"/>
-          <a:chOff x="0" y="0"/>
-          <a:chExt cx="0" cy="0"/>
-        </a:xfrm>
-      </p:grpSpPr>
-      <p:sp>
-        <p:nvSpPr>
-          <p:cNvPr id="2" name="Title 1">
-            <a:extLst>
-              <a:ext uri="{FF2B5EF4-FFF2-40B4-BE49-F238E27FC236}">
-                <a16:creationId xmlns:a16="http://schemas.microsoft.com/office/drawing/2014/main" id="{73BCA3E8-B163-4626-AB15-C2F610CF26B4}"/>
-              </a:ext>
-            </a:extLst>
-          </p:cNvPr>
-          <p:cNvSpPr>
-            <a:spLocks noGrp="1"/>
-          </p:cNvSpPr>
-          <p:nvPr>
-            <p:ph type="title"/>
-          </p:nvPr>
-        </p:nvSpPr>
-        <p:spPr>
-          <a:xfrm>
-            <a:off x="684212" y="4487332"/>
-            <a:ext cx="8534400" cy="1507067"/>
-          </a:xfrm>
-        </p:spPr>
-        <p:txBody>
-          <a:bodyPr>
-            <a:normAutofit/>
-          </a:bodyPr>
-          <a:lstStyle/>
-          <a:p>
-            <a:r>
-              <a:rPr lang="en-GB" dirty="0"/>
-              <a:t>Attribute Analysis – Aggregate win percentage </a:t>
-            </a:r>
-          </a:p>
-        </p:txBody>
-      </p:sp>
-      <p:pic>
-        <p:nvPicPr>
-          <p:cNvPr id="8" name="Content Placeholder 4">
-            <a:extLst>
-              <a:ext uri="{FF2B5EF4-FFF2-40B4-BE49-F238E27FC236}">
-                <a16:creationId xmlns:a16="http://schemas.microsoft.com/office/drawing/2014/main" id="{08E50B3B-4597-4D46-BD3C-2A70E1B43B32}"/>
-              </a:ext>
-            </a:extLst>
-          </p:cNvPr>
-          <p:cNvPicPr>
-            <a:picLocks noChangeAspect="1"/>
-          </p:cNvPicPr>
-          <p:nvPr/>
-        </p:nvPicPr>
-        <p:blipFill rotWithShape="1">
-          <a:blip r:embed="rId2"/>
-          <a:srcRect l="5489" r="-1" b="-1"/>
-          <a:stretch/>
-        </p:blipFill>
-        <p:spPr>
-          <a:xfrm>
-            <a:off x="1190548" y="733647"/>
-            <a:ext cx="4506141" cy="3575884"/>
-          </a:xfrm>
-          <a:prstGeom prst="rect">
-            <a:avLst/>
-          </a:prstGeom>
-          <a:effectLst>
-            <a:innerShdw blurRad="57150" dist="38100" dir="14460000">
-              <a:prstClr val="black">
-                <a:alpha val="70000"/>
-              </a:prstClr>
-            </a:innerShdw>
-          </a:effectLst>
-        </p:spPr>
-      </p:pic>
-      <p:sp>
-        <p:nvSpPr>
-          <p:cNvPr id="10" name="Content Placeholder 9">
-            <a:extLst>
-              <a:ext uri="{FF2B5EF4-FFF2-40B4-BE49-F238E27FC236}">
-                <a16:creationId xmlns:a16="http://schemas.microsoft.com/office/drawing/2014/main" id="{58B2802A-45C9-49E2-8837-CE2A3753F856}"/>
-              </a:ext>
-            </a:extLst>
-          </p:cNvPr>
-          <p:cNvSpPr>
-            <a:spLocks noGrp="1"/>
-          </p:cNvSpPr>
-          <p:nvPr>
-            <p:ph idx="1"/>
-          </p:nvPr>
-        </p:nvSpPr>
-        <p:spPr>
-          <a:xfrm>
-            <a:off x="6499654" y="733647"/>
-            <a:ext cx="4419171" cy="3575884"/>
-          </a:xfrm>
-        </p:spPr>
-        <p:txBody>
-          <a:bodyPr>
-            <a:normAutofit/>
-          </a:bodyPr>
-          <a:lstStyle/>
-          <a:p>
-            <a:endParaRPr lang="en-US"/>
-          </a:p>
-        </p:txBody>
-      </p:sp>
-    </p:spTree>
-    <p:extLst>
-      <p:ext uri="{BB962C8B-B14F-4D97-AF65-F5344CB8AC3E}">
-        <p14:creationId xmlns:p14="http://schemas.microsoft.com/office/powerpoint/2010/main" val="1800666024"/>
-      </p:ext>
-    </p:extLst>
-  </p:cSld>
-  <p:clrMapOvr>
-    <a:masterClrMapping/>
-  </p:clrMapOvr>
-</p:sld>
-</file>
-
-<file path=ppt/slides/slide6.xml><?xml version="1.0" encoding="utf-8"?>
-<p:sld xmlns:a="http://schemas.openxmlformats.org/drawingml/2006/main" xmlns:r="http://schemas.openxmlformats.org/officeDocument/2006/relationships" xmlns:p="http://schemas.openxmlformats.org/presentationml/2006/main">
-  <p:cSld>
-    <p:bg>
-      <p:bgPr>
-        <a:gradFill rotWithShape="1">
-          <a:gsLst>
-            <a:gs pos="10000">
-              <a:schemeClr val="bg2">
-                <a:tint val="97000"/>
-                <a:hueMod val="92000"/>
-                <a:satMod val="169000"/>
-                <a:lumMod val="164000"/>
-              </a:schemeClr>
-            </a:gs>
-            <a:gs pos="100000">
-              <a:schemeClr val="bg2">
-                <a:shade val="96000"/>
-                <a:satMod val="120000"/>
-                <a:lumMod val="90000"/>
-              </a:schemeClr>
-            </a:gs>
-          </a:gsLst>
-          <a:lin ang="6120000" scaled="1"/>
-        </a:gradFill>
-        <a:effectLst/>
-      </p:bgPr>
-    </p:bg>
-    <p:spTree>
-      <p:nvGrpSpPr>
-        <p:cNvPr id="1" name=""/>
-        <p:cNvGrpSpPr/>
-        <p:nvPr/>
-      </p:nvGrpSpPr>
-      <p:grpSpPr>
-        <a:xfrm>
-          <a:off x="0" y="0"/>
-          <a:ext cx="0" cy="0"/>
-          <a:chOff x="0" y="0"/>
-          <a:chExt cx="0" cy="0"/>
-        </a:xfrm>
-      </p:grpSpPr>
-      <p:sp>
-        <p:nvSpPr>
-          <p:cNvPr id="2" name="Title 1">
-            <a:extLst>
-              <a:ext uri="{FF2B5EF4-FFF2-40B4-BE49-F238E27FC236}">
-                <a16:creationId xmlns:a16="http://schemas.microsoft.com/office/drawing/2014/main" id="{73BCA3E8-B163-4626-AB15-C2F610CF26B4}"/>
-              </a:ext>
-            </a:extLst>
-          </p:cNvPr>
-          <p:cNvSpPr>
-            <a:spLocks noGrp="1"/>
-          </p:cNvSpPr>
-          <p:nvPr>
-            <p:ph type="title"/>
-          </p:nvPr>
-        </p:nvSpPr>
-        <p:spPr>
-          <a:xfrm>
-            <a:off x="8161037" y="736605"/>
-            <a:ext cx="3643435" cy="2692395"/>
-          </a:xfrm>
-        </p:spPr>
-        <p:txBody>
-          <a:bodyPr vert="horz" lIns="91440" tIns="45720" rIns="91440" bIns="45720" rtlCol="0">
-            <a:normAutofit/>
-          </a:bodyPr>
-          <a:lstStyle/>
-          <a:p>
-            <a:r>
-              <a:rPr lang="en-US" dirty="0"/>
-              <a:t>Attribute Analysis – Points Difference </a:t>
-            </a:r>
-          </a:p>
-        </p:txBody>
-      </p:sp>
-      <p:sp>
-        <p:nvSpPr>
-          <p:cNvPr id="34" name="Content Placeholder 33">
-            <a:extLst>
-              <a:ext uri="{FF2B5EF4-FFF2-40B4-BE49-F238E27FC236}">
-                <a16:creationId xmlns:a16="http://schemas.microsoft.com/office/drawing/2014/main" id="{67A922B3-1584-4391-9D18-AEA9A6FA344A}"/>
-              </a:ext>
-            </a:extLst>
-          </p:cNvPr>
-          <p:cNvSpPr>
-            <a:spLocks noGrp="1"/>
-          </p:cNvSpPr>
-          <p:nvPr>
-            <p:ph idx="1"/>
-          </p:nvPr>
-        </p:nvSpPr>
-        <p:spPr>
-          <a:xfrm>
-            <a:off x="684212" y="490491"/>
-            <a:ext cx="7195828" cy="3477827"/>
-          </a:xfrm>
-        </p:spPr>
-        <p:txBody>
-          <a:bodyPr>
-            <a:normAutofit/>
-          </a:bodyPr>
-          <a:lstStyle/>
-          <a:p>
-            <a:endParaRPr lang="en-US" dirty="0"/>
-          </a:p>
-        </p:txBody>
-      </p:sp>
-      <p:pic>
-        <p:nvPicPr>
-          <p:cNvPr id="32" name="Content Placeholder 4" descr="A screenshot of a cell phone&#10;&#10;Description generated with high confidence">
-            <a:extLst>
-              <a:ext uri="{FF2B5EF4-FFF2-40B4-BE49-F238E27FC236}">
-                <a16:creationId xmlns:a16="http://schemas.microsoft.com/office/drawing/2014/main" id="{65EF952B-C404-4AFB-ABA3-D4B8148B81D3}"/>
-              </a:ext>
-            </a:extLst>
-          </p:cNvPr>
-          <p:cNvPicPr>
-            <a:picLocks noChangeAspect="1"/>
-          </p:cNvPicPr>
-          <p:nvPr/>
-        </p:nvPicPr>
-        <p:blipFill>
-          <a:blip r:embed="rId2"/>
-          <a:stretch>
-            <a:fillRect/>
-          </a:stretch>
-        </p:blipFill>
-        <p:spPr>
-          <a:xfrm>
-            <a:off x="684212" y="3946583"/>
-            <a:ext cx="7280983" cy="2420926"/>
-          </a:xfrm>
-          <a:prstGeom prst="rect">
-            <a:avLst/>
-          </a:prstGeom>
-        </p:spPr>
-      </p:pic>
-    </p:spTree>
-    <p:extLst>
-      <p:ext uri="{BB962C8B-B14F-4D97-AF65-F5344CB8AC3E}">
-        <p14:creationId xmlns:p14="http://schemas.microsoft.com/office/powerpoint/2010/main" val="912237440"/>
-      </p:ext>
-    </p:extLst>
-  </p:cSld>
-  <p:clrMapOvr>
-    <a:masterClrMapping/>
-  </p:clrMapOvr>
-</p:sld>
-</file>
-
-<file path=ppt/slides/slide7.xml><?xml version="1.0" encoding="utf-8"?>
-<p:sld xmlns:a="http://schemas.openxmlformats.org/drawingml/2006/main" xmlns:r="http://schemas.openxmlformats.org/officeDocument/2006/relationships" xmlns:p="http://schemas.openxmlformats.org/presentationml/2006/main">
-  <p:cSld>
-    <p:bg>
-      <p:bgPr>
-        <a:solidFill>
-          <a:schemeClr val="bg1"/>
-        </a:solidFill>
-        <a:effectLst/>
-      </p:bgPr>
-    </p:bg>
-    <p:spTree>
-      <p:nvGrpSpPr>
-        <p:cNvPr id="1" name=""/>
-        <p:cNvGrpSpPr/>
-        <p:nvPr/>
-      </p:nvGrpSpPr>
-      <p:grpSpPr>
-        <a:xfrm>
-          <a:off x="0" y="0"/>
-          <a:ext cx="0" cy="0"/>
-          <a:chOff x="0" y="0"/>
-          <a:chExt cx="0" cy="0"/>
-        </a:xfrm>
-      </p:grpSpPr>
-      <p:sp>
-        <p:nvSpPr>
-          <p:cNvPr id="13" name="Rectangle 12">
-            <a:extLst>
-              <a:ext uri="{FF2B5EF4-FFF2-40B4-BE49-F238E27FC236}">
-                <a16:creationId xmlns:a16="http://schemas.microsoft.com/office/drawing/2014/main" id="{124D9F5B-C72B-41EE-97C2-D3600B62717D}"/>
-              </a:ext>
-              <a:ext uri="{C183D7F6-B498-43B3-948B-1728B52AA6E4}">
-                <adec:decorative xmlns:adec="http://schemas.microsoft.com/office/drawing/2017/decorative" val="1"/>
-              </a:ext>
-            </a:extLst>
-          </p:cNvPr>
-          <p:cNvSpPr>
-            <a:spLocks noGrp="1" noRot="1" noChangeAspect="1" noMove="1" noResize="1" noEditPoints="1" noAdjustHandles="1" noChangeArrowheads="1" noChangeShapeType="1" noTextEdit="1"/>
-          </p:cNvSpPr>
-          <p:nvPr>
-            <p:extLst>
-              <p:ext uri="{386F3935-93C4-4BCD-93E2-E3B085C9AB24}">
-                <p16:designElem xmlns:p16="http://schemas.microsoft.com/office/powerpoint/2015/main" val="1"/>
-              </p:ext>
-            </p:extLst>
-          </p:nvPr>
-        </p:nvSpPr>
-        <p:spPr>
-          <a:xfrm>
-            <a:off x="0" y="0"/>
-            <a:ext cx="12192000" cy="6858000"/>
-          </a:xfrm>
-          <a:prstGeom prst="rect">
-            <a:avLst/>
-          </a:prstGeom>
-          <a:ln>
-            <a:noFill/>
-          </a:ln>
-        </p:spPr>
-        <p:style>
-          <a:lnRef idx="2">
-            <a:schemeClr val="accent1">
-              <a:shade val="50000"/>
-            </a:schemeClr>
-          </a:lnRef>
-          <a:fillRef idx="1002">
-            <a:schemeClr val="dk2"/>
-          </a:fillRef>
-          <a:effectRef idx="0">
-            <a:schemeClr val="accent1"/>
-          </a:effectRef>
-          <a:fontRef idx="minor">
-            <a:schemeClr val="lt1"/>
-          </a:fontRef>
-        </p:style>
-        <p:txBody>
-          <a:bodyPr rtlCol="0" anchor="ctr"/>
-          <a:lstStyle/>
-          <a:p>
-            <a:pPr algn="ctr"/>
-            <a:endParaRPr lang="en-US"/>
-          </a:p>
-        </p:txBody>
-      </p:sp>
-      <p:sp>
-        <p:nvSpPr>
-          <p:cNvPr id="2" name="Title 1">
-            <a:extLst>
-              <a:ext uri="{FF2B5EF4-FFF2-40B4-BE49-F238E27FC236}">
-                <a16:creationId xmlns:a16="http://schemas.microsoft.com/office/drawing/2014/main" id="{D54A04A2-114B-40EE-A649-B37DD1144EDF}"/>
-              </a:ext>
-            </a:extLst>
-          </p:cNvPr>
-          <p:cNvSpPr>
-            <a:spLocks noGrp="1"/>
-          </p:cNvSpPr>
-          <p:nvPr>
-            <p:ph type="title"/>
-          </p:nvPr>
-        </p:nvSpPr>
-        <p:spPr>
-          <a:xfrm>
-            <a:off x="717551" y="499662"/>
-            <a:ext cx="10321350" cy="1507067"/>
-          </a:xfrm>
-        </p:spPr>
-        <p:txBody>
-          <a:bodyPr>
-            <a:normAutofit/>
-          </a:bodyPr>
-          <a:lstStyle/>
-          <a:p>
-            <a:r>
-              <a:rPr lang="en-US" sz="3200" dirty="0">
-                <a:solidFill>
-                  <a:srgbClr val="FFFFFF"/>
-                </a:solidFill>
-              </a:rPr>
-              <a:t>Attribute Analysis – Points Difference </a:t>
-            </a:r>
-            <a:endParaRPr lang="en-GB" sz="3200" dirty="0">
-              <a:solidFill>
-                <a:srgbClr val="FFFFFF"/>
-              </a:solidFill>
-            </a:endParaRPr>
-          </a:p>
-        </p:txBody>
-      </p:sp>
-      <p:pic>
-        <p:nvPicPr>
-          <p:cNvPr id="24" name="Content Placeholder 4" descr="A picture containing object, writing implement, measuring stick&#10;&#10;Description generated with high confidence">
-            <a:extLst>
-              <a:ext uri="{FF2B5EF4-FFF2-40B4-BE49-F238E27FC236}">
-                <a16:creationId xmlns:a16="http://schemas.microsoft.com/office/drawing/2014/main" id="{717B1133-A6AF-40B8-8A50-873BB6554F6B}"/>
-              </a:ext>
-            </a:extLst>
-          </p:cNvPr>
-          <p:cNvPicPr>
-            <a:picLocks noChangeAspect="1"/>
-          </p:cNvPicPr>
-          <p:nvPr/>
-        </p:nvPicPr>
-        <p:blipFill>
-          <a:blip r:embed="rId2"/>
-          <a:stretch>
-            <a:fillRect/>
-          </a:stretch>
-        </p:blipFill>
-        <p:spPr>
-          <a:xfrm>
-            <a:off x="717551" y="3827063"/>
-            <a:ext cx="8147593" cy="2709074"/>
-          </a:xfrm>
-          <a:prstGeom prst="rect">
-            <a:avLst/>
-          </a:prstGeom>
-          <a:effectLst>
-            <a:innerShdw blurRad="57150" dist="38100" dir="14460000">
-              <a:prstClr val="black">
-                <a:alpha val="70000"/>
-              </a:prstClr>
-            </a:innerShdw>
-          </a:effectLst>
-        </p:spPr>
-      </p:pic>
-      <p:sp>
-        <p:nvSpPr>
-          <p:cNvPr id="25" name="Content Placeholder 9">
-            <a:extLst>
-              <a:ext uri="{FF2B5EF4-FFF2-40B4-BE49-F238E27FC236}">
-                <a16:creationId xmlns:a16="http://schemas.microsoft.com/office/drawing/2014/main" id="{157FAB93-6BDE-4974-8163-A5A615C58C45}"/>
-              </a:ext>
-            </a:extLst>
-          </p:cNvPr>
-          <p:cNvSpPr>
-            <a:spLocks noGrp="1"/>
-          </p:cNvSpPr>
-          <p:nvPr>
-            <p:ph idx="1"/>
-          </p:nvPr>
-        </p:nvSpPr>
-        <p:spPr>
-          <a:xfrm>
-            <a:off x="717552" y="1551248"/>
-            <a:ext cx="10198100" cy="2199615"/>
-          </a:xfrm>
-        </p:spPr>
-        <p:txBody>
-          <a:bodyPr>
-            <a:normAutofit/>
-          </a:bodyPr>
-          <a:lstStyle/>
-          <a:p>
-            <a:endParaRPr lang="en-US" sz="1800" dirty="0">
-              <a:solidFill>
-                <a:srgbClr val="0F496F"/>
-              </a:solidFill>
-            </a:endParaRPr>
-          </a:p>
-        </p:txBody>
-      </p:sp>
-      <p:grpSp>
-        <p:nvGrpSpPr>
-          <p:cNvPr id="26" name="Group 14">
-            <a:extLst>
-              <a:ext uri="{FF2B5EF4-FFF2-40B4-BE49-F238E27FC236}">
-                <a16:creationId xmlns:a16="http://schemas.microsoft.com/office/drawing/2014/main" id="{0180A64C-1862-4B1B-8953-FA96DEE4C44F}"/>
-              </a:ext>
-              <a:ext uri="{C183D7F6-B498-43B3-948B-1728B52AA6E4}">
-                <adec:decorative xmlns:adec="http://schemas.microsoft.com/office/drawing/2017/decorative" val="1"/>
-              </a:ext>
-            </a:extLst>
-          </p:cNvPr>
-          <p:cNvGrpSpPr>
-            <a:grpSpLocks noGrp="1" noUngrp="1" noRot="1" noChangeAspect="1" noMove="1" noResize="1"/>
-          </p:cNvGrpSpPr>
-          <p:nvPr>
-            <p:extLst>
-              <p:ext uri="{386F3935-93C4-4BCD-93E2-E3B085C9AB24}">
-                <p16:designElem xmlns:p16="http://schemas.microsoft.com/office/powerpoint/2015/main" val="1"/>
-              </p:ext>
-            </p:extLst>
-          </p:nvPr>
-        </p:nvGrpSpPr>
-        <p:grpSpPr>
-          <a:xfrm>
-            <a:off x="9206969" y="2963333"/>
-            <a:ext cx="2981858" cy="3208867"/>
-            <a:chOff x="9206969" y="2963333"/>
-            <a:chExt cx="2981858" cy="3208867"/>
-          </a:xfrm>
-        </p:grpSpPr>
-        <p:cxnSp>
-          <p:nvCxnSpPr>
-            <p:cNvPr id="27" name="Straight Connector 15">
-              <a:extLst>
-                <a:ext uri="{FF2B5EF4-FFF2-40B4-BE49-F238E27FC236}">
-                  <a16:creationId xmlns:a16="http://schemas.microsoft.com/office/drawing/2014/main" id="{52859A51-B3CA-4126-956F-D0DCCBA21294}"/>
-                </a:ext>
-                <a:ext uri="{C183D7F6-B498-43B3-948B-1728B52AA6E4}">
-                  <adec:decorative xmlns:adec="http://schemas.microsoft.com/office/drawing/2017/decorative" val="1"/>
-                </a:ext>
-              </a:extLst>
-            </p:cNvPr>
-            <p:cNvCxnSpPr/>
-            <p:nvPr>
-              <p:extLst>
-                <p:ext uri="{386F3935-93C4-4BCD-93E2-E3B085C9AB24}">
-                  <p16:designElem xmlns:p16="http://schemas.microsoft.com/office/powerpoint/2015/main" val="1"/>
-                </p:ext>
-              </p:extLst>
-            </p:nvPr>
-          </p:nvCxnSpPr>
-          <p:spPr>
-            <a:xfrm flipH="1">
-              <a:off x="11276012" y="2963333"/>
-              <a:ext cx="912814" cy="912812"/>
-            </a:xfrm>
-            <a:prstGeom prst="line">
-              <a:avLst/>
-            </a:prstGeom>
-            <a:ln w="9525">
-              <a:solidFill>
-                <a:srgbClr val="FFFFFF"/>
-              </a:solidFill>
-            </a:ln>
-          </p:spPr>
-          <p:style>
-            <a:lnRef idx="2">
-              <a:schemeClr val="accent1"/>
-            </a:lnRef>
-            <a:fillRef idx="0">
-              <a:schemeClr val="accent1"/>
-            </a:fillRef>
-            <a:effectRef idx="1">
-              <a:schemeClr val="accent1"/>
-            </a:effectRef>
-            <a:fontRef idx="minor">
-              <a:schemeClr val="tx1"/>
-            </a:fontRef>
-          </p:style>
-        </p:cxnSp>
-        <p:cxnSp>
-          <p:nvCxnSpPr>
-            <p:cNvPr id="28" name="Straight Connector 16">
-              <a:extLst>
-                <a:ext uri="{FF2B5EF4-FFF2-40B4-BE49-F238E27FC236}">
-                  <a16:creationId xmlns:a16="http://schemas.microsoft.com/office/drawing/2014/main" id="{1ECA05ED-FBC3-48F4-8E6D-AB89EC6081CF}"/>
-                </a:ext>
-                <a:ext uri="{C183D7F6-B498-43B3-948B-1728B52AA6E4}">
-                  <adec:decorative xmlns:adec="http://schemas.microsoft.com/office/drawing/2017/decorative" val="1"/>
-                </a:ext>
-              </a:extLst>
-            </p:cNvPr>
-            <p:cNvCxnSpPr/>
-            <p:nvPr>
-              <p:extLst>
-                <p:ext uri="{386F3935-93C4-4BCD-93E2-E3B085C9AB24}">
-                  <p16:designElem xmlns:p16="http://schemas.microsoft.com/office/powerpoint/2015/main" val="1"/>
-                </p:ext>
-              </p:extLst>
-            </p:nvPr>
-          </p:nvCxnSpPr>
-          <p:spPr>
-            <a:xfrm flipH="1">
-              <a:off x="9206969" y="3190344"/>
-              <a:ext cx="2981857" cy="2981856"/>
-            </a:xfrm>
-            <a:prstGeom prst="line">
-              <a:avLst/>
-            </a:prstGeom>
-            <a:ln w="9525">
-              <a:solidFill>
-                <a:srgbClr val="FFFFFF"/>
-              </a:solidFill>
-            </a:ln>
-          </p:spPr>
-          <p:style>
-            <a:lnRef idx="2">
-              <a:schemeClr val="accent1"/>
-            </a:lnRef>
-            <a:fillRef idx="0">
-              <a:schemeClr val="accent1"/>
-            </a:fillRef>
-            <a:effectRef idx="1">
-              <a:schemeClr val="accent1"/>
-            </a:effectRef>
-            <a:fontRef idx="minor">
-              <a:schemeClr val="tx1"/>
-            </a:fontRef>
-          </p:style>
-        </p:cxnSp>
-        <p:cxnSp>
-          <p:nvCxnSpPr>
-            <p:cNvPr id="18" name="Straight Connector 17">
-              <a:extLst>
-                <a:ext uri="{FF2B5EF4-FFF2-40B4-BE49-F238E27FC236}">
-                  <a16:creationId xmlns:a16="http://schemas.microsoft.com/office/drawing/2014/main" id="{5EE24CC5-F080-45A3-B2B4-59A7BCA5AB4A}"/>
-                </a:ext>
-                <a:ext uri="{C183D7F6-B498-43B3-948B-1728B52AA6E4}">
-                  <adec:decorative xmlns:adec="http://schemas.microsoft.com/office/drawing/2017/decorative" val="1"/>
-                </a:ext>
-              </a:extLst>
-            </p:cNvPr>
-            <p:cNvCxnSpPr/>
-            <p:nvPr>
-              <p:extLst>
-                <p:ext uri="{386F3935-93C4-4BCD-93E2-E3B085C9AB24}">
-                  <p16:designElem xmlns:p16="http://schemas.microsoft.com/office/powerpoint/2015/main" val="1"/>
-                </p:ext>
-              </p:extLst>
-            </p:nvPr>
-          </p:nvCxnSpPr>
-          <p:spPr>
-            <a:xfrm flipH="1">
-              <a:off x="10292292" y="3285067"/>
-              <a:ext cx="1896534" cy="1896533"/>
-            </a:xfrm>
-            <a:prstGeom prst="line">
-              <a:avLst/>
-            </a:prstGeom>
-            <a:ln w="9525">
-              <a:solidFill>
-                <a:srgbClr val="FFFFFF"/>
-              </a:solidFill>
-            </a:ln>
-          </p:spPr>
-          <p:style>
-            <a:lnRef idx="2">
-              <a:schemeClr val="accent1"/>
-            </a:lnRef>
-            <a:fillRef idx="0">
-              <a:schemeClr val="accent1"/>
-            </a:fillRef>
-            <a:effectRef idx="1">
-              <a:schemeClr val="accent1"/>
-            </a:effectRef>
-            <a:fontRef idx="minor">
-              <a:schemeClr val="tx1"/>
-            </a:fontRef>
-          </p:style>
-        </p:cxnSp>
-        <p:cxnSp>
-          <p:nvCxnSpPr>
-            <p:cNvPr id="19" name="Straight Connector 18">
-              <a:extLst>
-                <a:ext uri="{FF2B5EF4-FFF2-40B4-BE49-F238E27FC236}">
-                  <a16:creationId xmlns:a16="http://schemas.microsoft.com/office/drawing/2014/main" id="{B3EC6EC2-2351-427C-90C2-F107915733BC}"/>
-                </a:ext>
-                <a:ext uri="{C183D7F6-B498-43B3-948B-1728B52AA6E4}">
-                  <adec:decorative xmlns:adec="http://schemas.microsoft.com/office/drawing/2017/decorative" val="1"/>
-                </a:ext>
-              </a:extLst>
-            </p:cNvPr>
-            <p:cNvCxnSpPr/>
-            <p:nvPr>
-              <p:extLst>
-                <p:ext uri="{386F3935-93C4-4BCD-93E2-E3B085C9AB24}">
-                  <p16:designElem xmlns:p16="http://schemas.microsoft.com/office/powerpoint/2015/main" val="1"/>
-                </p:ext>
-              </p:extLst>
-            </p:nvPr>
-          </p:nvCxnSpPr>
-          <p:spPr>
-            <a:xfrm flipH="1">
-              <a:off x="10443103" y="3131080"/>
-              <a:ext cx="1745722" cy="1745720"/>
-            </a:xfrm>
-            <a:prstGeom prst="line">
-              <a:avLst/>
-            </a:prstGeom>
-            <a:ln w="28575">
-              <a:solidFill>
-                <a:srgbClr val="FFFFFF"/>
-              </a:solidFill>
-            </a:ln>
-          </p:spPr>
-          <p:style>
-            <a:lnRef idx="2">
-              <a:schemeClr val="accent1"/>
-            </a:lnRef>
-            <a:fillRef idx="0">
-              <a:schemeClr val="accent1"/>
-            </a:fillRef>
-            <a:effectRef idx="1">
-              <a:schemeClr val="accent1"/>
-            </a:effectRef>
-            <a:fontRef idx="minor">
-              <a:schemeClr val="tx1"/>
-            </a:fontRef>
-          </p:style>
-        </p:cxnSp>
-        <p:cxnSp>
-          <p:nvCxnSpPr>
-            <p:cNvPr id="20" name="Straight Connector 19">
-              <a:extLst>
-                <a:ext uri="{FF2B5EF4-FFF2-40B4-BE49-F238E27FC236}">
-                  <a16:creationId xmlns:a16="http://schemas.microsoft.com/office/drawing/2014/main" id="{D524D87A-9540-4F77-B006-823176623BD8}"/>
-                </a:ext>
-                <a:ext uri="{C183D7F6-B498-43B3-948B-1728B52AA6E4}">
-                  <adec:decorative xmlns:adec="http://schemas.microsoft.com/office/drawing/2017/decorative" val="1"/>
-                </a:ext>
-              </a:extLst>
-            </p:cNvPr>
-            <p:cNvCxnSpPr/>
-            <p:nvPr>
-              <p:extLst>
-                <p:ext uri="{386F3935-93C4-4BCD-93E2-E3B085C9AB24}">
-                  <p16:designElem xmlns:p16="http://schemas.microsoft.com/office/powerpoint/2015/main" val="1"/>
-                </p:ext>
-              </p:extLst>
-            </p:nvPr>
-          </p:nvCxnSpPr>
-          <p:spPr>
-            <a:xfrm flipH="1">
-              <a:off x="10918826" y="3683001"/>
-              <a:ext cx="1270001" cy="1269999"/>
-            </a:xfrm>
-            <a:prstGeom prst="line">
-              <a:avLst/>
-            </a:prstGeom>
-            <a:ln w="28575">
-              <a:solidFill>
-                <a:srgbClr val="FFFFFF"/>
-              </a:solidFill>
-            </a:ln>
-          </p:spPr>
-          <p:style>
-            <a:lnRef idx="2">
-              <a:schemeClr val="accent1"/>
-            </a:lnRef>
-            <a:fillRef idx="0">
-              <a:schemeClr val="accent1"/>
-            </a:fillRef>
-            <a:effectRef idx="1">
-              <a:schemeClr val="accent1"/>
-            </a:effectRef>
-            <a:fontRef idx="minor">
-              <a:schemeClr val="tx1"/>
-            </a:fontRef>
-          </p:style>
-        </p:cxnSp>
-      </p:grpSp>
-    </p:spTree>
-    <p:extLst>
-      <p:ext uri="{BB962C8B-B14F-4D97-AF65-F5344CB8AC3E}">
-        <p14:creationId xmlns:p14="http://schemas.microsoft.com/office/powerpoint/2010/main" val="2517055077"/>
-      </p:ext>
-    </p:extLst>
-  </p:cSld>
-  <p:clrMapOvr>
-    <a:overrideClrMapping bg1="lt1" tx1="dk1" bg2="lt2" tx2="dk2" accent1="accent1" accent2="accent2" accent3="accent3" accent4="accent4" accent5="accent5" accent6="accent6" hlink="hlink" folHlink="folHlink"/>
-  </p:clrMapOvr>
-</p:sld>
-</file>
-
-<file path=ppt/slides/slide8.xml><?xml version="1.0" encoding="utf-8"?>
 <p:sld xmlns:a="http://schemas.openxmlformats.org/drawingml/2006/main" xmlns:r="http://schemas.openxmlformats.org/officeDocument/2006/relationships" xmlns:p="http://schemas.openxmlformats.org/presentationml/2006/main">
   <p:cSld>
     <p:bg>
@@ -7289,11 +6654,54 @@
           </a:bodyPr>
           <a:lstStyle/>
           <a:p>
-            <a:endParaRPr lang="en-US" sz="1200">
-              <a:solidFill>
-                <a:srgbClr val="0F496F"/>
-              </a:solidFill>
-            </a:endParaRPr>
+            <a:r>
+              <a:rPr lang="en-US" sz="1200" dirty="0">
+                <a:solidFill>
+                  <a:srgbClr val="0F496F"/>
+                </a:solidFill>
+              </a:rPr>
+              <a:t>Form is huge in football.</a:t>
+            </a:r>
+          </a:p>
+          <a:p>
+            <a:r>
+              <a:rPr lang="en-US" sz="1200" dirty="0">
+                <a:solidFill>
+                  <a:srgbClr val="0F496F"/>
+                </a:solidFill>
+              </a:rPr>
+              <a:t>We knew we could generate the form for a team coming into a game.</a:t>
+            </a:r>
+          </a:p>
+          <a:p>
+            <a:r>
+              <a:rPr lang="en-US" sz="1200" dirty="0">
+                <a:solidFill>
+                  <a:srgbClr val="0F496F"/>
+                </a:solidFill>
+              </a:rPr>
+              <a:t>We investigated whether form could positively impact our prediction.</a:t>
+            </a:r>
+          </a:p>
+          <a:p>
+            <a:r>
+              <a:rPr lang="en-US" sz="1200" dirty="0">
+                <a:solidFill>
+                  <a:srgbClr val="0F496F"/>
+                </a:solidFill>
+              </a:rPr>
+              <a:t>We generated all the probabilities of all the permutations for a team’s last 3 results.</a:t>
+            </a:r>
+          </a:p>
+          <a:p>
+            <a:r>
+              <a:rPr lang="en-US" sz="1200" dirty="0">
+                <a:solidFill>
+                  <a:srgbClr val="0F496F"/>
+                </a:solidFill>
+              </a:rPr>
+              <a:t>From these results, we deemed form as a good attribute to use in our prediction.</a:t>
+            </a:r>
           </a:p>
         </p:txBody>
       </p:sp>
@@ -7592,9 +7000,34 @@
 </p:sld>
 </file>
 
-<file path=ppt/slides/slide9.xml><?xml version="1.0" encoding="utf-8"?>
+<file path=ppt/slides/slide6.xml><?xml version="1.0" encoding="utf-8"?>
 <p:sld xmlns:a="http://schemas.openxmlformats.org/drawingml/2006/main" xmlns:r="http://schemas.openxmlformats.org/officeDocument/2006/relationships" xmlns:p="http://schemas.openxmlformats.org/presentationml/2006/main">
   <p:cSld>
+    <p:bg>
+      <p:bgPr>
+        <a:gradFill rotWithShape="1">
+          <a:gsLst>
+            <a:gs pos="10000">
+              <a:schemeClr val="bg2">
+                <a:tint val="97000"/>
+                <a:hueMod val="92000"/>
+                <a:satMod val="169000"/>
+                <a:lumMod val="164000"/>
+              </a:schemeClr>
+            </a:gs>
+            <a:gs pos="100000">
+              <a:schemeClr val="bg2">
+                <a:shade val="96000"/>
+                <a:satMod val="120000"/>
+                <a:lumMod val="90000"/>
+              </a:schemeClr>
+            </a:gs>
+          </a:gsLst>
+          <a:lin ang="6120000" scaled="1"/>
+        </a:gradFill>
+        <a:effectLst/>
+      </p:bgPr>
+    </p:bg>
     <p:spTree>
       <p:nvGrpSpPr>
         <p:cNvPr id="1" name=""/>
@@ -7609,6 +7042,66 @@
           <a:chExt cx="0" cy="0"/>
         </a:xfrm>
       </p:grpSpPr>
+      <p:sp useBgFill="1">
+        <p:nvSpPr>
+          <p:cNvPr id="62" name="Rectangle 46">
+            <a:extLst>
+              <a:ext uri="{FF2B5EF4-FFF2-40B4-BE49-F238E27FC236}">
+                <a16:creationId xmlns:a16="http://schemas.microsoft.com/office/drawing/2014/main" id="{2BDB7F85-D796-4A23-94A0-EAB405E0B52E}"/>
+              </a:ext>
+              <a:ext uri="{C183D7F6-B498-43B3-948B-1728B52AA6E4}">
+                <adec:decorative xmlns:adec="http://schemas.microsoft.com/office/drawing/2017/decorative" val="1"/>
+              </a:ext>
+            </a:extLst>
+          </p:cNvPr>
+          <p:cNvSpPr>
+            <a:spLocks noGrp="1" noRot="1" noChangeAspect="1" noMove="1" noResize="1" noEditPoints="1" noAdjustHandles="1" noChangeArrowheads="1" noChangeShapeType="1" noTextEdit="1"/>
+          </p:cNvSpPr>
+          <p:nvPr>
+            <p:extLst>
+              <p:ext uri="{386F3935-93C4-4BCD-93E2-E3B085C9AB24}">
+                <p16:designElem xmlns:p16="http://schemas.microsoft.com/office/powerpoint/2015/main" val="1"/>
+              </p:ext>
+            </p:extLst>
+          </p:nvPr>
+        </p:nvSpPr>
+        <p:spPr>
+          <a:xfrm>
+            <a:off x="0" y="0"/>
+            <a:ext cx="12192000" cy="6858000"/>
+          </a:xfrm>
+          <a:prstGeom prst="rect">
+            <a:avLst/>
+          </a:prstGeom>
+          <a:ln>
+            <a:noFill/>
+          </a:ln>
+        </p:spPr>
+        <p:style>
+          <a:lnRef idx="2">
+            <a:schemeClr val="accent1">
+              <a:shade val="50000"/>
+            </a:schemeClr>
+          </a:lnRef>
+          <a:fillRef idx="1">
+            <a:schemeClr val="accent1"/>
+          </a:fillRef>
+          <a:effectRef idx="0">
+            <a:schemeClr val="accent1"/>
+          </a:effectRef>
+          <a:fontRef idx="minor">
+            <a:schemeClr val="lt1"/>
+          </a:fontRef>
+        </p:style>
+        <p:txBody>
+          <a:bodyPr rtlCol="0" anchor="ctr"/>
+          <a:lstStyle/>
+          <a:p>
+            <a:pPr algn="ctr"/>
+            <a:endParaRPr lang="en-US"/>
+          </a:p>
+        </p:txBody>
+      </p:sp>
       <p:sp>
         <p:nvSpPr>
           <p:cNvPr id="2" name="Title 1">
@@ -7627,17 +7120,24 @@
         </p:nvSpPr>
         <p:spPr>
           <a:xfrm>
-            <a:off x="462414" y="619076"/>
-            <a:ext cx="8534400" cy="1507067"/>
+            <a:off x="872507" y="224291"/>
+            <a:ext cx="11014459" cy="1507067"/>
           </a:xfrm>
         </p:spPr>
         <p:txBody>
-          <a:bodyPr/>
-          <a:lstStyle/>
-          <a:p>
-            <a:r>
-              <a:rPr lang="en-GB" dirty="0"/>
-              <a:t>Conclusions</a:t>
+          <a:bodyPr>
+            <a:normAutofit/>
+          </a:bodyPr>
+          <a:lstStyle/>
+          <a:p>
+            <a:pPr>
+              <a:lnSpc>
+                <a:spcPct val="90000"/>
+              </a:lnSpc>
+            </a:pPr>
+            <a:r>
+              <a:rPr lang="en-GB" sz="3300" dirty="0"/>
+              <a:t>Data Transformation</a:t>
             </a:r>
           </a:p>
         </p:txBody>
@@ -7660,12 +7160,1380 @@
         </p:nvSpPr>
         <p:spPr>
           <a:xfrm>
-            <a:off x="462414" y="1767980"/>
-            <a:ext cx="8534400" cy="3615267"/>
+            <a:off x="305033" y="1418253"/>
+            <a:ext cx="7579549" cy="2369631"/>
           </a:xfrm>
         </p:spPr>
         <p:txBody>
-          <a:bodyPr/>
+          <a:bodyPr>
+            <a:normAutofit fontScale="85000" lnSpcReduction="20000"/>
+          </a:bodyPr>
+          <a:lstStyle/>
+          <a:p>
+            <a:pPr lvl="1">
+              <a:lnSpc>
+                <a:spcPct val="90000"/>
+              </a:lnSpc>
+            </a:pPr>
+            <a:r>
+              <a:rPr lang="en-GB" dirty="0"/>
+              <a:t>Based on our analysis we decided to generate the appropriate attributes.</a:t>
+            </a:r>
+          </a:p>
+          <a:p>
+            <a:pPr lvl="1">
+              <a:lnSpc>
+                <a:spcPct val="90000"/>
+              </a:lnSpc>
+            </a:pPr>
+            <a:r>
+              <a:rPr lang="en-GB" dirty="0"/>
+              <a:t>Using Attribute Construction we constructed completely new features from attributes already in the dataset. </a:t>
+            </a:r>
+          </a:p>
+          <a:p>
+            <a:pPr lvl="1">
+              <a:lnSpc>
+                <a:spcPct val="90000"/>
+              </a:lnSpc>
+            </a:pPr>
+            <a:r>
+              <a:rPr lang="en-GB" dirty="0"/>
+              <a:t>Form was an example of this. We used the date to find the teams last 3 games, and generated form based on these games. </a:t>
+            </a:r>
+          </a:p>
+          <a:p>
+            <a:pPr lvl="1">
+              <a:lnSpc>
+                <a:spcPct val="90000"/>
+              </a:lnSpc>
+            </a:pPr>
+            <a:r>
+              <a:rPr lang="en-GB" dirty="0"/>
+              <a:t>We also used aggregation operations to aggregate the teams goal difference. </a:t>
+            </a:r>
+          </a:p>
+          <a:p>
+            <a:pPr lvl="1">
+              <a:lnSpc>
+                <a:spcPct val="90000"/>
+              </a:lnSpc>
+            </a:pPr>
+            <a:r>
+              <a:rPr lang="en-GB" dirty="0"/>
+              <a:t>We also performed a correlation analysis on the transformed dataset to try and single out any redundancies in the dataset. </a:t>
+            </a:r>
+          </a:p>
+        </p:txBody>
+      </p:sp>
+      <p:pic>
+        <p:nvPicPr>
+          <p:cNvPr id="8" name="Picture 7" descr="A screenshot of a cell phone&#10;&#10;Description generated with very high confidence">
+            <a:extLst>
+              <a:ext uri="{FF2B5EF4-FFF2-40B4-BE49-F238E27FC236}">
+                <a16:creationId xmlns:a16="http://schemas.microsoft.com/office/drawing/2014/main" id="{6A1A6326-E1EF-40D6-9F2B-96FD8A13198B}"/>
+              </a:ext>
+            </a:extLst>
+          </p:cNvPr>
+          <p:cNvPicPr>
+            <a:picLocks noChangeAspect="1"/>
+          </p:cNvPicPr>
+          <p:nvPr/>
+        </p:nvPicPr>
+        <p:blipFill rotWithShape="1">
+          <a:blip r:embed="rId2"/>
+          <a:srcRect l="3431" r="4" b="4"/>
+          <a:stretch/>
+        </p:blipFill>
+        <p:spPr>
+          <a:xfrm>
+            <a:off x="8666392" y="1570272"/>
+            <a:ext cx="2031505" cy="2534552"/>
+          </a:xfrm>
+          <a:prstGeom prst="rect">
+            <a:avLst/>
+          </a:prstGeom>
+          <a:effectLst>
+            <a:innerShdw blurRad="57150" dist="38100" dir="14460000">
+              <a:prstClr val="black">
+                <a:alpha val="70000"/>
+              </a:prstClr>
+            </a:innerShdw>
+          </a:effectLst>
+        </p:spPr>
+      </p:pic>
+      <p:grpSp>
+        <p:nvGrpSpPr>
+          <p:cNvPr id="63" name="Group 48">
+            <a:extLst>
+              <a:ext uri="{FF2B5EF4-FFF2-40B4-BE49-F238E27FC236}">
+                <a16:creationId xmlns:a16="http://schemas.microsoft.com/office/drawing/2014/main" id="{77DDCDD8-143F-41FD-A4BE-4A424229FA59}"/>
+              </a:ext>
+              <a:ext uri="{C183D7F6-B498-43B3-948B-1728B52AA6E4}">
+                <adec:decorative xmlns:adec="http://schemas.microsoft.com/office/drawing/2017/decorative" val="1"/>
+              </a:ext>
+            </a:extLst>
+          </p:cNvPr>
+          <p:cNvGrpSpPr>
+            <a:grpSpLocks noGrp="1" noUngrp="1" noRot="1" noChangeAspect="1" noMove="1" noResize="1"/>
+          </p:cNvGrpSpPr>
+          <p:nvPr>
+            <p:extLst>
+              <p:ext uri="{386F3935-93C4-4BCD-93E2-E3B085C9AB24}">
+                <p16:designElem xmlns:p16="http://schemas.microsoft.com/office/powerpoint/2015/main" val="1"/>
+              </p:ext>
+            </p:extLst>
+          </p:nvPr>
+        </p:nvGrpSpPr>
+        <p:grpSpPr>
+          <a:xfrm>
+            <a:off x="9206969" y="2963333"/>
+            <a:ext cx="2981858" cy="3208867"/>
+            <a:chOff x="9206969" y="2963333"/>
+            <a:chExt cx="2981858" cy="3208867"/>
+          </a:xfrm>
+        </p:grpSpPr>
+        <p:cxnSp>
+          <p:nvCxnSpPr>
+            <p:cNvPr id="50" name="Straight Connector 49">
+              <a:extLst>
+                <a:ext uri="{FF2B5EF4-FFF2-40B4-BE49-F238E27FC236}">
+                  <a16:creationId xmlns:a16="http://schemas.microsoft.com/office/drawing/2014/main" id="{097FB148-36BD-4DF5-AED7-F0EE776DC422}"/>
+                </a:ext>
+                <a:ext uri="{C183D7F6-B498-43B3-948B-1728B52AA6E4}">
+                  <adec:decorative xmlns:adec="http://schemas.microsoft.com/office/drawing/2017/decorative" val="1"/>
+                </a:ext>
+              </a:extLst>
+            </p:cNvPr>
+            <p:cNvCxnSpPr/>
+            <p:nvPr>
+              <p:extLst>
+                <p:ext uri="{386F3935-93C4-4BCD-93E2-E3B085C9AB24}">
+                  <p16:designElem xmlns:p16="http://schemas.microsoft.com/office/powerpoint/2015/main" val="1"/>
+                </p:ext>
+              </p:extLst>
+            </p:nvPr>
+          </p:nvCxnSpPr>
+          <p:spPr>
+            <a:xfrm flipH="1">
+              <a:off x="11276012" y="2963333"/>
+              <a:ext cx="912814" cy="912812"/>
+            </a:xfrm>
+            <a:prstGeom prst="line">
+              <a:avLst/>
+            </a:prstGeom>
+            <a:ln w="9525">
+              <a:solidFill>
+                <a:schemeClr val="tx1"/>
+              </a:solidFill>
+            </a:ln>
+          </p:spPr>
+          <p:style>
+            <a:lnRef idx="2">
+              <a:schemeClr val="accent1"/>
+            </a:lnRef>
+            <a:fillRef idx="0">
+              <a:schemeClr val="accent1"/>
+            </a:fillRef>
+            <a:effectRef idx="1">
+              <a:schemeClr val="accent1"/>
+            </a:effectRef>
+            <a:fontRef idx="minor">
+              <a:schemeClr val="tx1"/>
+            </a:fontRef>
+          </p:style>
+        </p:cxnSp>
+        <p:cxnSp>
+          <p:nvCxnSpPr>
+            <p:cNvPr id="51" name="Straight Connector 50">
+              <a:extLst>
+                <a:ext uri="{FF2B5EF4-FFF2-40B4-BE49-F238E27FC236}">
+                  <a16:creationId xmlns:a16="http://schemas.microsoft.com/office/drawing/2014/main" id="{F69E5424-8C76-4C97-BCC8-57D9EEF390E9}"/>
+                </a:ext>
+                <a:ext uri="{C183D7F6-B498-43B3-948B-1728B52AA6E4}">
+                  <adec:decorative xmlns:adec="http://schemas.microsoft.com/office/drawing/2017/decorative" val="1"/>
+                </a:ext>
+              </a:extLst>
+            </p:cNvPr>
+            <p:cNvCxnSpPr/>
+            <p:nvPr>
+              <p:extLst>
+                <p:ext uri="{386F3935-93C4-4BCD-93E2-E3B085C9AB24}">
+                  <p16:designElem xmlns:p16="http://schemas.microsoft.com/office/powerpoint/2015/main" val="1"/>
+                </p:ext>
+              </p:extLst>
+            </p:nvPr>
+          </p:nvCxnSpPr>
+          <p:spPr>
+            <a:xfrm flipH="1">
+              <a:off x="9206969" y="3190344"/>
+              <a:ext cx="2981857" cy="2981856"/>
+            </a:xfrm>
+            <a:prstGeom prst="line">
+              <a:avLst/>
+            </a:prstGeom>
+            <a:ln w="9525">
+              <a:solidFill>
+                <a:schemeClr val="tx1"/>
+              </a:solidFill>
+            </a:ln>
+          </p:spPr>
+          <p:style>
+            <a:lnRef idx="2">
+              <a:schemeClr val="accent1"/>
+            </a:lnRef>
+            <a:fillRef idx="0">
+              <a:schemeClr val="accent1"/>
+            </a:fillRef>
+            <a:effectRef idx="1">
+              <a:schemeClr val="accent1"/>
+            </a:effectRef>
+            <a:fontRef idx="minor">
+              <a:schemeClr val="tx1"/>
+            </a:fontRef>
+          </p:style>
+        </p:cxnSp>
+        <p:cxnSp>
+          <p:nvCxnSpPr>
+            <p:cNvPr id="52" name="Straight Connector 51">
+              <a:extLst>
+                <a:ext uri="{FF2B5EF4-FFF2-40B4-BE49-F238E27FC236}">
+                  <a16:creationId xmlns:a16="http://schemas.microsoft.com/office/drawing/2014/main" id="{141D80E0-0C02-40B8-ACF6-95AB990377E4}"/>
+                </a:ext>
+                <a:ext uri="{C183D7F6-B498-43B3-948B-1728B52AA6E4}">
+                  <adec:decorative xmlns:adec="http://schemas.microsoft.com/office/drawing/2017/decorative" val="1"/>
+                </a:ext>
+              </a:extLst>
+            </p:cNvPr>
+            <p:cNvCxnSpPr/>
+            <p:nvPr>
+              <p:extLst>
+                <p:ext uri="{386F3935-93C4-4BCD-93E2-E3B085C9AB24}">
+                  <p16:designElem xmlns:p16="http://schemas.microsoft.com/office/powerpoint/2015/main" val="1"/>
+                </p:ext>
+              </p:extLst>
+            </p:nvPr>
+          </p:nvCxnSpPr>
+          <p:spPr>
+            <a:xfrm flipH="1">
+              <a:off x="10292292" y="3285067"/>
+              <a:ext cx="1896534" cy="1896533"/>
+            </a:xfrm>
+            <a:prstGeom prst="line">
+              <a:avLst/>
+            </a:prstGeom>
+            <a:ln w="9525">
+              <a:solidFill>
+                <a:schemeClr val="tx1"/>
+              </a:solidFill>
+            </a:ln>
+          </p:spPr>
+          <p:style>
+            <a:lnRef idx="2">
+              <a:schemeClr val="accent1"/>
+            </a:lnRef>
+            <a:fillRef idx="0">
+              <a:schemeClr val="accent1"/>
+            </a:fillRef>
+            <a:effectRef idx="1">
+              <a:schemeClr val="accent1"/>
+            </a:effectRef>
+            <a:fontRef idx="minor">
+              <a:schemeClr val="tx1"/>
+            </a:fontRef>
+          </p:style>
+        </p:cxnSp>
+        <p:cxnSp>
+          <p:nvCxnSpPr>
+            <p:cNvPr id="53" name="Straight Connector 52">
+              <a:extLst>
+                <a:ext uri="{FF2B5EF4-FFF2-40B4-BE49-F238E27FC236}">
+                  <a16:creationId xmlns:a16="http://schemas.microsoft.com/office/drawing/2014/main" id="{491EB48E-ACE3-4132-B26B-4F49093F00B9}"/>
+                </a:ext>
+                <a:ext uri="{C183D7F6-B498-43B3-948B-1728B52AA6E4}">
+                  <adec:decorative xmlns:adec="http://schemas.microsoft.com/office/drawing/2017/decorative" val="1"/>
+                </a:ext>
+              </a:extLst>
+            </p:cNvPr>
+            <p:cNvCxnSpPr/>
+            <p:nvPr>
+              <p:extLst>
+                <p:ext uri="{386F3935-93C4-4BCD-93E2-E3B085C9AB24}">
+                  <p16:designElem xmlns:p16="http://schemas.microsoft.com/office/powerpoint/2015/main" val="1"/>
+                </p:ext>
+              </p:extLst>
+            </p:nvPr>
+          </p:nvCxnSpPr>
+          <p:spPr>
+            <a:xfrm flipH="1">
+              <a:off x="10443103" y="3131080"/>
+              <a:ext cx="1745722" cy="1745720"/>
+            </a:xfrm>
+            <a:prstGeom prst="line">
+              <a:avLst/>
+            </a:prstGeom>
+            <a:ln w="28575">
+              <a:solidFill>
+                <a:schemeClr val="tx1"/>
+              </a:solidFill>
+            </a:ln>
+          </p:spPr>
+          <p:style>
+            <a:lnRef idx="2">
+              <a:schemeClr val="accent1"/>
+            </a:lnRef>
+            <a:fillRef idx="0">
+              <a:schemeClr val="accent1"/>
+            </a:fillRef>
+            <a:effectRef idx="1">
+              <a:schemeClr val="accent1"/>
+            </a:effectRef>
+            <a:fontRef idx="minor">
+              <a:schemeClr val="tx1"/>
+            </a:fontRef>
+          </p:style>
+        </p:cxnSp>
+        <p:cxnSp>
+          <p:nvCxnSpPr>
+            <p:cNvPr id="54" name="Straight Connector 53">
+              <a:extLst>
+                <a:ext uri="{FF2B5EF4-FFF2-40B4-BE49-F238E27FC236}">
+                  <a16:creationId xmlns:a16="http://schemas.microsoft.com/office/drawing/2014/main" id="{77CE3CAA-34A8-4268-9EA2-AC393E07F291}"/>
+                </a:ext>
+                <a:ext uri="{C183D7F6-B498-43B3-948B-1728B52AA6E4}">
+                  <adec:decorative xmlns:adec="http://schemas.microsoft.com/office/drawing/2017/decorative" val="1"/>
+                </a:ext>
+              </a:extLst>
+            </p:cNvPr>
+            <p:cNvCxnSpPr/>
+            <p:nvPr>
+              <p:extLst>
+                <p:ext uri="{386F3935-93C4-4BCD-93E2-E3B085C9AB24}">
+                  <p16:designElem xmlns:p16="http://schemas.microsoft.com/office/powerpoint/2015/main" val="1"/>
+                </p:ext>
+              </p:extLst>
+            </p:nvPr>
+          </p:nvCxnSpPr>
+          <p:spPr>
+            <a:xfrm flipH="1">
+              <a:off x="10918826" y="3683001"/>
+              <a:ext cx="1270001" cy="1269999"/>
+            </a:xfrm>
+            <a:prstGeom prst="line">
+              <a:avLst/>
+            </a:prstGeom>
+            <a:ln w="28575">
+              <a:solidFill>
+                <a:schemeClr val="tx1"/>
+              </a:solidFill>
+            </a:ln>
+          </p:spPr>
+          <p:style>
+            <a:lnRef idx="2">
+              <a:schemeClr val="accent1"/>
+            </a:lnRef>
+            <a:fillRef idx="0">
+              <a:schemeClr val="accent1"/>
+            </a:fillRef>
+            <a:effectRef idx="1">
+              <a:schemeClr val="accent1"/>
+            </a:effectRef>
+            <a:fontRef idx="minor">
+              <a:schemeClr val="tx1"/>
+            </a:fontRef>
+          </p:style>
+        </p:cxnSp>
+      </p:grpSp>
+      <p:pic>
+        <p:nvPicPr>
+          <p:cNvPr id="10" name="Picture 9">
+            <a:extLst>
+              <a:ext uri="{FF2B5EF4-FFF2-40B4-BE49-F238E27FC236}">
+                <a16:creationId xmlns:a16="http://schemas.microsoft.com/office/drawing/2014/main" id="{E1267750-7EE4-41A3-A4FB-51BC03EC3C3C}"/>
+              </a:ext>
+            </a:extLst>
+          </p:cNvPr>
+          <p:cNvPicPr>
+            <a:picLocks noChangeAspect="1"/>
+          </p:cNvPicPr>
+          <p:nvPr/>
+        </p:nvPicPr>
+        <p:blipFill>
+          <a:blip r:embed="rId3"/>
+          <a:stretch>
+            <a:fillRect/>
+          </a:stretch>
+        </p:blipFill>
+        <p:spPr>
+          <a:xfrm>
+            <a:off x="872507" y="3974798"/>
+            <a:ext cx="7327690" cy="2303689"/>
+          </a:xfrm>
+          <a:prstGeom prst="rect">
+            <a:avLst/>
+          </a:prstGeom>
+        </p:spPr>
+      </p:pic>
+    </p:spTree>
+    <p:extLst>
+      <p:ext uri="{BB962C8B-B14F-4D97-AF65-F5344CB8AC3E}">
+        <p14:creationId xmlns:p14="http://schemas.microsoft.com/office/powerpoint/2010/main" val="27615248"/>
+      </p:ext>
+    </p:extLst>
+  </p:cSld>
+  <p:clrMapOvr>
+    <a:masterClrMapping/>
+  </p:clrMapOvr>
+</p:sld>
+</file>
+
+<file path=ppt/slides/slide7.xml><?xml version="1.0" encoding="utf-8"?>
+<p:sld xmlns:a="http://schemas.openxmlformats.org/drawingml/2006/main" xmlns:r="http://schemas.openxmlformats.org/officeDocument/2006/relationships" xmlns:p="http://schemas.openxmlformats.org/presentationml/2006/main">
+  <p:cSld>
+    <p:bg>
+      <p:bgPr>
+        <a:gradFill rotWithShape="1">
+          <a:gsLst>
+            <a:gs pos="10000">
+              <a:schemeClr val="bg2">
+                <a:tint val="97000"/>
+                <a:hueMod val="92000"/>
+                <a:satMod val="169000"/>
+                <a:lumMod val="164000"/>
+              </a:schemeClr>
+            </a:gs>
+            <a:gs pos="100000">
+              <a:schemeClr val="bg2">
+                <a:shade val="96000"/>
+                <a:satMod val="120000"/>
+                <a:lumMod val="90000"/>
+              </a:schemeClr>
+            </a:gs>
+          </a:gsLst>
+          <a:lin ang="6120000" scaled="1"/>
+        </a:gradFill>
+        <a:effectLst/>
+      </p:bgPr>
+    </p:bg>
+    <p:spTree>
+      <p:nvGrpSpPr>
+        <p:cNvPr id="1" name=""/>
+        <p:cNvGrpSpPr/>
+        <p:nvPr/>
+      </p:nvGrpSpPr>
+      <p:grpSpPr>
+        <a:xfrm>
+          <a:off x="0" y="0"/>
+          <a:ext cx="0" cy="0"/>
+          <a:chOff x="0" y="0"/>
+          <a:chExt cx="0" cy="0"/>
+        </a:xfrm>
+      </p:grpSpPr>
+      <p:sp useBgFill="1">
+        <p:nvSpPr>
+          <p:cNvPr id="22" name="Rectangle 21">
+            <a:extLst>
+              <a:ext uri="{FF2B5EF4-FFF2-40B4-BE49-F238E27FC236}">
+                <a16:creationId xmlns:a16="http://schemas.microsoft.com/office/drawing/2014/main" id="{EFC3BF2D-25C6-4594-8B55-8F1185219B59}"/>
+              </a:ext>
+              <a:ext uri="{C183D7F6-B498-43B3-948B-1728B52AA6E4}">
+                <adec:decorative xmlns:adec="http://schemas.microsoft.com/office/drawing/2017/decorative" val="1"/>
+              </a:ext>
+            </a:extLst>
+          </p:cNvPr>
+          <p:cNvSpPr>
+            <a:spLocks noGrp="1" noRot="1" noChangeAspect="1" noMove="1" noResize="1" noEditPoints="1" noAdjustHandles="1" noChangeArrowheads="1" noChangeShapeType="1" noTextEdit="1"/>
+          </p:cNvSpPr>
+          <p:nvPr>
+            <p:extLst>
+              <p:ext uri="{386F3935-93C4-4BCD-93E2-E3B085C9AB24}">
+                <p16:designElem xmlns:p16="http://schemas.microsoft.com/office/powerpoint/2015/main" val="1"/>
+              </p:ext>
+            </p:extLst>
+          </p:nvPr>
+        </p:nvSpPr>
+        <p:spPr>
+          <a:xfrm>
+            <a:off x="0" y="0"/>
+            <a:ext cx="12192000" cy="6858000"/>
+          </a:xfrm>
+          <a:prstGeom prst="rect">
+            <a:avLst/>
+          </a:prstGeom>
+          <a:ln>
+            <a:noFill/>
+          </a:ln>
+        </p:spPr>
+        <p:style>
+          <a:lnRef idx="2">
+            <a:schemeClr val="accent1">
+              <a:shade val="50000"/>
+            </a:schemeClr>
+          </a:lnRef>
+          <a:fillRef idx="1">
+            <a:schemeClr val="accent1"/>
+          </a:fillRef>
+          <a:effectRef idx="0">
+            <a:schemeClr val="accent1"/>
+          </a:effectRef>
+          <a:fontRef idx="minor">
+            <a:schemeClr val="lt1"/>
+          </a:fontRef>
+        </p:style>
+        <p:txBody>
+          <a:bodyPr rtlCol="0" anchor="ctr"/>
+          <a:lstStyle/>
+          <a:p>
+            <a:pPr algn="ctr"/>
+            <a:endParaRPr lang="en-US"/>
+          </a:p>
+        </p:txBody>
+      </p:sp>
+      <p:sp>
+        <p:nvSpPr>
+          <p:cNvPr id="2" name="Title 1">
+            <a:extLst>
+              <a:ext uri="{FF2B5EF4-FFF2-40B4-BE49-F238E27FC236}">
+                <a16:creationId xmlns:a16="http://schemas.microsoft.com/office/drawing/2014/main" id="{73BCA3E8-B163-4626-AB15-C2F610CF26B4}"/>
+              </a:ext>
+            </a:extLst>
+          </p:cNvPr>
+          <p:cNvSpPr>
+            <a:spLocks noGrp="1"/>
+          </p:cNvSpPr>
+          <p:nvPr>
+            <p:ph type="title"/>
+          </p:nvPr>
+        </p:nvSpPr>
+        <p:spPr>
+          <a:xfrm>
+            <a:off x="4534688" y="175623"/>
+            <a:ext cx="7430889" cy="1507067"/>
+          </a:xfrm>
+        </p:spPr>
+        <p:txBody>
+          <a:bodyPr>
+            <a:normAutofit/>
+          </a:bodyPr>
+          <a:lstStyle/>
+          <a:p>
+            <a:r>
+              <a:rPr lang="en-GB" sz="3300" dirty="0"/>
+              <a:t>Data Transformation</a:t>
+            </a:r>
+          </a:p>
+        </p:txBody>
+      </p:sp>
+      <p:sp>
+        <p:nvSpPr>
+          <p:cNvPr id="39" name="Rectangle 23">
+            <a:extLst>
+              <a:ext uri="{FF2B5EF4-FFF2-40B4-BE49-F238E27FC236}">
+                <a16:creationId xmlns:a16="http://schemas.microsoft.com/office/drawing/2014/main" id="{F7A12C12-F8D4-4AC9-84E1-E4F85BFABB1B}"/>
+              </a:ext>
+              <a:ext uri="{C183D7F6-B498-43B3-948B-1728B52AA6E4}">
+                <adec:decorative xmlns:adec="http://schemas.microsoft.com/office/drawing/2017/decorative" val="1"/>
+              </a:ext>
+            </a:extLst>
+          </p:cNvPr>
+          <p:cNvSpPr>
+            <a:spLocks noGrp="1" noRot="1" noChangeAspect="1" noMove="1" noResize="1" noEditPoints="1" noAdjustHandles="1" noChangeArrowheads="1" noChangeShapeType="1" noTextEdit="1"/>
+          </p:cNvSpPr>
+          <p:nvPr>
+            <p:extLst>
+              <p:ext uri="{386F3935-93C4-4BCD-93E2-E3B085C9AB24}">
+                <p16:designElem xmlns:p16="http://schemas.microsoft.com/office/powerpoint/2015/main" val="1"/>
+              </p:ext>
+            </p:extLst>
+          </p:nvPr>
+        </p:nvSpPr>
+        <p:spPr>
+          <a:xfrm>
+            <a:off x="-3176" y="0"/>
+            <a:ext cx="4070923" cy="6858000"/>
+          </a:xfrm>
+          <a:prstGeom prst="rect">
+            <a:avLst/>
+          </a:prstGeom>
+          <a:solidFill>
+            <a:schemeClr val="tx1"/>
+          </a:solidFill>
+          <a:ln>
+            <a:noFill/>
+          </a:ln>
+          <a:effectLst>
+            <a:innerShdw blurRad="57150" dist="38100" dir="14460000">
+              <a:prstClr val="black">
+                <a:alpha val="70000"/>
+              </a:prstClr>
+            </a:innerShdw>
+          </a:effectLst>
+        </p:spPr>
+        <p:style>
+          <a:lnRef idx="2">
+            <a:schemeClr val="accent1">
+              <a:shade val="50000"/>
+            </a:schemeClr>
+          </a:lnRef>
+          <a:fillRef idx="1">
+            <a:schemeClr val="accent1"/>
+          </a:fillRef>
+          <a:effectRef idx="0">
+            <a:schemeClr val="accent1"/>
+          </a:effectRef>
+          <a:fontRef idx="minor">
+            <a:schemeClr val="lt1"/>
+          </a:fontRef>
+        </p:style>
+        <p:txBody>
+          <a:bodyPr rtlCol="0" anchor="ctr"/>
+          <a:lstStyle/>
+          <a:p>
+            <a:pPr algn="ctr"/>
+            <a:endParaRPr lang="en-US"/>
+          </a:p>
+        </p:txBody>
+      </p:sp>
+      <p:pic>
+        <p:nvPicPr>
+          <p:cNvPr id="5" name="Picture 4" descr="A screenshot of text&#10;&#10;Description generated with very high confidence">
+            <a:extLst>
+              <a:ext uri="{FF2B5EF4-FFF2-40B4-BE49-F238E27FC236}">
+                <a16:creationId xmlns:a16="http://schemas.microsoft.com/office/drawing/2014/main" id="{3E0EECD3-1350-4CF9-B1B5-067F0A3FD5B0}"/>
+              </a:ext>
+            </a:extLst>
+          </p:cNvPr>
+          <p:cNvPicPr>
+            <a:picLocks noChangeAspect="1"/>
+          </p:cNvPicPr>
+          <p:nvPr/>
+        </p:nvPicPr>
+        <p:blipFill>
+          <a:blip r:embed="rId2"/>
+          <a:stretch>
+            <a:fillRect/>
+          </a:stretch>
+        </p:blipFill>
+        <p:spPr>
+          <a:xfrm>
+            <a:off x="144725" y="148318"/>
+            <a:ext cx="3864991" cy="3136749"/>
+          </a:xfrm>
+          <a:prstGeom prst="rect">
+            <a:avLst/>
+          </a:prstGeom>
+        </p:spPr>
+      </p:pic>
+      <p:pic>
+        <p:nvPicPr>
+          <p:cNvPr id="7" name="Picture 6" descr="A screenshot of text&#10;&#10;Description generated with very high confidence">
+            <a:extLst>
+              <a:ext uri="{FF2B5EF4-FFF2-40B4-BE49-F238E27FC236}">
+                <a16:creationId xmlns:a16="http://schemas.microsoft.com/office/drawing/2014/main" id="{0AF6A6F4-0907-49D4-A37F-C39DC61AD180}"/>
+              </a:ext>
+            </a:extLst>
+          </p:cNvPr>
+          <p:cNvPicPr>
+            <a:picLocks noChangeAspect="1"/>
+          </p:cNvPicPr>
+          <p:nvPr/>
+        </p:nvPicPr>
+        <p:blipFill>
+          <a:blip r:embed="rId3"/>
+          <a:stretch>
+            <a:fillRect/>
+          </a:stretch>
+        </p:blipFill>
+        <p:spPr>
+          <a:xfrm>
+            <a:off x="144725" y="3429000"/>
+            <a:ext cx="3864991" cy="3136749"/>
+          </a:xfrm>
+          <a:prstGeom prst="rect">
+            <a:avLst/>
+          </a:prstGeom>
+        </p:spPr>
+      </p:pic>
+      <p:sp>
+        <p:nvSpPr>
+          <p:cNvPr id="3" name="Content Placeholder 2">
+            <a:extLst>
+              <a:ext uri="{FF2B5EF4-FFF2-40B4-BE49-F238E27FC236}">
+                <a16:creationId xmlns:a16="http://schemas.microsoft.com/office/drawing/2014/main" id="{3E3CE4C3-BF0A-4957-95D7-FBC24D682FEA}"/>
+              </a:ext>
+            </a:extLst>
+          </p:cNvPr>
+          <p:cNvSpPr>
+            <a:spLocks noGrp="1"/>
+          </p:cNvSpPr>
+          <p:nvPr>
+            <p:ph idx="1"/>
+          </p:nvPr>
+        </p:nvSpPr>
+        <p:spPr>
+          <a:xfrm>
+            <a:off x="4212472" y="1669627"/>
+            <a:ext cx="6952234" cy="3615267"/>
+          </a:xfrm>
+        </p:spPr>
+        <p:txBody>
+          <a:bodyPr>
+            <a:normAutofit/>
+          </a:bodyPr>
+          <a:lstStyle/>
+          <a:p>
+            <a:pPr lvl="1"/>
+            <a:r>
+              <a:rPr lang="en-GB" dirty="0"/>
+              <a:t>We used a python script to generate our dataset with the appropriate attributes. </a:t>
+            </a:r>
+          </a:p>
+          <a:p>
+            <a:pPr lvl="1"/>
+            <a:r>
+              <a:rPr lang="en-GB" dirty="0"/>
+              <a:t>The images displayed show how we generated goal and points difference for the home and away sides. </a:t>
+            </a:r>
+          </a:p>
+          <a:p>
+            <a:pPr lvl="1"/>
+            <a:r>
+              <a:rPr lang="en-GB" dirty="0"/>
+              <a:t>We used max-min normalisation to perform a linear transformation of our data, both categorical and discrete. </a:t>
+            </a:r>
+          </a:p>
+          <a:p>
+            <a:pPr lvl="1"/>
+            <a:r>
+              <a:rPr lang="en-GB" dirty="0"/>
+              <a:t>This helped reduce redundancy and allow data to be compared more easily. </a:t>
+            </a:r>
+          </a:p>
+        </p:txBody>
+      </p:sp>
+      <p:grpSp>
+        <p:nvGrpSpPr>
+          <p:cNvPr id="40" name="Group 25">
+            <a:extLst>
+              <a:ext uri="{FF2B5EF4-FFF2-40B4-BE49-F238E27FC236}">
+                <a16:creationId xmlns:a16="http://schemas.microsoft.com/office/drawing/2014/main" id="{8FD8AD14-0613-481A-BA78-CCA8DD1F3B5D}"/>
+              </a:ext>
+              <a:ext uri="{C183D7F6-B498-43B3-948B-1728B52AA6E4}">
+                <adec:decorative xmlns:adec="http://schemas.microsoft.com/office/drawing/2017/decorative" val="1"/>
+              </a:ext>
+            </a:extLst>
+          </p:cNvPr>
+          <p:cNvGrpSpPr>
+            <a:grpSpLocks noGrp="1" noUngrp="1" noRot="1" noChangeAspect="1" noMove="1" noResize="1"/>
+          </p:cNvGrpSpPr>
+          <p:nvPr>
+            <p:extLst>
+              <p:ext uri="{386F3935-93C4-4BCD-93E2-E3B085C9AB24}">
+                <p16:designElem xmlns:p16="http://schemas.microsoft.com/office/powerpoint/2015/main" val="1"/>
+              </p:ext>
+            </p:extLst>
+          </p:nvPr>
+        </p:nvGrpSpPr>
+        <p:grpSpPr>
+          <a:xfrm>
+            <a:off x="9206969" y="2963333"/>
+            <a:ext cx="2981858" cy="3208867"/>
+            <a:chOff x="9206969" y="2963333"/>
+            <a:chExt cx="2981858" cy="3208867"/>
+          </a:xfrm>
+        </p:grpSpPr>
+        <p:cxnSp>
+          <p:nvCxnSpPr>
+            <p:cNvPr id="27" name="Straight Connector 26">
+              <a:extLst>
+                <a:ext uri="{FF2B5EF4-FFF2-40B4-BE49-F238E27FC236}">
+                  <a16:creationId xmlns:a16="http://schemas.microsoft.com/office/drawing/2014/main" id="{F36D0C6A-5417-49B9-A556-98633131BE84}"/>
+                </a:ext>
+                <a:ext uri="{C183D7F6-B498-43B3-948B-1728B52AA6E4}">
+                  <adec:decorative xmlns:adec="http://schemas.microsoft.com/office/drawing/2017/decorative" val="1"/>
+                </a:ext>
+              </a:extLst>
+            </p:cNvPr>
+            <p:cNvCxnSpPr/>
+            <p:nvPr>
+              <p:extLst>
+                <p:ext uri="{386F3935-93C4-4BCD-93E2-E3B085C9AB24}">
+                  <p16:designElem xmlns:p16="http://schemas.microsoft.com/office/powerpoint/2015/main" val="1"/>
+                </p:ext>
+              </p:extLst>
+            </p:nvPr>
+          </p:nvCxnSpPr>
+          <p:spPr>
+            <a:xfrm flipH="1">
+              <a:off x="11276012" y="2963333"/>
+              <a:ext cx="912814" cy="912812"/>
+            </a:xfrm>
+            <a:prstGeom prst="line">
+              <a:avLst/>
+            </a:prstGeom>
+            <a:ln w="9525">
+              <a:solidFill>
+                <a:schemeClr val="tx1"/>
+              </a:solidFill>
+            </a:ln>
+          </p:spPr>
+          <p:style>
+            <a:lnRef idx="2">
+              <a:schemeClr val="accent1"/>
+            </a:lnRef>
+            <a:fillRef idx="0">
+              <a:schemeClr val="accent1"/>
+            </a:fillRef>
+            <a:effectRef idx="1">
+              <a:schemeClr val="accent1"/>
+            </a:effectRef>
+            <a:fontRef idx="minor">
+              <a:schemeClr val="tx1"/>
+            </a:fontRef>
+          </p:style>
+        </p:cxnSp>
+        <p:cxnSp>
+          <p:nvCxnSpPr>
+            <p:cNvPr id="28" name="Straight Connector 27">
+              <a:extLst>
+                <a:ext uri="{FF2B5EF4-FFF2-40B4-BE49-F238E27FC236}">
+                  <a16:creationId xmlns:a16="http://schemas.microsoft.com/office/drawing/2014/main" id="{08727C4A-D172-4E5A-9D28-9C04CC829883}"/>
+                </a:ext>
+                <a:ext uri="{C183D7F6-B498-43B3-948B-1728B52AA6E4}">
+                  <adec:decorative xmlns:adec="http://schemas.microsoft.com/office/drawing/2017/decorative" val="1"/>
+                </a:ext>
+              </a:extLst>
+            </p:cNvPr>
+            <p:cNvCxnSpPr/>
+            <p:nvPr>
+              <p:extLst>
+                <p:ext uri="{386F3935-93C4-4BCD-93E2-E3B085C9AB24}">
+                  <p16:designElem xmlns:p16="http://schemas.microsoft.com/office/powerpoint/2015/main" val="1"/>
+                </p:ext>
+              </p:extLst>
+            </p:nvPr>
+          </p:nvCxnSpPr>
+          <p:spPr>
+            <a:xfrm flipH="1">
+              <a:off x="9206969" y="3190344"/>
+              <a:ext cx="2981857" cy="2981856"/>
+            </a:xfrm>
+            <a:prstGeom prst="line">
+              <a:avLst/>
+            </a:prstGeom>
+            <a:ln w="9525">
+              <a:solidFill>
+                <a:schemeClr val="tx1"/>
+              </a:solidFill>
+            </a:ln>
+          </p:spPr>
+          <p:style>
+            <a:lnRef idx="2">
+              <a:schemeClr val="accent1"/>
+            </a:lnRef>
+            <a:fillRef idx="0">
+              <a:schemeClr val="accent1"/>
+            </a:fillRef>
+            <a:effectRef idx="1">
+              <a:schemeClr val="accent1"/>
+            </a:effectRef>
+            <a:fontRef idx="minor">
+              <a:schemeClr val="tx1"/>
+            </a:fontRef>
+          </p:style>
+        </p:cxnSp>
+        <p:cxnSp>
+          <p:nvCxnSpPr>
+            <p:cNvPr id="29" name="Straight Connector 28">
+              <a:extLst>
+                <a:ext uri="{FF2B5EF4-FFF2-40B4-BE49-F238E27FC236}">
+                  <a16:creationId xmlns:a16="http://schemas.microsoft.com/office/drawing/2014/main" id="{23D19D09-0DC1-4FC2-B1AD-011ED901011C}"/>
+                </a:ext>
+                <a:ext uri="{C183D7F6-B498-43B3-948B-1728B52AA6E4}">
+                  <adec:decorative xmlns:adec="http://schemas.microsoft.com/office/drawing/2017/decorative" val="1"/>
+                </a:ext>
+              </a:extLst>
+            </p:cNvPr>
+            <p:cNvCxnSpPr/>
+            <p:nvPr>
+              <p:extLst>
+                <p:ext uri="{386F3935-93C4-4BCD-93E2-E3B085C9AB24}">
+                  <p16:designElem xmlns:p16="http://schemas.microsoft.com/office/powerpoint/2015/main" val="1"/>
+                </p:ext>
+              </p:extLst>
+            </p:nvPr>
+          </p:nvCxnSpPr>
+          <p:spPr>
+            <a:xfrm flipH="1">
+              <a:off x="10292292" y="3285067"/>
+              <a:ext cx="1896534" cy="1896533"/>
+            </a:xfrm>
+            <a:prstGeom prst="line">
+              <a:avLst/>
+            </a:prstGeom>
+            <a:ln w="9525">
+              <a:solidFill>
+                <a:schemeClr val="tx1"/>
+              </a:solidFill>
+            </a:ln>
+          </p:spPr>
+          <p:style>
+            <a:lnRef idx="2">
+              <a:schemeClr val="accent1"/>
+            </a:lnRef>
+            <a:fillRef idx="0">
+              <a:schemeClr val="accent1"/>
+            </a:fillRef>
+            <a:effectRef idx="1">
+              <a:schemeClr val="accent1"/>
+            </a:effectRef>
+            <a:fontRef idx="minor">
+              <a:schemeClr val="tx1"/>
+            </a:fontRef>
+          </p:style>
+        </p:cxnSp>
+        <p:cxnSp>
+          <p:nvCxnSpPr>
+            <p:cNvPr id="30" name="Straight Connector 29">
+              <a:extLst>
+                <a:ext uri="{FF2B5EF4-FFF2-40B4-BE49-F238E27FC236}">
+                  <a16:creationId xmlns:a16="http://schemas.microsoft.com/office/drawing/2014/main" id="{E9016FDD-D596-484A-87E8-CC1E7BAD84AA}"/>
+                </a:ext>
+                <a:ext uri="{C183D7F6-B498-43B3-948B-1728B52AA6E4}">
+                  <adec:decorative xmlns:adec="http://schemas.microsoft.com/office/drawing/2017/decorative" val="1"/>
+                </a:ext>
+              </a:extLst>
+            </p:cNvPr>
+            <p:cNvCxnSpPr/>
+            <p:nvPr>
+              <p:extLst>
+                <p:ext uri="{386F3935-93C4-4BCD-93E2-E3B085C9AB24}">
+                  <p16:designElem xmlns:p16="http://schemas.microsoft.com/office/powerpoint/2015/main" val="1"/>
+                </p:ext>
+              </p:extLst>
+            </p:nvPr>
+          </p:nvCxnSpPr>
+          <p:spPr>
+            <a:xfrm flipH="1">
+              <a:off x="10443103" y="3131080"/>
+              <a:ext cx="1745722" cy="1745720"/>
+            </a:xfrm>
+            <a:prstGeom prst="line">
+              <a:avLst/>
+            </a:prstGeom>
+            <a:ln w="28575">
+              <a:solidFill>
+                <a:schemeClr val="tx1"/>
+              </a:solidFill>
+            </a:ln>
+          </p:spPr>
+          <p:style>
+            <a:lnRef idx="2">
+              <a:schemeClr val="accent1"/>
+            </a:lnRef>
+            <a:fillRef idx="0">
+              <a:schemeClr val="accent1"/>
+            </a:fillRef>
+            <a:effectRef idx="1">
+              <a:schemeClr val="accent1"/>
+            </a:effectRef>
+            <a:fontRef idx="minor">
+              <a:schemeClr val="tx1"/>
+            </a:fontRef>
+          </p:style>
+        </p:cxnSp>
+        <p:cxnSp>
+          <p:nvCxnSpPr>
+            <p:cNvPr id="31" name="Straight Connector 30">
+              <a:extLst>
+                <a:ext uri="{FF2B5EF4-FFF2-40B4-BE49-F238E27FC236}">
+                  <a16:creationId xmlns:a16="http://schemas.microsoft.com/office/drawing/2014/main" id="{8D7E80C5-88F9-44F8-A8D1-0F2F223A7693}"/>
+                </a:ext>
+                <a:ext uri="{C183D7F6-B498-43B3-948B-1728B52AA6E4}">
+                  <adec:decorative xmlns:adec="http://schemas.microsoft.com/office/drawing/2017/decorative" val="1"/>
+                </a:ext>
+              </a:extLst>
+            </p:cNvPr>
+            <p:cNvCxnSpPr/>
+            <p:nvPr>
+              <p:extLst>
+                <p:ext uri="{386F3935-93C4-4BCD-93E2-E3B085C9AB24}">
+                  <p16:designElem xmlns:p16="http://schemas.microsoft.com/office/powerpoint/2015/main" val="1"/>
+                </p:ext>
+              </p:extLst>
+            </p:nvPr>
+          </p:nvCxnSpPr>
+          <p:spPr>
+            <a:xfrm flipH="1">
+              <a:off x="10918826" y="3683001"/>
+              <a:ext cx="1270001" cy="1269999"/>
+            </a:xfrm>
+            <a:prstGeom prst="line">
+              <a:avLst/>
+            </a:prstGeom>
+            <a:ln w="28575">
+              <a:solidFill>
+                <a:schemeClr val="tx1"/>
+              </a:solidFill>
+            </a:ln>
+          </p:spPr>
+          <p:style>
+            <a:lnRef idx="2">
+              <a:schemeClr val="accent1"/>
+            </a:lnRef>
+            <a:fillRef idx="0">
+              <a:schemeClr val="accent1"/>
+            </a:fillRef>
+            <a:effectRef idx="1">
+              <a:schemeClr val="accent1"/>
+            </a:effectRef>
+            <a:fontRef idx="minor">
+              <a:schemeClr val="tx1"/>
+            </a:fontRef>
+          </p:style>
+        </p:cxnSp>
+      </p:grpSp>
+    </p:spTree>
+    <p:extLst>
+      <p:ext uri="{BB962C8B-B14F-4D97-AF65-F5344CB8AC3E}">
+        <p14:creationId xmlns:p14="http://schemas.microsoft.com/office/powerpoint/2010/main" val="2830255302"/>
+      </p:ext>
+    </p:extLst>
+  </p:cSld>
+  <p:clrMapOvr>
+    <a:masterClrMapping/>
+  </p:clrMapOvr>
+</p:sld>
+</file>
+
+<file path=ppt/slides/slide8.xml><?xml version="1.0" encoding="utf-8"?>
+<p:sld xmlns:a="http://schemas.openxmlformats.org/drawingml/2006/main" xmlns:r="http://schemas.openxmlformats.org/officeDocument/2006/relationships" xmlns:p="http://schemas.openxmlformats.org/presentationml/2006/main">
+  <p:cSld>
+    <p:bg>
+      <p:bgPr>
+        <a:gradFill rotWithShape="1">
+          <a:gsLst>
+            <a:gs pos="10000">
+              <a:schemeClr val="bg2">
+                <a:tint val="97000"/>
+                <a:hueMod val="92000"/>
+                <a:satMod val="169000"/>
+                <a:lumMod val="164000"/>
+              </a:schemeClr>
+            </a:gs>
+            <a:gs pos="100000">
+              <a:schemeClr val="bg2">
+                <a:shade val="96000"/>
+                <a:satMod val="120000"/>
+                <a:lumMod val="90000"/>
+              </a:schemeClr>
+            </a:gs>
+          </a:gsLst>
+          <a:lin ang="6120000" scaled="1"/>
+        </a:gradFill>
+        <a:effectLst/>
+      </p:bgPr>
+    </p:bg>
+    <p:spTree>
+      <p:nvGrpSpPr>
+        <p:cNvPr id="1" name=""/>
+        <p:cNvGrpSpPr/>
+        <p:nvPr/>
+      </p:nvGrpSpPr>
+      <p:grpSpPr>
+        <a:xfrm>
+          <a:off x="0" y="0"/>
+          <a:ext cx="0" cy="0"/>
+          <a:chOff x="0" y="0"/>
+          <a:chExt cx="0" cy="0"/>
+        </a:xfrm>
+      </p:grpSpPr>
+      <p:sp>
+        <p:nvSpPr>
+          <p:cNvPr id="2" name="Title 1">
+            <a:extLst>
+              <a:ext uri="{FF2B5EF4-FFF2-40B4-BE49-F238E27FC236}">
+                <a16:creationId xmlns:a16="http://schemas.microsoft.com/office/drawing/2014/main" id="{73BCA3E8-B163-4626-AB15-C2F610CF26B4}"/>
+              </a:ext>
+            </a:extLst>
+          </p:cNvPr>
+          <p:cNvSpPr>
+            <a:spLocks noGrp="1"/>
+          </p:cNvSpPr>
+          <p:nvPr>
+            <p:ph type="title"/>
+          </p:nvPr>
+        </p:nvSpPr>
+        <p:spPr>
+          <a:xfrm>
+            <a:off x="3576702" y="4515324"/>
+            <a:ext cx="8534400" cy="1507067"/>
+          </a:xfrm>
+        </p:spPr>
+        <p:txBody>
+          <a:bodyPr>
+            <a:normAutofit/>
+          </a:bodyPr>
+          <a:lstStyle/>
+          <a:p>
+            <a:r>
+              <a:rPr lang="en-GB" dirty="0"/>
+              <a:t>Data Integration – Premier League Standings</a:t>
+            </a:r>
+          </a:p>
+        </p:txBody>
+      </p:sp>
+      <p:pic>
+        <p:nvPicPr>
+          <p:cNvPr id="7" name="Picture 6" descr="A close up of a street&#10;&#10;Description generated with high confidence">
+            <a:extLst>
+              <a:ext uri="{FF2B5EF4-FFF2-40B4-BE49-F238E27FC236}">
+                <a16:creationId xmlns:a16="http://schemas.microsoft.com/office/drawing/2014/main" id="{F59C0CE2-6B21-48D7-9DF6-2A781A5A5BD5}"/>
+              </a:ext>
+            </a:extLst>
+          </p:cNvPr>
+          <p:cNvPicPr>
+            <a:picLocks noChangeAspect="1"/>
+          </p:cNvPicPr>
+          <p:nvPr/>
+        </p:nvPicPr>
+        <p:blipFill>
+          <a:blip r:embed="rId2"/>
+          <a:stretch>
+            <a:fillRect/>
+          </a:stretch>
+        </p:blipFill>
+        <p:spPr>
+          <a:xfrm>
+            <a:off x="1427584" y="394607"/>
+            <a:ext cx="1361232" cy="6023721"/>
+          </a:xfrm>
+          <a:prstGeom prst="rect">
+            <a:avLst/>
+          </a:prstGeom>
+          <a:effectLst>
+            <a:innerShdw blurRad="57150" dist="38100" dir="14460000">
+              <a:prstClr val="black">
+                <a:alpha val="70000"/>
+              </a:prstClr>
+            </a:innerShdw>
+          </a:effectLst>
+        </p:spPr>
+      </p:pic>
+      <p:sp>
+        <p:nvSpPr>
+          <p:cNvPr id="3" name="Content Placeholder 2">
+            <a:extLst>
+              <a:ext uri="{FF2B5EF4-FFF2-40B4-BE49-F238E27FC236}">
+                <a16:creationId xmlns:a16="http://schemas.microsoft.com/office/drawing/2014/main" id="{3E3CE4C3-BF0A-4957-95D7-FBC24D682FEA}"/>
+              </a:ext>
+            </a:extLst>
+          </p:cNvPr>
+          <p:cNvSpPr>
+            <a:spLocks noGrp="1"/>
+          </p:cNvSpPr>
+          <p:nvPr>
+            <p:ph idx="1"/>
+          </p:nvPr>
+        </p:nvSpPr>
+        <p:spPr>
+          <a:xfrm>
+            <a:off x="4325696" y="733647"/>
+            <a:ext cx="6593129" cy="3575884"/>
+          </a:xfrm>
+        </p:spPr>
+        <p:txBody>
+          <a:bodyPr>
+            <a:normAutofit/>
+          </a:bodyPr>
+          <a:lstStyle/>
+          <a:p>
+            <a:pPr lvl="1"/>
+            <a:r>
+              <a:rPr lang="en-GB" dirty="0"/>
+              <a:t>Created our own dataset that pertained to Premier League Standings for the relevant years.</a:t>
+            </a:r>
+          </a:p>
+          <a:p>
+            <a:pPr lvl="1"/>
+            <a:r>
+              <a:rPr lang="en-GB" dirty="0"/>
+              <a:t>Contains data for all 46 teams that participated in that time.</a:t>
+            </a:r>
+          </a:p>
+          <a:p>
+            <a:pPr lvl="1"/>
+            <a:r>
+              <a:rPr lang="en-GB" dirty="0"/>
+              <a:t>Potential attribute - difference in league position from the previous year as an attribute in our prediction.</a:t>
+            </a:r>
+          </a:p>
+          <a:p>
+            <a:pPr lvl="1"/>
+            <a:r>
+              <a:rPr lang="en-GB" dirty="0"/>
+              <a:t>Performed correlation analysis (Pearson) to ensure we were not introducing a redundancy into our dataset.</a:t>
+            </a:r>
+          </a:p>
+          <a:p>
+            <a:pPr lvl="1"/>
+            <a:endParaRPr lang="en-GB" dirty="0"/>
+          </a:p>
+        </p:txBody>
+      </p:sp>
+    </p:spTree>
+    <p:extLst>
+      <p:ext uri="{BB962C8B-B14F-4D97-AF65-F5344CB8AC3E}">
+        <p14:creationId xmlns:p14="http://schemas.microsoft.com/office/powerpoint/2010/main" val="1186590324"/>
+      </p:ext>
+    </p:extLst>
+  </p:cSld>
+  <p:clrMapOvr>
+    <a:masterClrMapping/>
+  </p:clrMapOvr>
+</p:sld>
+</file>
+
+<file path=ppt/slides/slide9.xml><?xml version="1.0" encoding="utf-8"?>
+<p:sld xmlns:a="http://schemas.openxmlformats.org/drawingml/2006/main" xmlns:r="http://schemas.openxmlformats.org/officeDocument/2006/relationships" xmlns:p="http://schemas.openxmlformats.org/presentationml/2006/main">
+  <p:cSld>
+    <p:bg>
+      <p:bgPr>
+        <a:gradFill rotWithShape="1">
+          <a:gsLst>
+            <a:gs pos="10000">
+              <a:schemeClr val="bg2">
+                <a:tint val="97000"/>
+                <a:hueMod val="92000"/>
+                <a:satMod val="169000"/>
+                <a:lumMod val="164000"/>
+              </a:schemeClr>
+            </a:gs>
+            <a:gs pos="100000">
+              <a:schemeClr val="bg2">
+                <a:shade val="96000"/>
+                <a:satMod val="120000"/>
+                <a:lumMod val="90000"/>
+              </a:schemeClr>
+            </a:gs>
+          </a:gsLst>
+          <a:lin ang="6120000" scaled="1"/>
+        </a:gradFill>
+        <a:effectLst/>
+      </p:bgPr>
+    </p:bg>
+    <p:spTree>
+      <p:nvGrpSpPr>
+        <p:cNvPr id="1" name=""/>
+        <p:cNvGrpSpPr/>
+        <p:nvPr/>
+      </p:nvGrpSpPr>
+      <p:grpSpPr>
+        <a:xfrm>
+          <a:off x="0" y="0"/>
+          <a:ext cx="0" cy="0"/>
+          <a:chOff x="0" y="0"/>
+          <a:chExt cx="0" cy="0"/>
+        </a:xfrm>
+      </p:grpSpPr>
+      <p:sp>
+        <p:nvSpPr>
+          <p:cNvPr id="2" name="Title 1">
+            <a:extLst>
+              <a:ext uri="{FF2B5EF4-FFF2-40B4-BE49-F238E27FC236}">
+                <a16:creationId xmlns:a16="http://schemas.microsoft.com/office/drawing/2014/main" id="{73BCA3E8-B163-4626-AB15-C2F610CF26B4}"/>
+              </a:ext>
+            </a:extLst>
+          </p:cNvPr>
+          <p:cNvSpPr>
+            <a:spLocks noGrp="1"/>
+          </p:cNvSpPr>
+          <p:nvPr>
+            <p:ph type="title"/>
+          </p:nvPr>
+        </p:nvSpPr>
+        <p:spPr>
+          <a:xfrm>
+            <a:off x="342678" y="213176"/>
+            <a:ext cx="7886200" cy="1298401"/>
+          </a:xfrm>
+        </p:spPr>
+        <p:txBody>
+          <a:bodyPr>
+            <a:normAutofit/>
+          </a:bodyPr>
+          <a:lstStyle/>
+          <a:p>
+            <a:r>
+              <a:rPr lang="en-GB" dirty="0"/>
+              <a:t>Conclusions</a:t>
+            </a:r>
+          </a:p>
+        </p:txBody>
+      </p:sp>
+      <p:pic>
+        <p:nvPicPr>
+          <p:cNvPr id="5" name="Picture 4" descr="A picture containing wall&#10;&#10;Description generated with high confidence">
+            <a:extLst>
+              <a:ext uri="{FF2B5EF4-FFF2-40B4-BE49-F238E27FC236}">
+                <a16:creationId xmlns:a16="http://schemas.microsoft.com/office/drawing/2014/main" id="{43E92EC6-E36C-42BA-942E-B5711F6ECB82}"/>
+              </a:ext>
+            </a:extLst>
+          </p:cNvPr>
+          <p:cNvPicPr>
+            <a:picLocks noChangeAspect="1"/>
+          </p:cNvPicPr>
+          <p:nvPr/>
+        </p:nvPicPr>
+        <p:blipFill>
+          <a:blip r:embed="rId2"/>
+          <a:stretch>
+            <a:fillRect/>
+          </a:stretch>
+        </p:blipFill>
+        <p:spPr>
+          <a:xfrm>
+            <a:off x="307129" y="2186510"/>
+            <a:ext cx="6934702" cy="1907042"/>
+          </a:xfrm>
+          <a:prstGeom prst="rect">
+            <a:avLst/>
+          </a:prstGeom>
+          <a:effectLst>
+            <a:innerShdw blurRad="57150" dist="38100" dir="14460000">
+              <a:prstClr val="black">
+                <a:alpha val="70000"/>
+              </a:prstClr>
+            </a:innerShdw>
+          </a:effectLst>
+        </p:spPr>
+      </p:pic>
+      <p:sp>
+        <p:nvSpPr>
+          <p:cNvPr id="3" name="Content Placeholder 2">
+            <a:extLst>
+              <a:ext uri="{FF2B5EF4-FFF2-40B4-BE49-F238E27FC236}">
+                <a16:creationId xmlns:a16="http://schemas.microsoft.com/office/drawing/2014/main" id="{3E3CE4C3-BF0A-4957-95D7-FBC24D682FEA}"/>
+              </a:ext>
+            </a:extLst>
+          </p:cNvPr>
+          <p:cNvSpPr>
+            <a:spLocks noGrp="1"/>
+          </p:cNvSpPr>
+          <p:nvPr>
+            <p:ph idx="1"/>
+          </p:nvPr>
+        </p:nvSpPr>
+        <p:spPr>
+          <a:xfrm>
+            <a:off x="7102405" y="359830"/>
+            <a:ext cx="4419171" cy="4295552"/>
+          </a:xfrm>
+        </p:spPr>
+        <p:txBody>
+          <a:bodyPr>
+            <a:normAutofit/>
+          </a:bodyPr>
           <a:lstStyle/>
           <a:p>
             <a:pPr lvl="1"/>
@@ -7675,15 +8543,126 @@
                 <a:ea typeface="Helvetica" charset="0"/>
                 <a:cs typeface="Helvetica" charset="0"/>
               </a:rPr>
-              <a:t>Based on our analysis of the dispersion of some of these metrics, we have identified some key attributes which will be central to our prediction algorithm</a:t>
+              <a:t>Based on our analysis of the data we generated from transformation and integration, we have identified some key attributes which will be central to our prediction algorithm</a:t>
             </a:r>
           </a:p>
           <a:p>
             <a:pPr lvl="1"/>
-            <a:endParaRPr lang="en-GB" dirty="0"/>
-          </a:p>
-        </p:txBody>
-      </p:sp>
+            <a:r>
+              <a:rPr lang="en-GB" dirty="0"/>
+              <a:t>We feel we now have a set of attributes that are suitable for a classification algorithm such as K Nearest Neighbour or a Decision Tree.</a:t>
+            </a:r>
+          </a:p>
+        </p:txBody>
+      </p:sp>
+      <p:sp>
+        <p:nvSpPr>
+          <p:cNvPr id="6" name="Rectangle 5">
+            <a:extLst>
+              <a:ext uri="{FF2B5EF4-FFF2-40B4-BE49-F238E27FC236}">
+                <a16:creationId xmlns:a16="http://schemas.microsoft.com/office/drawing/2014/main" id="{03C62D19-B298-47BE-A54F-7BFFEA3012C8}"/>
+              </a:ext>
+            </a:extLst>
+          </p:cNvPr>
+          <p:cNvSpPr/>
+          <p:nvPr/>
+        </p:nvSpPr>
+        <p:spPr>
+          <a:xfrm>
+            <a:off x="-283760" y="1765712"/>
+            <a:ext cx="3416320" cy="369332"/>
+          </a:xfrm>
+          <a:prstGeom prst="rect">
+            <a:avLst/>
+          </a:prstGeom>
+        </p:spPr>
+        <p:txBody>
+          <a:bodyPr wrap="none">
+            <a:spAutoFit/>
+          </a:bodyPr>
+          <a:lstStyle/>
+          <a:p>
+            <a:pPr lvl="1"/>
+            <a:r>
+              <a:rPr lang="en-US" dirty="0">
+                <a:latin typeface="Helvetica" charset="0"/>
+                <a:ea typeface="Helvetica" charset="0"/>
+                <a:cs typeface="Helvetica" charset="0"/>
+              </a:rPr>
+              <a:t>Our dataset went from this:</a:t>
+            </a:r>
+          </a:p>
+        </p:txBody>
+      </p:sp>
+      <p:sp>
+        <p:nvSpPr>
+          <p:cNvPr id="7" name="Rectangle 6">
+            <a:extLst>
+              <a:ext uri="{FF2B5EF4-FFF2-40B4-BE49-F238E27FC236}">
+                <a16:creationId xmlns:a16="http://schemas.microsoft.com/office/drawing/2014/main" id="{CEF41B1C-C13A-492B-B2DC-0EC19D245573}"/>
+              </a:ext>
+            </a:extLst>
+          </p:cNvPr>
+          <p:cNvSpPr/>
+          <p:nvPr/>
+        </p:nvSpPr>
+        <p:spPr>
+          <a:xfrm>
+            <a:off x="-283760" y="4093552"/>
+            <a:ext cx="1377365" cy="369332"/>
+          </a:xfrm>
+          <a:prstGeom prst="rect">
+            <a:avLst/>
+          </a:prstGeom>
+        </p:spPr>
+        <p:txBody>
+          <a:bodyPr wrap="none">
+            <a:spAutoFit/>
+          </a:bodyPr>
+          <a:lstStyle/>
+          <a:p>
+            <a:pPr lvl="1"/>
+            <a:r>
+              <a:rPr lang="en-US" dirty="0">
+                <a:latin typeface="Helvetica" charset="0"/>
+                <a:ea typeface="Helvetica" charset="0"/>
+                <a:cs typeface="Helvetica" charset="0"/>
+              </a:rPr>
+              <a:t>To this:</a:t>
+            </a:r>
+          </a:p>
+        </p:txBody>
+      </p:sp>
+      <p:pic>
+        <p:nvPicPr>
+          <p:cNvPr id="9" name="Picture 8">
+            <a:extLst>
+              <a:ext uri="{FF2B5EF4-FFF2-40B4-BE49-F238E27FC236}">
+                <a16:creationId xmlns:a16="http://schemas.microsoft.com/office/drawing/2014/main" id="{86F3B70D-A5CF-428E-8748-639B6C971CDD}"/>
+              </a:ext>
+            </a:extLst>
+          </p:cNvPr>
+          <p:cNvPicPr>
+            <a:picLocks noChangeAspect="1"/>
+          </p:cNvPicPr>
+          <p:nvPr/>
+        </p:nvPicPr>
+        <p:blipFill>
+          <a:blip r:embed="rId3"/>
+          <a:stretch>
+            <a:fillRect/>
+          </a:stretch>
+        </p:blipFill>
+        <p:spPr>
+          <a:xfrm>
+            <a:off x="342678" y="4547170"/>
+            <a:ext cx="6934701" cy="2007422"/>
+          </a:xfrm>
+          <a:prstGeom prst="rect">
+            <a:avLst/>
+          </a:prstGeom>
+        </p:spPr>
+      </p:pic>
     </p:spTree>
     <p:extLst>
       <p:ext uri="{BB962C8B-B14F-4D97-AF65-F5344CB8AC3E}">

--- a/Documents/WorkshopGroup40.pptx
+++ b/Documents/WorkshopGroup40.pptx
@@ -7,13 +7,14 @@
   <p:sldIdLst>
     <p:sldId id="256" r:id="rId2"/>
     <p:sldId id="257" r:id="rId3"/>
-    <p:sldId id="267" r:id="rId4"/>
-    <p:sldId id="268" r:id="rId5"/>
-    <p:sldId id="263" r:id="rId6"/>
-    <p:sldId id="260" r:id="rId7"/>
-    <p:sldId id="259" r:id="rId8"/>
-    <p:sldId id="266" r:id="rId9"/>
-    <p:sldId id="265" r:id="rId10"/>
+    <p:sldId id="269" r:id="rId4"/>
+    <p:sldId id="267" r:id="rId5"/>
+    <p:sldId id="268" r:id="rId6"/>
+    <p:sldId id="263" r:id="rId7"/>
+    <p:sldId id="260" r:id="rId8"/>
+    <p:sldId id="259" r:id="rId9"/>
+    <p:sldId id="266" r:id="rId10"/>
+    <p:sldId id="265" r:id="rId11"/>
   </p:sldIdLst>
   <p:sldSz cx="12192000" cy="6858000"/>
   <p:notesSz cx="6858000" cy="9144000"/>
@@ -312,7 +313,7 @@
             <a:fld id="{B61BEF0D-F0BB-DE4B-95CE-6DB70DBA9567}" type="datetimeFigureOut">
               <a:rPr lang="en-US" dirty="0"/>
               <a:pPr/>
-              <a:t>11/2/2018</a:t>
+              <a:t>11/6/2018</a:t>
             </a:fld>
             <a:endParaRPr lang="en-US" dirty="0"/>
           </a:p>
@@ -745,7 +746,7 @@
             <a:fld id="{B61BEF0D-F0BB-DE4B-95CE-6DB70DBA9567}" type="datetimeFigureOut">
               <a:rPr lang="en-US" dirty="0"/>
               <a:pPr/>
-              <a:t>11/2/2018</a:t>
+              <a:t>11/6/2018</a:t>
             </a:fld>
             <a:endParaRPr lang="en-US" dirty="0"/>
           </a:p>
@@ -992,7 +993,7 @@
             <a:fld id="{B61BEF0D-F0BB-DE4B-95CE-6DB70DBA9567}" type="datetimeFigureOut">
               <a:rPr lang="en-US" dirty="0"/>
               <a:pPr/>
-              <a:t>11/2/2018</a:t>
+              <a:t>11/6/2018</a:t>
             </a:fld>
             <a:endParaRPr lang="en-US" dirty="0"/>
           </a:p>
@@ -1297,7 +1298,7 @@
             <a:fld id="{B61BEF0D-F0BB-DE4B-95CE-6DB70DBA9567}" type="datetimeFigureOut">
               <a:rPr lang="en-US" dirty="0"/>
               <a:pPr/>
-              <a:t>11/2/2018</a:t>
+              <a:t>11/6/2018</a:t>
             </a:fld>
             <a:endParaRPr lang="en-US" dirty="0"/>
           </a:p>
@@ -1612,7 +1613,7 @@
             <a:fld id="{B61BEF0D-F0BB-DE4B-95CE-6DB70DBA9567}" type="datetimeFigureOut">
               <a:rPr lang="en-US" dirty="0"/>
               <a:pPr/>
-              <a:t>11/2/2018</a:t>
+              <a:t>11/6/2018</a:t>
             </a:fld>
             <a:endParaRPr lang="en-US" dirty="0"/>
           </a:p>
@@ -1911,7 +1912,7 @@
             <a:fld id="{B61BEF0D-F0BB-DE4B-95CE-6DB70DBA9567}" type="datetimeFigureOut">
               <a:rPr lang="en-US" dirty="0"/>
               <a:pPr/>
-              <a:t>11/2/2018</a:t>
+              <a:t>11/6/2018</a:t>
             </a:fld>
             <a:endParaRPr lang="en-US" dirty="0"/>
           </a:p>
@@ -2275,7 +2276,7 @@
             <a:fld id="{B61BEF0D-F0BB-DE4B-95CE-6DB70DBA9567}" type="datetimeFigureOut">
               <a:rPr lang="en-US" dirty="0"/>
               <a:pPr/>
-              <a:t>11/2/2018</a:t>
+              <a:t>11/6/2018</a:t>
             </a:fld>
             <a:endParaRPr lang="en-US" dirty="0"/>
           </a:p>
@@ -2446,7 +2447,7 @@
             <a:fld id="{B61BEF0D-F0BB-DE4B-95CE-6DB70DBA9567}" type="datetimeFigureOut">
               <a:rPr lang="en-US" dirty="0"/>
               <a:pPr/>
-              <a:t>11/2/2018</a:t>
+              <a:t>11/6/2018</a:t>
             </a:fld>
             <a:endParaRPr lang="en-US" dirty="0"/>
           </a:p>
@@ -2623,7 +2624,7 @@
             <a:fld id="{B61BEF0D-F0BB-DE4B-95CE-6DB70DBA9567}" type="datetimeFigureOut">
               <a:rPr lang="en-US" dirty="0"/>
               <a:pPr/>
-              <a:t>11/2/2018</a:t>
+              <a:t>11/6/2018</a:t>
             </a:fld>
             <a:endParaRPr lang="en-US" dirty="0"/>
           </a:p>
@@ -2790,7 +2791,7 @@
             <a:fld id="{B61BEF0D-F0BB-DE4B-95CE-6DB70DBA9567}" type="datetimeFigureOut">
               <a:rPr lang="en-US" dirty="0"/>
               <a:pPr/>
-              <a:t>11/2/2018</a:t>
+              <a:t>11/6/2018</a:t>
             </a:fld>
             <a:endParaRPr lang="en-US" dirty="0"/>
           </a:p>
@@ -3037,7 +3038,7 @@
             <a:fld id="{B61BEF0D-F0BB-DE4B-95CE-6DB70DBA9567}" type="datetimeFigureOut">
               <a:rPr lang="en-US" dirty="0"/>
               <a:pPr/>
-              <a:t>11/2/2018</a:t>
+              <a:t>11/6/2018</a:t>
             </a:fld>
             <a:endParaRPr lang="en-US" dirty="0"/>
           </a:p>
@@ -3270,7 +3271,7 @@
             <a:fld id="{B61BEF0D-F0BB-DE4B-95CE-6DB70DBA9567}" type="datetimeFigureOut">
               <a:rPr lang="en-US" dirty="0"/>
               <a:pPr/>
-              <a:t>11/2/2018</a:t>
+              <a:t>11/6/2018</a:t>
             </a:fld>
             <a:endParaRPr lang="en-US" dirty="0"/>
           </a:p>
@@ -3649,7 +3650,7 @@
             <a:fld id="{B61BEF0D-F0BB-DE4B-95CE-6DB70DBA9567}" type="datetimeFigureOut">
               <a:rPr lang="en-US" dirty="0"/>
               <a:pPr/>
-              <a:t>11/2/2018</a:t>
+              <a:t>11/6/2018</a:t>
             </a:fld>
             <a:endParaRPr lang="en-US" dirty="0"/>
           </a:p>
@@ -3764,7 +3765,7 @@
             <a:fld id="{B61BEF0D-F0BB-DE4B-95CE-6DB70DBA9567}" type="datetimeFigureOut">
               <a:rPr lang="en-US" dirty="0"/>
               <a:pPr/>
-              <a:t>11/2/2018</a:t>
+              <a:t>11/6/2018</a:t>
             </a:fld>
             <a:endParaRPr lang="en-US" dirty="0"/>
           </a:p>
@@ -3856,7 +3857,7 @@
             <a:fld id="{B61BEF0D-F0BB-DE4B-95CE-6DB70DBA9567}" type="datetimeFigureOut">
               <a:rPr lang="en-US" dirty="0"/>
               <a:pPr/>
-              <a:t>11/2/2018</a:t>
+              <a:t>11/6/2018</a:t>
             </a:fld>
             <a:endParaRPr lang="en-US" dirty="0"/>
           </a:p>
@@ -4108,7 +4109,7 @@
             <a:fld id="{B61BEF0D-F0BB-DE4B-95CE-6DB70DBA9567}" type="datetimeFigureOut">
               <a:rPr lang="en-US" dirty="0"/>
               <a:pPr/>
-              <a:t>11/2/2018</a:t>
+              <a:t>11/6/2018</a:t>
             </a:fld>
             <a:endParaRPr lang="en-US" dirty="0"/>
           </a:p>
@@ -4388,7 +4389,7 @@
             <a:fld id="{B61BEF0D-F0BB-DE4B-95CE-6DB70DBA9567}" type="datetimeFigureOut">
               <a:rPr lang="en-US" dirty="0"/>
               <a:pPr/>
-              <a:t>11/2/2018</a:t>
+              <a:t>11/6/2018</a:t>
             </a:fld>
             <a:endParaRPr lang="en-US" dirty="0"/>
           </a:p>
@@ -4791,7 +4792,7 @@
             <a:fld id="{B61BEF0D-F0BB-DE4B-95CE-6DB70DBA9567}" type="datetimeFigureOut">
               <a:rPr lang="en-US" dirty="0"/>
               <a:pPr/>
-              <a:t>11/2/2018</a:t>
+              <a:t>11/6/2018</a:t>
             </a:fld>
             <a:endParaRPr lang="en-US" dirty="0"/>
           </a:p>
@@ -5338,7 +5339,12 @@
             <p:ph type="ctrTitle"/>
           </p:nvPr>
         </p:nvSpPr>
-        <p:spPr/>
+        <p:spPr>
+          <a:xfrm>
+            <a:off x="684211" y="685799"/>
+            <a:ext cx="9256494" cy="2971801"/>
+          </a:xfrm>
+        </p:spPr>
         <p:txBody>
           <a:bodyPr>
             <a:normAutofit fontScale="90000"/>
@@ -5347,7 +5353,21 @@
           <a:p>
             <a:r>
               <a:rPr lang="en-GB" dirty="0"/>
-              <a:t>Predicting The Winning Team – Data Transformation &amp; Integration</a:t>
+              <a:t>Predicting The Winning Team </a:t>
+            </a:r>
+            <a:br>
+              <a:rPr lang="en-GB" dirty="0"/>
+            </a:br>
+            <a:r>
+              <a:rPr lang="en-GB" dirty="0"/>
+              <a:t> </a:t>
+            </a:r>
+            <a:br>
+              <a:rPr lang="en-GB" dirty="0"/>
+            </a:br>
+            <a:r>
+              <a:rPr lang="en-GB" dirty="0"/>
+              <a:t>Data Transformation &amp; Integration</a:t>
             </a:r>
           </a:p>
         </p:txBody>
@@ -5384,6 +5404,288 @@
     <p:extLst>
       <p:ext uri="{BB962C8B-B14F-4D97-AF65-F5344CB8AC3E}">
         <p14:creationId xmlns:p14="http://schemas.microsoft.com/office/powerpoint/2010/main" val="4084817132"/>
+      </p:ext>
+    </p:extLst>
+  </p:cSld>
+  <p:clrMapOvr>
+    <a:masterClrMapping/>
+  </p:clrMapOvr>
+</p:sld>
+</file>
+
+<file path=ppt/slides/slide10.xml><?xml version="1.0" encoding="utf-8"?>
+<p:sld xmlns:a="http://schemas.openxmlformats.org/drawingml/2006/main" xmlns:r="http://schemas.openxmlformats.org/officeDocument/2006/relationships" xmlns:p="http://schemas.openxmlformats.org/presentationml/2006/main">
+  <p:cSld>
+    <p:bg>
+      <p:bgPr>
+        <a:gradFill rotWithShape="1">
+          <a:gsLst>
+            <a:gs pos="10000">
+              <a:schemeClr val="bg2">
+                <a:tint val="97000"/>
+                <a:hueMod val="92000"/>
+                <a:satMod val="169000"/>
+                <a:lumMod val="164000"/>
+              </a:schemeClr>
+            </a:gs>
+            <a:gs pos="100000">
+              <a:schemeClr val="bg2">
+                <a:shade val="96000"/>
+                <a:satMod val="120000"/>
+                <a:lumMod val="90000"/>
+              </a:schemeClr>
+            </a:gs>
+          </a:gsLst>
+          <a:lin ang="6120000" scaled="1"/>
+        </a:gradFill>
+        <a:effectLst/>
+      </p:bgPr>
+    </p:bg>
+    <p:spTree>
+      <p:nvGrpSpPr>
+        <p:cNvPr id="1" name=""/>
+        <p:cNvGrpSpPr/>
+        <p:nvPr/>
+      </p:nvGrpSpPr>
+      <p:grpSpPr>
+        <a:xfrm>
+          <a:off x="0" y="0"/>
+          <a:ext cx="0" cy="0"/>
+          <a:chOff x="0" y="0"/>
+          <a:chExt cx="0" cy="0"/>
+        </a:xfrm>
+      </p:grpSpPr>
+      <p:sp>
+        <p:nvSpPr>
+          <p:cNvPr id="2" name="Title 1">
+            <a:extLst>
+              <a:ext uri="{FF2B5EF4-FFF2-40B4-BE49-F238E27FC236}">
+                <a16:creationId xmlns:a16="http://schemas.microsoft.com/office/drawing/2014/main" id="{73BCA3E8-B163-4626-AB15-C2F610CF26B4}"/>
+              </a:ext>
+            </a:extLst>
+          </p:cNvPr>
+          <p:cNvSpPr>
+            <a:spLocks noGrp="1"/>
+          </p:cNvSpPr>
+          <p:nvPr>
+            <p:ph type="title"/>
+          </p:nvPr>
+        </p:nvSpPr>
+        <p:spPr>
+          <a:xfrm>
+            <a:off x="342678" y="213176"/>
+            <a:ext cx="7886200" cy="1298401"/>
+          </a:xfrm>
+        </p:spPr>
+        <p:txBody>
+          <a:bodyPr>
+            <a:normAutofit/>
+          </a:bodyPr>
+          <a:lstStyle/>
+          <a:p>
+            <a:r>
+              <a:rPr lang="en-GB" dirty="0"/>
+              <a:t>Conclusions</a:t>
+            </a:r>
+          </a:p>
+        </p:txBody>
+      </p:sp>
+      <p:pic>
+        <p:nvPicPr>
+          <p:cNvPr id="5" name="Picture 4" descr="A picture containing wall&#10;&#10;Description generated with high confidence">
+            <a:extLst>
+              <a:ext uri="{FF2B5EF4-FFF2-40B4-BE49-F238E27FC236}">
+                <a16:creationId xmlns:a16="http://schemas.microsoft.com/office/drawing/2014/main" id="{43E92EC6-E36C-42BA-942E-B5711F6ECB82}"/>
+              </a:ext>
+            </a:extLst>
+          </p:cNvPr>
+          <p:cNvPicPr>
+            <a:picLocks noChangeAspect="1"/>
+          </p:cNvPicPr>
+          <p:nvPr/>
+        </p:nvPicPr>
+        <p:blipFill>
+          <a:blip r:embed="rId2"/>
+          <a:stretch>
+            <a:fillRect/>
+          </a:stretch>
+        </p:blipFill>
+        <p:spPr>
+          <a:xfrm>
+            <a:off x="307129" y="2177274"/>
+            <a:ext cx="6934702" cy="1907042"/>
+          </a:xfrm>
+          <a:prstGeom prst="rect">
+            <a:avLst/>
+          </a:prstGeom>
+          <a:effectLst>
+            <a:innerShdw blurRad="57150" dist="38100" dir="14460000">
+              <a:prstClr val="black">
+                <a:alpha val="70000"/>
+              </a:prstClr>
+            </a:innerShdw>
+          </a:effectLst>
+        </p:spPr>
+      </p:pic>
+      <p:sp>
+        <p:nvSpPr>
+          <p:cNvPr id="3" name="Content Placeholder 2">
+            <a:extLst>
+              <a:ext uri="{FF2B5EF4-FFF2-40B4-BE49-F238E27FC236}">
+                <a16:creationId xmlns:a16="http://schemas.microsoft.com/office/drawing/2014/main" id="{3E3CE4C3-BF0A-4957-95D7-FBC24D682FEA}"/>
+              </a:ext>
+            </a:extLst>
+          </p:cNvPr>
+          <p:cNvSpPr>
+            <a:spLocks noGrp="1"/>
+          </p:cNvSpPr>
+          <p:nvPr>
+            <p:ph idx="1"/>
+          </p:nvPr>
+        </p:nvSpPr>
+        <p:spPr>
+          <a:xfrm>
+            <a:off x="7102405" y="359830"/>
+            <a:ext cx="4419171" cy="4295552"/>
+          </a:xfrm>
+        </p:spPr>
+        <p:txBody>
+          <a:bodyPr>
+            <a:normAutofit/>
+          </a:bodyPr>
+          <a:lstStyle/>
+          <a:p>
+            <a:pPr lvl="1"/>
+            <a:r>
+              <a:rPr lang="en-US" dirty="0">
+                <a:latin typeface="Helvetica" charset="0"/>
+                <a:ea typeface="Helvetica" charset="0"/>
+                <a:cs typeface="Helvetica" charset="0"/>
+              </a:rPr>
+              <a:t>Based on our analysis of the data we generated from transformation and integration, we have identified some key attributes which will be central to our prediction algorithm</a:t>
+            </a:r>
+          </a:p>
+          <a:p>
+            <a:pPr lvl="1"/>
+            <a:r>
+              <a:rPr lang="en-GB" dirty="0"/>
+              <a:t>We feel we now have a set of attributes that are suitable for a classification algorithm such as K Nearest Neighbour or a Decision Tree.</a:t>
+            </a:r>
+          </a:p>
+        </p:txBody>
+      </p:sp>
+      <p:sp>
+        <p:nvSpPr>
+          <p:cNvPr id="6" name="Rectangle 5">
+            <a:extLst>
+              <a:ext uri="{FF2B5EF4-FFF2-40B4-BE49-F238E27FC236}">
+                <a16:creationId xmlns:a16="http://schemas.microsoft.com/office/drawing/2014/main" id="{03C62D19-B298-47BE-A54F-7BFFEA3012C8}"/>
+              </a:ext>
+            </a:extLst>
+          </p:cNvPr>
+          <p:cNvSpPr/>
+          <p:nvPr/>
+        </p:nvSpPr>
+        <p:spPr>
+          <a:xfrm>
+            <a:off x="-283760" y="1765712"/>
+            <a:ext cx="3416320" cy="369332"/>
+          </a:xfrm>
+          <a:prstGeom prst="rect">
+            <a:avLst/>
+          </a:prstGeom>
+        </p:spPr>
+        <p:txBody>
+          <a:bodyPr wrap="none">
+            <a:spAutoFit/>
+          </a:bodyPr>
+          <a:lstStyle/>
+          <a:p>
+            <a:pPr lvl="1"/>
+            <a:r>
+              <a:rPr lang="en-US" dirty="0">
+                <a:latin typeface="Helvetica" charset="0"/>
+                <a:ea typeface="Helvetica" charset="0"/>
+                <a:cs typeface="Helvetica" charset="0"/>
+              </a:rPr>
+              <a:t>Our dataset went from this:</a:t>
+            </a:r>
+          </a:p>
+        </p:txBody>
+      </p:sp>
+      <p:sp>
+        <p:nvSpPr>
+          <p:cNvPr id="7" name="Rectangle 6">
+            <a:extLst>
+              <a:ext uri="{FF2B5EF4-FFF2-40B4-BE49-F238E27FC236}">
+                <a16:creationId xmlns:a16="http://schemas.microsoft.com/office/drawing/2014/main" id="{CEF41B1C-C13A-492B-B2DC-0EC19D245573}"/>
+              </a:ext>
+            </a:extLst>
+          </p:cNvPr>
+          <p:cNvSpPr/>
+          <p:nvPr/>
+        </p:nvSpPr>
+        <p:spPr>
+          <a:xfrm>
+            <a:off x="-283760" y="4093552"/>
+            <a:ext cx="1377365" cy="369332"/>
+          </a:xfrm>
+          <a:prstGeom prst="rect">
+            <a:avLst/>
+          </a:prstGeom>
+        </p:spPr>
+        <p:txBody>
+          <a:bodyPr wrap="none">
+            <a:spAutoFit/>
+          </a:bodyPr>
+          <a:lstStyle/>
+          <a:p>
+            <a:pPr lvl="1"/>
+            <a:r>
+              <a:rPr lang="en-US" dirty="0">
+                <a:latin typeface="Helvetica" charset="0"/>
+                <a:ea typeface="Helvetica" charset="0"/>
+                <a:cs typeface="Helvetica" charset="0"/>
+              </a:rPr>
+              <a:t>To this:</a:t>
+            </a:r>
+          </a:p>
+        </p:txBody>
+      </p:sp>
+      <p:pic>
+        <p:nvPicPr>
+          <p:cNvPr id="9" name="Picture 8">
+            <a:extLst>
+              <a:ext uri="{FF2B5EF4-FFF2-40B4-BE49-F238E27FC236}">
+                <a16:creationId xmlns:a16="http://schemas.microsoft.com/office/drawing/2014/main" id="{86F3B70D-A5CF-428E-8748-639B6C971CDD}"/>
+              </a:ext>
+            </a:extLst>
+          </p:cNvPr>
+          <p:cNvPicPr>
+            <a:picLocks noChangeAspect="1"/>
+          </p:cNvPicPr>
+          <p:nvPr/>
+        </p:nvPicPr>
+        <p:blipFill>
+          <a:blip r:embed="rId3"/>
+          <a:stretch>
+            <a:fillRect/>
+          </a:stretch>
+        </p:blipFill>
+        <p:spPr>
+          <a:xfrm>
+            <a:off x="342678" y="4547170"/>
+            <a:ext cx="6934701" cy="2007422"/>
+          </a:xfrm>
+          <a:prstGeom prst="rect">
+            <a:avLst/>
+          </a:prstGeom>
+        </p:spPr>
+      </p:pic>
+    </p:spTree>
+    <p:extLst>
+      <p:ext uri="{BB962C8B-B14F-4D97-AF65-F5344CB8AC3E}">
+        <p14:creationId xmlns:p14="http://schemas.microsoft.com/office/powerpoint/2010/main" val="1929422650"/>
       </p:ext>
     </p:extLst>
   </p:cSld>
@@ -5488,19 +5790,19 @@
         </p:nvSpPr>
         <p:spPr>
           <a:xfrm>
-            <a:off x="684212" y="490491"/>
-            <a:ext cx="7195828" cy="3477827"/>
+            <a:off x="684212" y="380247"/>
+            <a:ext cx="7195828" cy="3588072"/>
           </a:xfrm>
         </p:spPr>
         <p:txBody>
           <a:bodyPr>
-            <a:normAutofit lnSpcReduction="10000"/>
+            <a:normAutofit/>
           </a:bodyPr>
           <a:lstStyle/>
           <a:p>
             <a:r>
               <a:rPr lang="en-GB" dirty="0"/>
-              <a:t>Premier League Games Datasets – 2000/01 to 2017/18 – from football-data.co.uk</a:t>
+              <a:t>Premier League Games Datasets – 2000/01 to 2017/18 – from football-data.co.uk – 18 separate datasets</a:t>
             </a:r>
           </a:p>
           <a:p>
@@ -5520,16 +5822,6 @@
               <a:rPr lang="en-GB" dirty="0"/>
               <a:t>Lots of irrelevant data – in–game stats, bookies odds</a:t>
             </a:r>
-          </a:p>
-          <a:p>
-            <a:r>
-              <a:rPr lang="en-GB" dirty="0"/>
-              <a:t>We knew we needed to perform some data transformation techniques to generate some attributes.</a:t>
-            </a:r>
-          </a:p>
-          <a:p>
-            <a:pPr lvl="1"/>
-            <a:endParaRPr lang="en-GB" dirty="0"/>
           </a:p>
         </p:txBody>
       </p:sp>
@@ -5579,6 +5871,31 @@
 <file path=ppt/slides/slide3.xml><?xml version="1.0" encoding="utf-8"?>
 <p:sld xmlns:a="http://schemas.openxmlformats.org/drawingml/2006/main" xmlns:r="http://schemas.openxmlformats.org/officeDocument/2006/relationships" xmlns:p="http://schemas.openxmlformats.org/presentationml/2006/main">
   <p:cSld>
+    <p:bg>
+      <p:bgPr>
+        <a:gradFill rotWithShape="1">
+          <a:gsLst>
+            <a:gs pos="10000">
+              <a:schemeClr val="bg2">
+                <a:tint val="97000"/>
+                <a:hueMod val="92000"/>
+                <a:satMod val="169000"/>
+                <a:lumMod val="164000"/>
+              </a:schemeClr>
+            </a:gs>
+            <a:gs pos="100000">
+              <a:schemeClr val="bg2">
+                <a:shade val="96000"/>
+                <a:satMod val="120000"/>
+                <a:lumMod val="90000"/>
+              </a:schemeClr>
+            </a:gs>
+          </a:gsLst>
+          <a:lin ang="6120000" scaled="1"/>
+        </a:gradFill>
+        <a:effectLst/>
+      </p:bgPr>
+    </p:bg>
     <p:spTree>
       <p:nvGrpSpPr>
         <p:cNvPr id="1" name=""/>
@@ -5598,6 +5915,228 @@
           <p:cNvPr id="2" name="Title 1">
             <a:extLst>
               <a:ext uri="{FF2B5EF4-FFF2-40B4-BE49-F238E27FC236}">
+                <a16:creationId xmlns:a16="http://schemas.microsoft.com/office/drawing/2014/main" id="{780318D2-AB1D-4649-83D3-FBA67FB96824}"/>
+              </a:ext>
+            </a:extLst>
+          </p:cNvPr>
+          <p:cNvSpPr>
+            <a:spLocks noGrp="1"/>
+          </p:cNvSpPr>
+          <p:nvPr>
+            <p:ph type="title"/>
+          </p:nvPr>
+        </p:nvSpPr>
+        <p:spPr>
+          <a:xfrm>
+            <a:off x="8194088" y="490492"/>
+            <a:ext cx="3643435" cy="4063754"/>
+          </a:xfrm>
+        </p:spPr>
+        <p:txBody>
+          <a:bodyPr>
+            <a:normAutofit/>
+          </a:bodyPr>
+          <a:lstStyle/>
+          <a:p>
+            <a:r>
+              <a:rPr lang="en-US" dirty="0"/>
+              <a:t>Possible Attributes</a:t>
+            </a:r>
+            <a:endParaRPr lang="en-GB" dirty="0"/>
+          </a:p>
+        </p:txBody>
+      </p:sp>
+      <p:sp>
+        <p:nvSpPr>
+          <p:cNvPr id="3" name="Content Placeholder 2">
+            <a:extLst>
+              <a:ext uri="{FF2B5EF4-FFF2-40B4-BE49-F238E27FC236}">
+                <a16:creationId xmlns:a16="http://schemas.microsoft.com/office/drawing/2014/main" id="{30B99E1B-51BF-47FC-96D2-8C5E5ECFBC01}"/>
+              </a:ext>
+            </a:extLst>
+          </p:cNvPr>
+          <p:cNvSpPr>
+            <a:spLocks noGrp="1"/>
+          </p:cNvSpPr>
+          <p:nvPr>
+            <p:ph idx="1"/>
+          </p:nvPr>
+        </p:nvSpPr>
+        <p:spPr>
+          <a:xfrm>
+            <a:off x="684212" y="490491"/>
+            <a:ext cx="7195828" cy="3477827"/>
+          </a:xfrm>
+        </p:spPr>
+        <p:txBody>
+          <a:bodyPr>
+            <a:normAutofit/>
+          </a:bodyPr>
+          <a:lstStyle/>
+          <a:p>
+            <a:pPr>
+              <a:lnSpc>
+                <a:spcPct val="90000"/>
+              </a:lnSpc>
+            </a:pPr>
+            <a:endParaRPr lang="en-GB" sz="1400" dirty="0"/>
+          </a:p>
+          <a:p>
+            <a:pPr>
+              <a:lnSpc>
+                <a:spcPct val="90000"/>
+              </a:lnSpc>
+            </a:pPr>
+            <a:endParaRPr lang="en-GB" sz="1400" dirty="0"/>
+          </a:p>
+          <a:p>
+            <a:pPr>
+              <a:lnSpc>
+                <a:spcPct val="90000"/>
+              </a:lnSpc>
+            </a:pPr>
+            <a:r>
+              <a:rPr lang="en-US" sz="1400" dirty="0"/>
+              <a:t>W</a:t>
+            </a:r>
+            <a:r>
+              <a:rPr lang="en-GB" sz="1400" dirty="0"/>
+              <a:t>hen we stripped out all the irrelevant attributes (In-Game Stats, Bookies Odds) we still had no clear attributes to make a prediction with.</a:t>
+            </a:r>
+          </a:p>
+          <a:p>
+            <a:pPr>
+              <a:lnSpc>
+                <a:spcPct val="90000"/>
+              </a:lnSpc>
+            </a:pPr>
+            <a:r>
+              <a:rPr lang="en-GB" sz="1400" dirty="0"/>
+              <a:t>We knew we needed to perform some data transformation techniques to generate some attributes.</a:t>
+            </a:r>
+          </a:p>
+          <a:p>
+            <a:pPr>
+              <a:lnSpc>
+                <a:spcPct val="90000"/>
+              </a:lnSpc>
+            </a:pPr>
+            <a:r>
+              <a:rPr lang="en-US" sz="1400" dirty="0"/>
+              <a:t>W</a:t>
+            </a:r>
+            <a:r>
+              <a:rPr lang="en-GB" sz="1400" dirty="0"/>
+              <a:t>e looked at what the dataset had to offer (Date, Full Time Result, Goals Scored etc) and thought of how we could utilise these attributes. </a:t>
+            </a:r>
+          </a:p>
+          <a:p>
+            <a:pPr>
+              <a:lnSpc>
+                <a:spcPct val="90000"/>
+              </a:lnSpc>
+            </a:pPr>
+            <a:r>
+              <a:rPr lang="en-US" sz="1400" dirty="0"/>
+              <a:t>Due to the fact we had the date, we knew we could </a:t>
+            </a:r>
+            <a:r>
+              <a:rPr lang="en-US" sz="1400" dirty="0" err="1"/>
+              <a:t>utilise</a:t>
+            </a:r>
+            <a:r>
+              <a:rPr lang="en-US" sz="1400" dirty="0"/>
+              <a:t> attribute construction and aggregation to generate new attributes. </a:t>
+            </a:r>
+          </a:p>
+          <a:p>
+            <a:pPr>
+              <a:lnSpc>
+                <a:spcPct val="90000"/>
+              </a:lnSpc>
+            </a:pPr>
+            <a:r>
+              <a:rPr lang="en-US" sz="1400" dirty="0"/>
+              <a:t>Some of these attributes included goal difference between teams, team points and team form</a:t>
+            </a:r>
+            <a:endParaRPr lang="en-GB" sz="1400" dirty="0"/>
+          </a:p>
+          <a:p>
+            <a:pPr marL="0" indent="0">
+              <a:lnSpc>
+                <a:spcPct val="90000"/>
+              </a:lnSpc>
+              <a:buNone/>
+            </a:pPr>
+            <a:endParaRPr lang="en-GB" sz="1400" dirty="0"/>
+          </a:p>
+        </p:txBody>
+      </p:sp>
+      <p:pic>
+        <p:nvPicPr>
+          <p:cNvPr id="5" name="Picture 4" descr="A screenshot of a cell phone&#10;&#10;Description generated with very high confidence">
+            <a:extLst>
+              <a:ext uri="{FF2B5EF4-FFF2-40B4-BE49-F238E27FC236}">
+                <a16:creationId xmlns:a16="http://schemas.microsoft.com/office/drawing/2014/main" id="{31A3CACC-56D0-411D-952C-84C576754521}"/>
+              </a:ext>
+            </a:extLst>
+          </p:cNvPr>
+          <p:cNvPicPr>
+            <a:picLocks noChangeAspect="1"/>
+          </p:cNvPicPr>
+          <p:nvPr/>
+        </p:nvPicPr>
+        <p:blipFill>
+          <a:blip r:embed="rId2"/>
+          <a:stretch>
+            <a:fillRect/>
+          </a:stretch>
+        </p:blipFill>
+        <p:spPr>
+          <a:xfrm>
+            <a:off x="684212" y="4132926"/>
+            <a:ext cx="7195828" cy="1745309"/>
+          </a:xfrm>
+          <a:prstGeom prst="rect">
+            <a:avLst/>
+          </a:prstGeom>
+        </p:spPr>
+      </p:pic>
+    </p:spTree>
+    <p:extLst>
+      <p:ext uri="{BB962C8B-B14F-4D97-AF65-F5344CB8AC3E}">
+        <p14:creationId xmlns:p14="http://schemas.microsoft.com/office/powerpoint/2010/main" val="490186074"/>
+      </p:ext>
+    </p:extLst>
+  </p:cSld>
+  <p:clrMapOvr>
+    <a:masterClrMapping/>
+  </p:clrMapOvr>
+</p:sld>
+</file>
+
+<file path=ppt/slides/slide4.xml><?xml version="1.0" encoding="utf-8"?>
+<p:sld xmlns:a="http://schemas.openxmlformats.org/drawingml/2006/main" xmlns:r="http://schemas.openxmlformats.org/officeDocument/2006/relationships" xmlns:p="http://schemas.openxmlformats.org/presentationml/2006/main">
+  <p:cSld>
+    <p:spTree>
+      <p:nvGrpSpPr>
+        <p:cNvPr id="1" name=""/>
+        <p:cNvGrpSpPr/>
+        <p:nvPr/>
+      </p:nvGrpSpPr>
+      <p:grpSpPr>
+        <a:xfrm>
+          <a:off x="0" y="0"/>
+          <a:ext cx="0" cy="0"/>
+          <a:chOff x="0" y="0"/>
+          <a:chExt cx="0" cy="0"/>
+        </a:xfrm>
+      </p:grpSpPr>
+      <p:sp>
+        <p:nvSpPr>
+          <p:cNvPr id="2" name="Title 1">
+            <a:extLst>
+              <a:ext uri="{FF2B5EF4-FFF2-40B4-BE49-F238E27FC236}">
                 <a16:creationId xmlns:a16="http://schemas.microsoft.com/office/drawing/2014/main" id="{73BCA3E8-B163-4626-AB15-C2F610CF26B4}"/>
               </a:ext>
             </a:extLst>
@@ -5611,7 +6150,7 @@
         </p:nvSpPr>
         <p:spPr>
           <a:xfrm>
-            <a:off x="684212" y="4487332"/>
+            <a:off x="798076" y="4834569"/>
             <a:ext cx="8534400" cy="1507067"/>
           </a:xfrm>
         </p:spPr>
@@ -5656,7 +6195,7 @@
         </p:blipFill>
         <p:spPr>
           <a:xfrm>
-            <a:off x="834289" y="733647"/>
+            <a:off x="798076" y="516364"/>
             <a:ext cx="4506141" cy="3575884"/>
           </a:xfrm>
           <a:prstGeom prst="rect">
@@ -5707,13 +6246,13 @@
           <a:p>
             <a:r>
               <a:rPr lang="en-US" dirty="0"/>
-              <a:t>We learned that there should be a bias towards the home team</a:t>
+              <a:t>Initial we had only considered a match as a head to head without taking home advantage into consideration</a:t>
             </a:r>
           </a:p>
           <a:p>
             <a:r>
               <a:rPr lang="en-US" dirty="0"/>
-              <a:t>Our initial thought was head to head match up without taking this into consideration</a:t>
+              <a:t>We determined that there should be a bias towards the home team</a:t>
             </a:r>
           </a:p>
         </p:txBody>
@@ -5740,7 +6279,7 @@
         </p:blipFill>
         <p:spPr>
           <a:xfrm>
-            <a:off x="5762182" y="733647"/>
+            <a:off x="5762180" y="516364"/>
             <a:ext cx="5894109" cy="1389734"/>
           </a:xfrm>
           <a:prstGeom prst="rect">
@@ -5761,7 +6300,7 @@
 </p:sld>
 </file>
 
-<file path=ppt/slides/slide4.xml><?xml version="1.0" encoding="utf-8"?>
+<file path=ppt/slides/slide5.xml><?xml version="1.0" encoding="utf-8"?>
 <p:sld xmlns:a="http://schemas.openxmlformats.org/drawingml/2006/main" xmlns:r="http://schemas.openxmlformats.org/officeDocument/2006/relationships" xmlns:p="http://schemas.openxmlformats.org/presentationml/2006/main">
   <p:cSld>
     <p:bg>
@@ -5892,7 +6431,7 @@
           <a:lstStyle/>
           <a:p>
             <a:r>
-              <a:rPr lang="en-US"/>
+              <a:rPr lang="en-US" dirty="0"/>
               <a:t>Attribute Analysis – Points Difference </a:t>
             </a:r>
           </a:p>
@@ -6050,25 +6589,39 @@
         </p:spPr>
         <p:txBody>
           <a:bodyPr>
-            <a:normAutofit/>
+            <a:normAutofit fontScale="92500"/>
           </a:bodyPr>
           <a:lstStyle/>
           <a:p>
             <a:r>
               <a:rPr lang="en-US" dirty="0"/>
-              <a:t>Another obvious attribute was points difference between teams.</a:t>
+              <a:t>From looking at the original dataset we discovered we could generate both teams points using the date, the team and the full time result for each game. </a:t>
             </a:r>
           </a:p>
           <a:p>
             <a:r>
               <a:rPr lang="en-US" dirty="0"/>
-              <a:t>It is clear from the diagrams that early on in the season it has no bearing.</a:t>
+              <a:t>There are two bar charts shown – Difference in points for Week 2 and Week 19</a:t>
             </a:r>
           </a:p>
           <a:p>
             <a:r>
               <a:rPr lang="en-US" dirty="0"/>
-              <a:t>But at the mid way point of the season it shows how much of an impact it has when the greater the point difference between the teams, the chances are the team with the more points won.</a:t>
+              <a:t>We contrived from the Week 2 diagram that early on in the season difference in points has little bearing.</a:t>
+            </a:r>
+          </a:p>
+          <a:p>
+            <a:r>
+              <a:rPr lang="en-US" dirty="0"/>
+              <a:t>At the mid way point of the season we </a:t>
+            </a:r>
+            <a:r>
+              <a:rPr lang="en-US" dirty="0" err="1"/>
+              <a:t>realised</a:t>
+            </a:r>
+            <a:r>
+              <a:rPr lang="en-US" dirty="0"/>
+              <a:t> how much of an impact difference in points has when the greater the point difference between the teams.</a:t>
             </a:r>
           </a:p>
         </p:txBody>
@@ -6397,7 +6950,7 @@
 </p:sld>
 </file>
 
-<file path=ppt/slides/slide5.xml><?xml version="1.0" encoding="utf-8"?>
+<file path=ppt/slides/slide6.xml><?xml version="1.0" encoding="utf-8"?>
 <p:sld xmlns:a="http://schemas.openxmlformats.org/drawingml/2006/main" xmlns:r="http://schemas.openxmlformats.org/officeDocument/2006/relationships" xmlns:p="http://schemas.openxmlformats.org/presentationml/2006/main">
   <p:cSld>
     <p:bg>
@@ -7000,7 +7553,7 @@
 </p:sld>
 </file>
 
-<file path=ppt/slides/slide6.xml><?xml version="1.0" encoding="utf-8"?>
+<file path=ppt/slides/slide7.xml><?xml version="1.0" encoding="utf-8"?>
 <p:sld xmlns:a="http://schemas.openxmlformats.org/drawingml/2006/main" xmlns:r="http://schemas.openxmlformats.org/officeDocument/2006/relationships" xmlns:p="http://schemas.openxmlformats.org/presentationml/2006/main">
   <p:cSld>
     <p:bg>
@@ -7587,7 +8140,7 @@
 </p:sld>
 </file>
 
-<file path=ppt/slides/slide7.xml><?xml version="1.0" encoding="utf-8"?>
+<file path=ppt/slides/slide8.xml><?xml version="1.0" encoding="utf-8"?>
 <p:sld xmlns:a="http://schemas.openxmlformats.org/drawingml/2006/main" xmlns:r="http://schemas.openxmlformats.org/officeDocument/2006/relationships" xmlns:p="http://schemas.openxmlformats.org/presentationml/2006/main">
   <p:cSld>
     <p:bg>
@@ -8206,194 +8759,6 @@
 </p:sld>
 </file>
 
-<file path=ppt/slides/slide8.xml><?xml version="1.0" encoding="utf-8"?>
-<p:sld xmlns:a="http://schemas.openxmlformats.org/drawingml/2006/main" xmlns:r="http://schemas.openxmlformats.org/officeDocument/2006/relationships" xmlns:p="http://schemas.openxmlformats.org/presentationml/2006/main">
-  <p:cSld>
-    <p:bg>
-      <p:bgPr>
-        <a:gradFill rotWithShape="1">
-          <a:gsLst>
-            <a:gs pos="10000">
-              <a:schemeClr val="bg2">
-                <a:tint val="97000"/>
-                <a:hueMod val="92000"/>
-                <a:satMod val="169000"/>
-                <a:lumMod val="164000"/>
-              </a:schemeClr>
-            </a:gs>
-            <a:gs pos="100000">
-              <a:schemeClr val="bg2">
-                <a:shade val="96000"/>
-                <a:satMod val="120000"/>
-                <a:lumMod val="90000"/>
-              </a:schemeClr>
-            </a:gs>
-          </a:gsLst>
-          <a:lin ang="6120000" scaled="1"/>
-        </a:gradFill>
-        <a:effectLst/>
-      </p:bgPr>
-    </p:bg>
-    <p:spTree>
-      <p:nvGrpSpPr>
-        <p:cNvPr id="1" name=""/>
-        <p:cNvGrpSpPr/>
-        <p:nvPr/>
-      </p:nvGrpSpPr>
-      <p:grpSpPr>
-        <a:xfrm>
-          <a:off x="0" y="0"/>
-          <a:ext cx="0" cy="0"/>
-          <a:chOff x="0" y="0"/>
-          <a:chExt cx="0" cy="0"/>
-        </a:xfrm>
-      </p:grpSpPr>
-      <p:sp>
-        <p:nvSpPr>
-          <p:cNvPr id="2" name="Title 1">
-            <a:extLst>
-              <a:ext uri="{FF2B5EF4-FFF2-40B4-BE49-F238E27FC236}">
-                <a16:creationId xmlns:a16="http://schemas.microsoft.com/office/drawing/2014/main" id="{73BCA3E8-B163-4626-AB15-C2F610CF26B4}"/>
-              </a:ext>
-            </a:extLst>
-          </p:cNvPr>
-          <p:cNvSpPr>
-            <a:spLocks noGrp="1"/>
-          </p:cNvSpPr>
-          <p:nvPr>
-            <p:ph type="title"/>
-          </p:nvPr>
-        </p:nvSpPr>
-        <p:spPr>
-          <a:xfrm>
-            <a:off x="3576702" y="4515324"/>
-            <a:ext cx="8534400" cy="1507067"/>
-          </a:xfrm>
-        </p:spPr>
-        <p:txBody>
-          <a:bodyPr>
-            <a:normAutofit/>
-          </a:bodyPr>
-          <a:lstStyle/>
-          <a:p>
-            <a:r>
-              <a:rPr lang="en-GB" dirty="0"/>
-              <a:t>Data Integration – Premier League Standings</a:t>
-            </a:r>
-          </a:p>
-        </p:txBody>
-      </p:sp>
-      <p:pic>
-        <p:nvPicPr>
-          <p:cNvPr id="7" name="Picture 6" descr="A close up of a street&#10;&#10;Description generated with high confidence">
-            <a:extLst>
-              <a:ext uri="{FF2B5EF4-FFF2-40B4-BE49-F238E27FC236}">
-                <a16:creationId xmlns:a16="http://schemas.microsoft.com/office/drawing/2014/main" id="{F59C0CE2-6B21-48D7-9DF6-2A781A5A5BD5}"/>
-              </a:ext>
-            </a:extLst>
-          </p:cNvPr>
-          <p:cNvPicPr>
-            <a:picLocks noChangeAspect="1"/>
-          </p:cNvPicPr>
-          <p:nvPr/>
-        </p:nvPicPr>
-        <p:blipFill>
-          <a:blip r:embed="rId2"/>
-          <a:stretch>
-            <a:fillRect/>
-          </a:stretch>
-        </p:blipFill>
-        <p:spPr>
-          <a:xfrm>
-            <a:off x="1427584" y="394607"/>
-            <a:ext cx="1361232" cy="6023721"/>
-          </a:xfrm>
-          <a:prstGeom prst="rect">
-            <a:avLst/>
-          </a:prstGeom>
-          <a:effectLst>
-            <a:innerShdw blurRad="57150" dist="38100" dir="14460000">
-              <a:prstClr val="black">
-                <a:alpha val="70000"/>
-              </a:prstClr>
-            </a:innerShdw>
-          </a:effectLst>
-        </p:spPr>
-      </p:pic>
-      <p:sp>
-        <p:nvSpPr>
-          <p:cNvPr id="3" name="Content Placeholder 2">
-            <a:extLst>
-              <a:ext uri="{FF2B5EF4-FFF2-40B4-BE49-F238E27FC236}">
-                <a16:creationId xmlns:a16="http://schemas.microsoft.com/office/drawing/2014/main" id="{3E3CE4C3-BF0A-4957-95D7-FBC24D682FEA}"/>
-              </a:ext>
-            </a:extLst>
-          </p:cNvPr>
-          <p:cNvSpPr>
-            <a:spLocks noGrp="1"/>
-          </p:cNvSpPr>
-          <p:nvPr>
-            <p:ph idx="1"/>
-          </p:nvPr>
-        </p:nvSpPr>
-        <p:spPr>
-          <a:xfrm>
-            <a:off x="4325696" y="733647"/>
-            <a:ext cx="6593129" cy="3575884"/>
-          </a:xfrm>
-        </p:spPr>
-        <p:txBody>
-          <a:bodyPr>
-            <a:normAutofit/>
-          </a:bodyPr>
-          <a:lstStyle/>
-          <a:p>
-            <a:pPr lvl="1"/>
-            <a:r>
-              <a:rPr lang="en-GB" dirty="0"/>
-              <a:t>Created our own dataset that pertained to Premier League Standings for the relevant years.</a:t>
-            </a:r>
-          </a:p>
-          <a:p>
-            <a:pPr lvl="1"/>
-            <a:r>
-              <a:rPr lang="en-GB" dirty="0"/>
-              <a:t>Contains data for all 46 teams that participated in that time.</a:t>
-            </a:r>
-          </a:p>
-          <a:p>
-            <a:pPr lvl="1"/>
-            <a:r>
-              <a:rPr lang="en-GB" dirty="0"/>
-              <a:t>Potential attribute - difference in league position from the previous year as an attribute in our prediction.</a:t>
-            </a:r>
-          </a:p>
-          <a:p>
-            <a:pPr lvl="1"/>
-            <a:r>
-              <a:rPr lang="en-GB" dirty="0"/>
-              <a:t>Performed correlation analysis (Pearson) to ensure we were not introducing a redundancy into our dataset.</a:t>
-            </a:r>
-          </a:p>
-          <a:p>
-            <a:pPr lvl="1"/>
-            <a:endParaRPr lang="en-GB" dirty="0"/>
-          </a:p>
-        </p:txBody>
-      </p:sp>
-    </p:spTree>
-    <p:extLst>
-      <p:ext uri="{BB962C8B-B14F-4D97-AF65-F5344CB8AC3E}">
-        <p14:creationId xmlns:p14="http://schemas.microsoft.com/office/powerpoint/2010/main" val="1186590324"/>
-      </p:ext>
-    </p:extLst>
-  </p:cSld>
-  <p:clrMapOvr>
-    <a:masterClrMapping/>
-  </p:clrMapOvr>
-</p:sld>
-</file>
-
 <file path=ppt/slides/slide9.xml><?xml version="1.0" encoding="utf-8"?>
 <p:sld xmlns:a="http://schemas.openxmlformats.org/drawingml/2006/main" xmlns:r="http://schemas.openxmlformats.org/officeDocument/2006/relationships" xmlns:p="http://schemas.openxmlformats.org/presentationml/2006/main">
   <p:cSld>
@@ -8454,8 +8819,8 @@
         </p:nvSpPr>
         <p:spPr>
           <a:xfrm>
-            <a:off x="342678" y="213176"/>
-            <a:ext cx="7886200" cy="1298401"/>
+            <a:off x="3576702" y="4515324"/>
+            <a:ext cx="8534400" cy="1507067"/>
           </a:xfrm>
         </p:spPr>
         <p:txBody>
@@ -8466,17 +8831,17 @@
           <a:p>
             <a:r>
               <a:rPr lang="en-GB" dirty="0"/>
-              <a:t>Conclusions</a:t>
+              <a:t>Data Integration – Premier League Standings</a:t>
             </a:r>
           </a:p>
         </p:txBody>
       </p:sp>
       <p:pic>
         <p:nvPicPr>
-          <p:cNvPr id="5" name="Picture 4" descr="A picture containing wall&#10;&#10;Description generated with high confidence">
+          <p:cNvPr id="7" name="Picture 6" descr="A close up of a street&#10;&#10;Description generated with high confidence">
             <a:extLst>
               <a:ext uri="{FF2B5EF4-FFF2-40B4-BE49-F238E27FC236}">
-                <a16:creationId xmlns:a16="http://schemas.microsoft.com/office/drawing/2014/main" id="{43E92EC6-E36C-42BA-942E-B5711F6ECB82}"/>
+                <a16:creationId xmlns:a16="http://schemas.microsoft.com/office/drawing/2014/main" id="{F59C0CE2-6B21-48D7-9DF6-2A781A5A5BD5}"/>
               </a:ext>
             </a:extLst>
           </p:cNvPr>
@@ -8493,8 +8858,8 @@
         </p:blipFill>
         <p:spPr>
           <a:xfrm>
-            <a:off x="307129" y="2186510"/>
-            <a:ext cx="6934702" cy="1907042"/>
+            <a:off x="1427584" y="394607"/>
+            <a:ext cx="1361232" cy="6023721"/>
           </a:xfrm>
           <a:prstGeom prst="rect">
             <a:avLst/>
@@ -8526,147 +8891,61 @@
         </p:nvSpPr>
         <p:spPr>
           <a:xfrm>
-            <a:off x="7102405" y="359830"/>
-            <a:ext cx="4419171" cy="4295552"/>
+            <a:off x="4325696" y="733647"/>
+            <a:ext cx="6593129" cy="3575884"/>
           </a:xfrm>
         </p:spPr>
         <p:txBody>
           <a:bodyPr>
-            <a:normAutofit/>
+            <a:normAutofit lnSpcReduction="10000"/>
           </a:bodyPr>
           <a:lstStyle/>
           <a:p>
             <a:pPr lvl="1"/>
             <a:r>
-              <a:rPr lang="en-US" dirty="0">
-                <a:latin typeface="Helvetica" charset="0"/>
-                <a:ea typeface="Helvetica" charset="0"/>
-                <a:cs typeface="Helvetica" charset="0"/>
-              </a:rPr>
-              <a:t>Based on our analysis of the data we generated from transformation and integration, we have identified some key attributes which will be central to our prediction algorithm</a:t>
+              <a:rPr lang="en-GB" dirty="0"/>
+              <a:t>Created our own dataset that pertained to Premier League Standings for the relevant years.</a:t>
             </a:r>
           </a:p>
           <a:p>
             <a:pPr lvl="1"/>
             <a:r>
               <a:rPr lang="en-GB" dirty="0"/>
-              <a:t>We feel we now have a set of attributes that are suitable for a classification algorithm such as K Nearest Neighbour or a Decision Tree.</a:t>
-            </a:r>
-          </a:p>
-        </p:txBody>
-      </p:sp>
-      <p:sp>
-        <p:nvSpPr>
-          <p:cNvPr id="6" name="Rectangle 5">
-            <a:extLst>
-              <a:ext uri="{FF2B5EF4-FFF2-40B4-BE49-F238E27FC236}">
-                <a16:creationId xmlns:a16="http://schemas.microsoft.com/office/drawing/2014/main" id="{03C62D19-B298-47BE-A54F-7BFFEA3012C8}"/>
-              </a:ext>
-            </a:extLst>
-          </p:cNvPr>
-          <p:cNvSpPr/>
-          <p:nvPr/>
-        </p:nvSpPr>
-        <p:spPr>
-          <a:xfrm>
-            <a:off x="-283760" y="1765712"/>
-            <a:ext cx="3416320" cy="369332"/>
-          </a:xfrm>
-          <a:prstGeom prst="rect">
-            <a:avLst/>
-          </a:prstGeom>
-        </p:spPr>
-        <p:txBody>
-          <a:bodyPr wrap="none">
-            <a:spAutoFit/>
-          </a:bodyPr>
-          <a:lstStyle/>
+              <a:t>Contains data for all 46 teams that participated in that time.</a:t>
+            </a:r>
+          </a:p>
           <a:p>
             <a:pPr lvl="1"/>
             <a:r>
-              <a:rPr lang="en-US" dirty="0">
-                <a:latin typeface="Helvetica" charset="0"/>
-                <a:ea typeface="Helvetica" charset="0"/>
-                <a:cs typeface="Helvetica" charset="0"/>
-              </a:rPr>
-              <a:t>Our dataset went from this:</a:t>
-            </a:r>
-          </a:p>
-        </p:txBody>
-      </p:sp>
-      <p:sp>
-        <p:nvSpPr>
-          <p:cNvPr id="7" name="Rectangle 6">
-            <a:extLst>
-              <a:ext uri="{FF2B5EF4-FFF2-40B4-BE49-F238E27FC236}">
-                <a16:creationId xmlns:a16="http://schemas.microsoft.com/office/drawing/2014/main" id="{CEF41B1C-C13A-492B-B2DC-0EC19D245573}"/>
-              </a:ext>
-            </a:extLst>
-          </p:cNvPr>
-          <p:cNvSpPr/>
-          <p:nvPr/>
-        </p:nvSpPr>
-        <p:spPr>
-          <a:xfrm>
-            <a:off x="-283760" y="4093552"/>
-            <a:ext cx="1377365" cy="369332"/>
-          </a:xfrm>
-          <a:prstGeom prst="rect">
-            <a:avLst/>
-          </a:prstGeom>
-        </p:spPr>
-        <p:txBody>
-          <a:bodyPr wrap="none">
-            <a:spAutoFit/>
-          </a:bodyPr>
-          <a:lstStyle/>
+              <a:rPr lang="en-GB" dirty="0"/>
+              <a:t>Potential attribute - difference in league position from the previous year as an attribute in our prediction.</a:t>
+            </a:r>
+          </a:p>
           <a:p>
             <a:pPr lvl="1"/>
             <a:r>
-              <a:rPr lang="en-US" dirty="0">
-                <a:latin typeface="Helvetica" charset="0"/>
-                <a:ea typeface="Helvetica" charset="0"/>
-                <a:cs typeface="Helvetica" charset="0"/>
-              </a:rPr>
-              <a:t>To this:</a:t>
-            </a:r>
-          </a:p>
-        </p:txBody>
-      </p:sp>
-      <p:pic>
-        <p:nvPicPr>
-          <p:cNvPr id="9" name="Picture 8">
-            <a:extLst>
-              <a:ext uri="{FF2B5EF4-FFF2-40B4-BE49-F238E27FC236}">
-                <a16:creationId xmlns:a16="http://schemas.microsoft.com/office/drawing/2014/main" id="{86F3B70D-A5CF-428E-8748-639B6C971CDD}"/>
-              </a:ext>
-            </a:extLst>
-          </p:cNvPr>
-          <p:cNvPicPr>
-            <a:picLocks noChangeAspect="1"/>
-          </p:cNvPicPr>
-          <p:nvPr/>
-        </p:nvPicPr>
-        <p:blipFill>
-          <a:blip r:embed="rId3"/>
-          <a:stretch>
-            <a:fillRect/>
-          </a:stretch>
-        </p:blipFill>
-        <p:spPr>
-          <a:xfrm>
-            <a:off x="342678" y="4547170"/>
-            <a:ext cx="6934701" cy="2007422"/>
-          </a:xfrm>
-          <a:prstGeom prst="rect">
-            <a:avLst/>
-          </a:prstGeom>
-        </p:spPr>
-      </p:pic>
+              <a:rPr lang="en-GB" dirty="0"/>
+              <a:t>Performed correlation analysis (Pearson) to ensure we were not introducing a redundancy into our dataset.</a:t>
+            </a:r>
+          </a:p>
+          <a:p>
+            <a:pPr lvl="1"/>
+            <a:r>
+              <a:rPr lang="en-US" dirty="0"/>
+              <a:t>18 datasets</a:t>
+            </a:r>
+            <a:endParaRPr lang="en-GB" dirty="0"/>
+          </a:p>
+          <a:p>
+            <a:pPr lvl="1"/>
+            <a:endParaRPr lang="en-GB" dirty="0"/>
+          </a:p>
+        </p:txBody>
+      </p:sp>
     </p:spTree>
     <p:extLst>
       <p:ext uri="{BB962C8B-B14F-4D97-AF65-F5344CB8AC3E}">
-        <p14:creationId xmlns:p14="http://schemas.microsoft.com/office/powerpoint/2010/main" val="1929422650"/>
+        <p14:creationId xmlns:p14="http://schemas.microsoft.com/office/powerpoint/2010/main" val="1186590324"/>
       </p:ext>
     </p:extLst>
   </p:cSld>
